--- a/asset/Learn_ja/ITA-Ansible-Driver_ja.pptx
+++ b/asset/Learn_ja/ITA-Ansible-Driver_ja.pptx
@@ -6,10 +6,10 @@
     <p:sldMasterId id="2147483703" r:id="rId2"/>
   </p:sldMasterIdLst>
   <p:notesMasterIdLst>
-    <p:notesMasterId r:id="rId26"/>
+    <p:notesMasterId r:id="rId27"/>
   </p:notesMasterIdLst>
   <p:handoutMasterIdLst>
-    <p:handoutMasterId r:id="rId27"/>
+    <p:handoutMasterId r:id="rId28"/>
   </p:handoutMasterIdLst>
   <p:sldIdLst>
     <p:sldId id="708" r:id="rId3"/>
@@ -33,8 +33,9 @@
     <p:sldId id="721" r:id="rId21"/>
     <p:sldId id="722" r:id="rId22"/>
     <p:sldId id="723" r:id="rId23"/>
-    <p:sldId id="724" r:id="rId24"/>
-    <p:sldId id="318" r:id="rId25"/>
+    <p:sldId id="725" r:id="rId24"/>
+    <p:sldId id="724" r:id="rId25"/>
+    <p:sldId id="318" r:id="rId26"/>
   </p:sldIdLst>
   <p:sldSz cx="9144000" cy="6858000" type="screen4x3"/>
   <p:notesSz cx="6807200" cy="9939338"/>
@@ -168,6 +169,7 @@
             <p14:sldId id="721"/>
             <p14:sldId id="722"/>
             <p14:sldId id="723"/>
+            <p14:sldId id="725"/>
             <p14:sldId id="724"/>
             <p14:sldId id="318"/>
           </p14:sldIdLst>
@@ -318,7 +320,7 @@
               <a:rPr kumimoji="1" lang="ja-JP" altLang="en-US" smtClean="0">
                 <a:ea typeface="メイリオ" panose="020B0604030504040204" pitchFamily="50" charset="-128"/>
               </a:rPr>
-              <a:t>2020/9/10</a:t>
+              <a:t>2020/10/29</a:t>
             </a:fld>
             <a:endParaRPr kumimoji="1" lang="ja-JP" altLang="en-US" dirty="0">
               <a:ea typeface="メイリオ" panose="020B0604030504040204" pitchFamily="50" charset="-128"/>
@@ -464,7 +466,7 @@
             <a:fld id="{4B26993D-C081-44EB-B0F5-A9F467792B62}" type="datetimeFigureOut">
               <a:rPr lang="ja-JP" altLang="en-US" smtClean="0"/>
               <a:pPr/>
-              <a:t>2020/9/10</a:t>
+              <a:t>2020/10/29</a:t>
             </a:fld>
             <a:endParaRPr lang="ja-JP" altLang="en-US" dirty="0"/>
           </a:p>
@@ -1087,7 +1089,7 @@
           <a:p>
             <a:fld id="{56F9016B-CCA6-43BE-8BEE-59565A35F4F7}" type="datetimeFigureOut">
               <a:rPr kumimoji="1" lang="ja-JP" altLang="en-US" smtClean="0"/>
-              <a:t>2020/9/10</a:t>
+              <a:t>2020/10/29</a:t>
             </a:fld>
             <a:endParaRPr kumimoji="1" lang="ja-JP" altLang="en-US"/>
           </a:p>
@@ -1289,7 +1291,7 @@
           <a:p>
             <a:fld id="{56F9016B-CCA6-43BE-8BEE-59565A35F4F7}" type="datetimeFigureOut">
               <a:rPr kumimoji="1" lang="ja-JP" altLang="en-US" smtClean="0"/>
-              <a:t>2020/9/10</a:t>
+              <a:t>2020/10/29</a:t>
             </a:fld>
             <a:endParaRPr kumimoji="1" lang="ja-JP" altLang="en-US"/>
           </a:p>
@@ -1535,7 +1537,7 @@
           <a:p>
             <a:fld id="{56F9016B-CCA6-43BE-8BEE-59565A35F4F7}" type="datetimeFigureOut">
               <a:rPr kumimoji="1" lang="ja-JP" altLang="en-US" smtClean="0"/>
-              <a:t>2020/9/10</a:t>
+              <a:t>2020/10/29</a:t>
             </a:fld>
             <a:endParaRPr kumimoji="1" lang="ja-JP" altLang="en-US"/>
           </a:p>
@@ -1831,7 +1833,7 @@
           <a:p>
             <a:fld id="{56F9016B-CCA6-43BE-8BEE-59565A35F4F7}" type="datetimeFigureOut">
               <a:rPr kumimoji="1" lang="ja-JP" altLang="en-US" smtClean="0"/>
-              <a:t>2020/9/10</a:t>
+              <a:t>2020/10/29</a:t>
             </a:fld>
             <a:endParaRPr kumimoji="1" lang="ja-JP" altLang="en-US"/>
           </a:p>
@@ -2262,7 +2264,7 @@
           <a:p>
             <a:fld id="{56F9016B-CCA6-43BE-8BEE-59565A35F4F7}" type="datetimeFigureOut">
               <a:rPr kumimoji="1" lang="ja-JP" altLang="en-US" smtClean="0"/>
-              <a:t>2020/9/10</a:t>
+              <a:t>2020/10/29</a:t>
             </a:fld>
             <a:endParaRPr kumimoji="1" lang="ja-JP" altLang="en-US"/>
           </a:p>
@@ -2380,7 +2382,7 @@
           <a:p>
             <a:fld id="{56F9016B-CCA6-43BE-8BEE-59565A35F4F7}" type="datetimeFigureOut">
               <a:rPr kumimoji="1" lang="ja-JP" altLang="en-US" smtClean="0"/>
-              <a:t>2020/9/10</a:t>
+              <a:t>2020/10/29</a:t>
             </a:fld>
             <a:endParaRPr kumimoji="1" lang="ja-JP" altLang="en-US"/>
           </a:p>
@@ -2475,7 +2477,7 @@
           <a:p>
             <a:fld id="{56F9016B-CCA6-43BE-8BEE-59565A35F4F7}" type="datetimeFigureOut">
               <a:rPr kumimoji="1" lang="ja-JP" altLang="en-US" smtClean="0"/>
-              <a:t>2020/9/10</a:t>
+              <a:t>2020/10/29</a:t>
             </a:fld>
             <a:endParaRPr kumimoji="1" lang="ja-JP" altLang="en-US"/>
           </a:p>
@@ -2784,7 +2786,7 @@
           <a:p>
             <a:fld id="{56F9016B-CCA6-43BE-8BEE-59565A35F4F7}" type="datetimeFigureOut">
               <a:rPr kumimoji="1" lang="ja-JP" altLang="en-US" smtClean="0"/>
-              <a:t>2020/9/10</a:t>
+              <a:t>2020/10/29</a:t>
             </a:fld>
             <a:endParaRPr kumimoji="1" lang="ja-JP" altLang="en-US"/>
           </a:p>
@@ -3037,7 +3039,7 @@
           <a:p>
             <a:fld id="{56F9016B-CCA6-43BE-8BEE-59565A35F4F7}" type="datetimeFigureOut">
               <a:rPr kumimoji="1" lang="ja-JP" altLang="en-US" smtClean="0"/>
-              <a:t>2020/9/10</a:t>
+              <a:t>2020/10/29</a:t>
             </a:fld>
             <a:endParaRPr kumimoji="1" lang="ja-JP" altLang="en-US"/>
           </a:p>
@@ -3314,7 +3316,7 @@
           <a:p>
             <a:fld id="{56F9016B-CCA6-43BE-8BEE-59565A35F4F7}" type="datetimeFigureOut">
               <a:rPr kumimoji="1" lang="ja-JP" altLang="en-US" smtClean="0"/>
-              <a:t>2020/9/10</a:t>
+              <a:t>2020/10/29</a:t>
             </a:fld>
             <a:endParaRPr kumimoji="1" lang="ja-JP" altLang="en-US"/>
           </a:p>
@@ -3526,7 +3528,7 @@
           <a:p>
             <a:fld id="{56F9016B-CCA6-43BE-8BEE-59565A35F4F7}" type="datetimeFigureOut">
               <a:rPr kumimoji="1" lang="ja-JP" altLang="en-US" smtClean="0"/>
-              <a:t>2020/9/10</a:t>
+              <a:t>2020/10/29</a:t>
             </a:fld>
             <a:endParaRPr kumimoji="1" lang="ja-JP" altLang="en-US"/>
           </a:p>
@@ -6585,7 +6587,7 @@
           <a:p>
             <a:fld id="{56F9016B-CCA6-43BE-8BEE-59565A35F4F7}" type="datetimeFigureOut">
               <a:rPr kumimoji="1" lang="ja-JP" altLang="en-US" smtClean="0"/>
-              <a:t>2020/9/10</a:t>
+              <a:t>2020/10/29</a:t>
             </a:fld>
             <a:endParaRPr kumimoji="1" lang="ja-JP" altLang="en-US"/>
           </a:p>
@@ -7018,15 +7020,15 @@
           <a:lstStyle/>
           <a:p>
             <a:r>
-              <a:rPr lang="ja-JP" altLang="en-US" dirty="0" smtClean="0"/>
+              <a:rPr lang="ja-JP" altLang="en-US" smtClean="0"/>
               <a:t>第</a:t>
             </a:r>
             <a:r>
-              <a:rPr lang="en-US" altLang="ja-JP" dirty="0" smtClean="0"/>
-              <a:t>1.2</a:t>
-            </a:r>
-            <a:r>
-              <a:rPr lang="ja-JP" altLang="en-US" dirty="0" smtClean="0"/>
+              <a:rPr lang="en-US" altLang="ja-JP" smtClean="0"/>
+              <a:t>1.3</a:t>
+            </a:r>
+            <a:r>
+              <a:rPr lang="ja-JP" altLang="en-US" smtClean="0"/>
               <a:t>版</a:t>
             </a:r>
             <a:endParaRPr lang="en-US" altLang="ja-JP" dirty="0" smtClean="0"/>
@@ -7058,8 +7060,8 @@
         </p:nvSpPr>
         <p:spPr bwMode="gray">
           <a:xfrm>
-            <a:off x="0" y="3294124"/>
-            <a:ext cx="9143999" cy="775015"/>
+            <a:off x="0" y="2923461"/>
+            <a:ext cx="9143999" cy="1513679"/>
           </a:xfrm>
           <a:prstGeom prst="rect">
             <a:avLst/>
@@ -7210,8 +7212,23 @@
           </a:lstStyle>
           <a:p>
             <a:r>
-              <a:rPr lang="en-US" altLang="ja-JP" sz="4800" b="1" dirty="0" smtClean="0"/>
+              <a:rPr lang="en-US" altLang="ja-JP" sz="4800" b="1" smtClean="0"/>
               <a:t>Ansible Driver</a:t>
+            </a:r>
+            <a:br>
+              <a:rPr lang="en-US" altLang="ja-JP" sz="4800" b="1" smtClean="0"/>
+            </a:br>
+            <a:r>
+              <a:rPr lang="en-US" altLang="ja-JP" sz="4800" b="1" smtClean="0"/>
+              <a:t>【</a:t>
+            </a:r>
+            <a:r>
+              <a:rPr lang="ja-JP" altLang="en-US" sz="4800" b="1" smtClean="0"/>
+              <a:t>座学編</a:t>
+            </a:r>
+            <a:r>
+              <a:rPr lang="en-US" altLang="ja-JP" sz="4800" b="1" smtClean="0"/>
+              <a:t>】</a:t>
             </a:r>
             <a:endParaRPr lang="en-US" altLang="ja-JP" sz="4800" b="1" kern="0" spc="-150" dirty="0" smtClean="0">
               <a:solidFill>
@@ -19595,12 +19612,12 @@
           <a:p>
             <a:pPr lvl="1"/>
             <a:r>
-              <a:rPr lang="ja-JP" altLang="en-US" sz="1400" b="1" dirty="0"/>
-              <a:t>作業状態</a:t>
-            </a:r>
-            <a:r>
-              <a:rPr lang="ja-JP" altLang="en-US" sz="1400" b="1" dirty="0" smtClean="0"/>
-              <a:t>管理</a:t>
+              <a:rPr lang="ja-JP" altLang="en-US" sz="1400" b="1"/>
+              <a:t>作業</a:t>
+            </a:r>
+            <a:r>
+              <a:rPr lang="ja-JP" altLang="en-US" sz="1400" b="1" smtClean="0"/>
+              <a:t>状態確認</a:t>
             </a:r>
             <a:endParaRPr lang="en-US" altLang="ja-JP" sz="1400" b="1" dirty="0" smtClean="0"/>
           </a:p>
@@ -29233,13 +29250,17 @@
             </a:r>
             <a:r>
               <a:rPr lang="ja-JP" altLang="en-US" sz="1400" dirty="0"/>
-              <a:t>列されている変数配列の最大繰返数の管理が行えます。</a:t>
+              <a:t>列されている変数配列の最大繰返数の管理が</a:t>
+            </a:r>
+            <a:r>
+              <a:rPr lang="ja-JP" altLang="en-US" sz="1400"/>
+              <a:t>行えます</a:t>
+            </a:r>
+            <a:r>
+              <a:rPr lang="ja-JP" altLang="en-US" sz="1400" smtClean="0"/>
+              <a:t>。</a:t>
             </a:r>
             <a:endParaRPr lang="en-US" altLang="ja-JP" sz="1400" dirty="0"/>
-          </a:p>
-          <a:p>
-            <a:pPr lvl="1"/>
-            <a:endParaRPr kumimoji="1" lang="ja-JP" altLang="en-US" sz="1400" dirty="0"/>
           </a:p>
         </p:txBody>
       </p:sp>
@@ -29525,11 +29546,15 @@
             </a:r>
             <a:r>
               <a:rPr lang="ja-JP" altLang="en-US" dirty="0" smtClean="0"/>
-              <a:t>モード　</a:t>
-            </a:r>
-            <a:r>
-              <a:rPr lang="en-US" altLang="ja-JP" dirty="0" smtClean="0"/>
-              <a:t>(1/4)</a:t>
+              <a:t>モード</a:t>
+            </a:r>
+            <a:r>
+              <a:rPr lang="ja-JP" altLang="en-US" smtClean="0"/>
+              <a:t>　</a:t>
+            </a:r>
+            <a:r>
+              <a:rPr lang="en-US" altLang="ja-JP" smtClean="0"/>
+              <a:t>(1/5)</a:t>
             </a:r>
             <a:endParaRPr kumimoji="1" lang="ja-JP" altLang="en-US" dirty="0"/>
           </a:p>
@@ -29926,7 +29951,9 @@
               <a:buAutoNum type="arabicPeriod"/>
             </a:pPr>
             <a:r>
-              <a:rPr lang="ja-JP" altLang="en-US" dirty="0" smtClean="0"/>
+              <a:rPr lang="ja-JP" altLang="en-US" dirty="0" smtClean="0">
+                <a:hlinkClick r:id="rId2" action="ppaction://hlinksldjump"/>
+              </a:rPr>
               <a:t>はじめに</a:t>
             </a:r>
             <a:endParaRPr lang="en-US" altLang="ja-JP" dirty="0" smtClean="0"/>
@@ -29937,19 +29964,27 @@
               <a:buAutoNum type="arabicPeriod"/>
             </a:pPr>
             <a:r>
-              <a:rPr lang="en-US" altLang="ja-JP" dirty="0" err="1" smtClean="0"/>
+              <a:rPr lang="en-US" altLang="ja-JP" dirty="0" err="1" smtClean="0">
+                <a:hlinkClick r:id="rId3" action="ppaction://hlinksldjump"/>
+              </a:rPr>
               <a:t>Ansible</a:t>
             </a:r>
             <a:r>
-              <a:rPr lang="ja-JP" altLang="en-US" dirty="0"/>
+              <a:rPr lang="ja-JP" altLang="en-US" dirty="0">
+                <a:hlinkClick r:id="rId3" action="ppaction://hlinksldjump"/>
+              </a:rPr>
               <a:t> </a:t>
             </a:r>
             <a:r>
-              <a:rPr lang="en-US" altLang="ja-JP" dirty="0" smtClean="0"/>
+              <a:rPr lang="en-US" altLang="ja-JP" dirty="0" smtClean="0">
+                <a:hlinkClick r:id="rId3" action="ppaction://hlinksldjump"/>
+              </a:rPr>
               <a:t>Driver</a:t>
             </a:r>
             <a:r>
-              <a:rPr lang="ja-JP" altLang="en-US" dirty="0" smtClean="0"/>
+              <a:rPr lang="ja-JP" altLang="en-US" dirty="0" smtClean="0">
+                <a:hlinkClick r:id="rId3" action="ppaction://hlinksldjump"/>
+              </a:rPr>
               <a:t>とは</a:t>
             </a:r>
             <a:endParaRPr lang="en-US" altLang="ja-JP" dirty="0" smtClean="0"/>
@@ -29960,19 +29995,27 @@
               <a:buAutoNum type="arabicPeriod"/>
             </a:pPr>
             <a:r>
-              <a:rPr lang="en-US" altLang="ja-JP" sz="1600" dirty="0" err="1"/>
+              <a:rPr lang="en-US" altLang="ja-JP" sz="1600" dirty="0" err="1">
+                <a:hlinkClick r:id="rId4" action="ppaction://hlinksldjump"/>
+              </a:rPr>
               <a:t>Ansible</a:t>
             </a:r>
             <a:r>
-              <a:rPr lang="en-US" altLang="ja-JP" sz="1600" dirty="0"/>
+              <a:rPr lang="en-US" altLang="ja-JP" sz="1600" dirty="0">
+                <a:hlinkClick r:id="rId4" action="ppaction://hlinksldjump"/>
+              </a:rPr>
               <a:t> Tower</a:t>
             </a:r>
             <a:r>
-              <a:rPr lang="ja-JP" altLang="en-US" sz="1600" dirty="0"/>
+              <a:rPr lang="ja-JP" altLang="en-US" sz="1600" dirty="0">
+                <a:hlinkClick r:id="rId4" action="ppaction://hlinksldjump"/>
+              </a:rPr>
               <a:t>との</a:t>
             </a:r>
             <a:r>
-              <a:rPr lang="ja-JP" altLang="en-US" sz="1600" dirty="0" smtClean="0"/>
+              <a:rPr lang="ja-JP" altLang="en-US" sz="1600" dirty="0" smtClean="0">
+                <a:hlinkClick r:id="rId4" action="ppaction://hlinksldjump"/>
+              </a:rPr>
               <a:t>連携</a:t>
             </a:r>
             <a:endParaRPr lang="en-US" altLang="ja-JP" sz="1600" dirty="0" smtClean="0"/>
@@ -29983,19 +30026,27 @@
               <a:buAutoNum type="arabicPeriod"/>
             </a:pPr>
             <a:r>
-              <a:rPr lang="en-US" altLang="ja-JP" sz="1600" dirty="0"/>
+              <a:rPr lang="en-US" altLang="ja-JP" sz="1600" dirty="0">
+                <a:hlinkClick r:id="rId5" action="ppaction://hlinksldjump"/>
+              </a:rPr>
               <a:t>3</a:t>
             </a:r>
             <a:r>
-              <a:rPr lang="ja-JP" altLang="en-US" sz="1600" dirty="0" err="1"/>
+              <a:rPr lang="ja-JP" altLang="en-US" sz="1600" dirty="0" err="1">
+                <a:hlinkClick r:id="rId5" action="ppaction://hlinksldjump"/>
+              </a:rPr>
               <a:t>つの</a:t>
             </a:r>
             <a:r>
-              <a:rPr lang="ja-JP" altLang="en-US" sz="1600" dirty="0"/>
+              <a:rPr lang="ja-JP" altLang="en-US" sz="1600" dirty="0">
+                <a:hlinkClick r:id="rId5" action="ppaction://hlinksldjump"/>
+              </a:rPr>
               <a:t>モードの</a:t>
             </a:r>
             <a:r>
-              <a:rPr lang="ja-JP" altLang="en-US" sz="1600" dirty="0" smtClean="0"/>
+              <a:rPr lang="ja-JP" altLang="en-US" sz="1600" dirty="0" smtClean="0">
+                <a:hlinkClick r:id="rId5" action="ppaction://hlinksldjump"/>
+              </a:rPr>
               <a:t>説明</a:t>
             </a:r>
             <a:endParaRPr lang="en-US" altLang="ja-JP" sz="1600" dirty="0" smtClean="0"/>
@@ -30006,11 +30057,15 @@
               <a:buAutoNum type="arabicPeriod"/>
             </a:pPr>
             <a:r>
-              <a:rPr lang="ja-JP" altLang="en-US" sz="1600" dirty="0"/>
+              <a:rPr lang="ja-JP" altLang="en-US" sz="1600" dirty="0">
+                <a:hlinkClick r:id="rId6" action="ppaction://hlinksldjump"/>
+              </a:rPr>
               <a:t>各モードの</a:t>
             </a:r>
             <a:r>
-              <a:rPr lang="ja-JP" altLang="en-US" sz="1600" dirty="0" smtClean="0"/>
+              <a:rPr lang="ja-JP" altLang="en-US" sz="1600" dirty="0" smtClean="0">
+                <a:hlinkClick r:id="rId6" action="ppaction://hlinksldjump"/>
+              </a:rPr>
               <a:t>特徴</a:t>
             </a:r>
             <a:endParaRPr lang="en-US" altLang="ja-JP" sz="1600" dirty="0" smtClean="0"/>
@@ -30021,11 +30076,15 @@
               <a:buAutoNum type="arabicPeriod"/>
             </a:pPr>
             <a:r>
-              <a:rPr lang="en-US" altLang="ja-JP" sz="1600" dirty="0"/>
+              <a:rPr lang="en-US" altLang="ja-JP" sz="1600" dirty="0">
+                <a:hlinkClick r:id="rId7" action="ppaction://hlinksldjump"/>
+              </a:rPr>
               <a:t>Legacy</a:t>
             </a:r>
             <a:r>
-              <a:rPr lang="ja-JP" altLang="en-US" sz="1600" dirty="0" smtClean="0"/>
+              <a:rPr lang="ja-JP" altLang="en-US" sz="1600" dirty="0" smtClean="0">
+                <a:hlinkClick r:id="rId7" action="ppaction://hlinksldjump"/>
+              </a:rPr>
               <a:t>モード</a:t>
             </a:r>
             <a:endParaRPr lang="en-US" altLang="ja-JP" sz="1600" dirty="0"/>
@@ -30036,11 +30095,15 @@
               <a:buAutoNum type="arabicPeriod"/>
             </a:pPr>
             <a:r>
-              <a:rPr lang="en-US" altLang="ja-JP" sz="1600" dirty="0" err="1"/>
+              <a:rPr lang="en-US" altLang="ja-JP" sz="1600" dirty="0" err="1">
+                <a:hlinkClick r:id="rId8" action="ppaction://hlinksldjump"/>
+              </a:rPr>
               <a:t>LegacyRole</a:t>
             </a:r>
             <a:r>
-              <a:rPr lang="ja-JP" altLang="en-US" sz="1600" dirty="0" smtClean="0"/>
+              <a:rPr lang="ja-JP" altLang="en-US" sz="1600" dirty="0" smtClean="0">
+                <a:hlinkClick r:id="rId8" action="ppaction://hlinksldjump"/>
+              </a:rPr>
               <a:t>モード</a:t>
             </a:r>
             <a:endParaRPr lang="en-US" altLang="ja-JP" sz="1600" dirty="0" smtClean="0"/>
@@ -30051,11 +30114,15 @@
               <a:buAutoNum type="arabicPeriod"/>
             </a:pPr>
             <a:r>
-              <a:rPr lang="en-US" altLang="ja-JP" sz="1600" dirty="0"/>
+              <a:rPr lang="en-US" altLang="ja-JP" sz="1600" dirty="0">
+                <a:hlinkClick r:id="rId9" action="ppaction://hlinksldjump"/>
+              </a:rPr>
               <a:t>Pioneer</a:t>
             </a:r>
             <a:r>
-              <a:rPr lang="ja-JP" altLang="en-US" sz="1600" dirty="0"/>
+              <a:rPr lang="ja-JP" altLang="en-US" sz="1600" dirty="0">
+                <a:hlinkClick r:id="rId9" action="ppaction://hlinksldjump"/>
+              </a:rPr>
               <a:t>モード</a:t>
             </a:r>
             <a:endParaRPr lang="ja-JP" altLang="en-US" sz="1600" dirty="0" smtClean="0"/>
@@ -30132,11 +30199,15 @@
             </a:r>
             <a:r>
               <a:rPr lang="ja-JP" altLang="en-US" dirty="0" smtClean="0"/>
-              <a:t>モード　</a:t>
-            </a:r>
-            <a:r>
-              <a:rPr lang="en-US" altLang="ja-JP" dirty="0" smtClean="0"/>
-              <a:t>(2/4)</a:t>
+              <a:t>モード</a:t>
+            </a:r>
+            <a:r>
+              <a:rPr lang="ja-JP" altLang="en-US" smtClean="0"/>
+              <a:t>　</a:t>
+            </a:r>
+            <a:r>
+              <a:rPr lang="en-US" altLang="ja-JP" smtClean="0"/>
+              <a:t>(2/5)</a:t>
             </a:r>
             <a:endParaRPr kumimoji="1" lang="ja-JP" altLang="en-US" dirty="0"/>
           </a:p>
@@ -31488,266 +31559,10 @@
               <a:t>モード　</a:t>
             </a:r>
             <a:r>
-              <a:rPr lang="en-US" altLang="ja-JP" dirty="0" smtClean="0"/>
-              <a:t>(3/4)</a:t>
+              <a:rPr lang="en-US" altLang="ja-JP" smtClean="0"/>
+              <a:t>(3/5)</a:t>
             </a:r>
             <a:endParaRPr kumimoji="1" lang="ja-JP" altLang="en-US" dirty="0"/>
-          </a:p>
-        </p:txBody>
-      </p:sp>
-      <p:sp>
-        <p:nvSpPr>
-          <p:cNvPr id="4" name="テキスト プレースホルダー 4"/>
-          <p:cNvSpPr txBox="1">
-            <a:spLocks/>
-          </p:cNvSpPr>
-          <p:nvPr/>
-        </p:nvSpPr>
-        <p:spPr>
-          <a:xfrm>
-            <a:off x="179386" y="693615"/>
-            <a:ext cx="8640000" cy="938013"/>
-          </a:xfrm>
-          <a:prstGeom prst="roundRect">
-            <a:avLst>
-              <a:gd name="adj" fmla="val 7924"/>
-            </a:avLst>
-          </a:prstGeom>
-        </p:spPr>
-        <p:txBody>
-          <a:bodyPr/>
-          <a:lstStyle>
-            <a:lvl1pPr marL="180000" indent="-180000" algn="l" rtl="0" eaLnBrk="1" fontAlgn="base" hangingPunct="0">
-              <a:spcBef>
-                <a:spcPts val="500"/>
-              </a:spcBef>
-              <a:spcAft>
-                <a:spcPct val="0"/>
-              </a:spcAft>
-              <a:buClr>
-                <a:schemeClr val="accent6"/>
-              </a:buClr>
-              <a:buFont typeface="Arial" panose="020B0604020202020204" pitchFamily="34" charset="0"/>
-              <a:buChar char="▌"/>
-              <a:defRPr kumimoji="1" sz="2000" b="0">
-                <a:solidFill>
-                  <a:schemeClr val="tx1"/>
-                </a:solidFill>
-                <a:latin typeface="+mn-lt"/>
-                <a:ea typeface="+mn-ea"/>
-                <a:cs typeface="+mn-cs"/>
-              </a:defRPr>
-            </a:lvl1pPr>
-            <a:lvl2pPr marL="360000" indent="-180000" algn="l" rtl="0" eaLnBrk="1" fontAlgn="base" hangingPunct="0">
-              <a:spcBef>
-                <a:spcPts val="500"/>
-              </a:spcBef>
-              <a:spcAft>
-                <a:spcPct val="0"/>
-              </a:spcAft>
-              <a:buClr>
-                <a:schemeClr val="accent6"/>
-              </a:buClr>
-              <a:buFont typeface="Wingdings" pitchFamily="2" charset="2"/>
-              <a:buChar char="l"/>
-              <a:defRPr kumimoji="1" sz="1600" b="0">
-                <a:solidFill>
-                  <a:schemeClr val="tx1"/>
-                </a:solidFill>
-                <a:latin typeface="+mn-lt"/>
-                <a:ea typeface="+mn-ea"/>
-              </a:defRPr>
-            </a:lvl2pPr>
-            <a:lvl3pPr marL="468000" indent="-108000" algn="l" rtl="0" eaLnBrk="1" fontAlgn="base" hangingPunct="0">
-              <a:spcBef>
-                <a:spcPts val="500"/>
-              </a:spcBef>
-              <a:spcAft>
-                <a:spcPct val="0"/>
-              </a:spcAft>
-              <a:buClr>
-                <a:schemeClr val="accent6"/>
-              </a:buClr>
-              <a:buFont typeface="Arial" panose="020B0604020202020204" pitchFamily="34" charset="0"/>
-              <a:buChar char="•"/>
-              <a:defRPr kumimoji="1" sz="1400" b="0">
-                <a:solidFill>
-                  <a:schemeClr val="tx1"/>
-                </a:solidFill>
-                <a:latin typeface="+mn-lt"/>
-                <a:ea typeface="+mn-ea"/>
-              </a:defRPr>
-            </a:lvl3pPr>
-            <a:lvl4pPr marL="576000" indent="-108000" algn="l" rtl="0" eaLnBrk="1" fontAlgn="base" hangingPunct="0">
-              <a:spcBef>
-                <a:spcPts val="500"/>
-              </a:spcBef>
-              <a:spcAft>
-                <a:spcPct val="0"/>
-              </a:spcAft>
-              <a:buClr>
-                <a:schemeClr val="accent6"/>
-              </a:buClr>
-              <a:buFont typeface="Tahoma" pitchFamily="34" charset="0"/>
-              <a:buChar char="–"/>
-              <a:defRPr kumimoji="1" sz="1200" b="0">
-                <a:solidFill>
-                  <a:schemeClr val="tx1"/>
-                </a:solidFill>
-                <a:latin typeface="+mn-lt"/>
-                <a:ea typeface="+mn-ea"/>
-              </a:defRPr>
-            </a:lvl4pPr>
-            <a:lvl5pPr marL="735013" indent="-157163" algn="l" rtl="0" eaLnBrk="0" fontAlgn="base" hangingPunct="0">
-              <a:spcBef>
-                <a:spcPct val="20000"/>
-              </a:spcBef>
-              <a:spcAft>
-                <a:spcPct val="0"/>
-              </a:spcAft>
-              <a:buClr>
-                <a:schemeClr val="accent6"/>
-              </a:buClr>
-              <a:buChar char="≫"/>
-              <a:defRPr kumimoji="1" sz="1200" b="1">
-                <a:solidFill>
-                  <a:schemeClr val="tx1"/>
-                </a:solidFill>
-                <a:latin typeface="+mj-lt"/>
-                <a:ea typeface="+mn-ea"/>
-              </a:defRPr>
-            </a:lvl5pPr>
-            <a:lvl6pPr marL="2514600" indent="-228600" algn="l" rtl="0" fontAlgn="base">
-              <a:spcBef>
-                <a:spcPct val="20000"/>
-              </a:spcBef>
-              <a:spcAft>
-                <a:spcPct val="0"/>
-              </a:spcAft>
-              <a:buChar char="≫"/>
-              <a:defRPr kumimoji="1" sz="2000">
-                <a:solidFill>
-                  <a:schemeClr val="tx1"/>
-                </a:solidFill>
-                <a:latin typeface="Arial" charset="0"/>
-                <a:ea typeface="+mn-ea"/>
-              </a:defRPr>
-            </a:lvl6pPr>
-            <a:lvl7pPr marL="2971800" indent="-228600" algn="l" rtl="0" fontAlgn="base">
-              <a:spcBef>
-                <a:spcPct val="20000"/>
-              </a:spcBef>
-              <a:spcAft>
-                <a:spcPct val="0"/>
-              </a:spcAft>
-              <a:buChar char="≫"/>
-              <a:defRPr kumimoji="1" sz="2000">
-                <a:solidFill>
-                  <a:schemeClr val="tx1"/>
-                </a:solidFill>
-                <a:latin typeface="Arial" charset="0"/>
-                <a:ea typeface="+mn-ea"/>
-              </a:defRPr>
-            </a:lvl7pPr>
-            <a:lvl8pPr marL="3429000" indent="-228600" algn="l" rtl="0" fontAlgn="base">
-              <a:spcBef>
-                <a:spcPct val="20000"/>
-              </a:spcBef>
-              <a:spcAft>
-                <a:spcPct val="0"/>
-              </a:spcAft>
-              <a:buChar char="≫"/>
-              <a:defRPr kumimoji="1" sz="2000">
-                <a:solidFill>
-                  <a:schemeClr val="tx1"/>
-                </a:solidFill>
-                <a:latin typeface="Arial" charset="0"/>
-                <a:ea typeface="+mn-ea"/>
-              </a:defRPr>
-            </a:lvl8pPr>
-            <a:lvl9pPr marL="3886200" indent="-228600" algn="l" rtl="0" fontAlgn="base">
-              <a:spcBef>
-                <a:spcPct val="20000"/>
-              </a:spcBef>
-              <a:spcAft>
-                <a:spcPct val="0"/>
-              </a:spcAft>
-              <a:buChar char="≫"/>
-              <a:defRPr kumimoji="1" sz="2000">
-                <a:solidFill>
-                  <a:schemeClr val="tx1"/>
-                </a:solidFill>
-                <a:latin typeface="Arial" charset="0"/>
-                <a:ea typeface="+mn-ea"/>
-              </a:defRPr>
-            </a:lvl9pPr>
-          </a:lstStyle>
-          <a:p>
-            <a:pPr>
-              <a:buFont typeface="Wingdings" panose="05000000000000000000" pitchFamily="2" charset="2"/>
-              <a:buChar char="l"/>
-            </a:pPr>
-            <a:r>
-              <a:rPr lang="en-US" altLang="ja-JP" sz="1600" dirty="0" err="1" smtClean="0"/>
-              <a:t>Ansible</a:t>
-            </a:r>
-            <a:r>
-              <a:rPr lang="en-US" altLang="ja-JP" sz="1600" dirty="0" smtClean="0"/>
-              <a:t>-Pioneer </a:t>
-            </a:r>
-            <a:r>
-              <a:rPr lang="ja-JP" altLang="en-US" sz="1600" dirty="0" smtClean="0"/>
-              <a:t>では、ターゲットへの設定を対話形式で記述することができます。</a:t>
-            </a:r>
-            <a:r>
-              <a:rPr lang="en-US" altLang="ja-JP" sz="1600" dirty="0" smtClean="0"/>
-              <a:t/>
-            </a:r>
-            <a:br>
-              <a:rPr lang="en-US" altLang="ja-JP" sz="1600" dirty="0" smtClean="0"/>
-            </a:br>
-            <a:r>
-              <a:rPr lang="ja-JP" altLang="en-US" sz="1600" dirty="0" smtClean="0"/>
-              <a:t>また単純な</a:t>
-            </a:r>
-            <a:r>
-              <a:rPr lang="en-US" altLang="ja-JP" sz="1600" dirty="0" smtClean="0"/>
-              <a:t>expect</a:t>
-            </a:r>
-            <a:r>
-              <a:rPr lang="ja-JP" altLang="en-US" sz="1600" dirty="0" smtClean="0"/>
-              <a:t>コマンドと比較して繰り返し、条件分岐を使えるなど、より高度な対話を表現することが可能です。</a:t>
-            </a:r>
-            <a:r>
-              <a:rPr lang="en-US" altLang="ja-JP" sz="1600" dirty="0" smtClean="0"/>
-              <a:t/>
-            </a:r>
-            <a:br>
-              <a:rPr lang="en-US" altLang="ja-JP" sz="1600" dirty="0" smtClean="0"/>
-            </a:br>
-            <a:r>
-              <a:rPr lang="en-US" altLang="ja-JP" sz="1400" dirty="0" smtClean="0"/>
-              <a:t>※</a:t>
-            </a:r>
-            <a:r>
-              <a:rPr lang="ja-JP" altLang="en-US" sz="1400" dirty="0" smtClean="0"/>
-              <a:t>対話ファイルの詳細はこちらの</a:t>
-            </a:r>
-            <a:r>
-              <a:rPr lang="ja-JP" altLang="en-US" sz="1400" dirty="0" smtClean="0">
-                <a:hlinkClick r:id="rId2"/>
-              </a:rPr>
-              <a:t>マニュアル</a:t>
-            </a:r>
-            <a:r>
-              <a:rPr lang="ja-JP" altLang="en-US" sz="1400" dirty="0" smtClean="0"/>
-              <a:t>参照</a:t>
-            </a:r>
-            <a:r>
-              <a:rPr lang="ja-JP" altLang="en-US" sz="1600" dirty="0" smtClean="0"/>
-              <a:t>してください。</a:t>
-            </a:r>
-            <a:endParaRPr lang="en-US" altLang="ja-JP" sz="1600" dirty="0" smtClean="0"/>
           </a:p>
         </p:txBody>
       </p:sp>
@@ -33074,6 +32889,257 @@
           </a:p>
         </p:txBody>
       </p:sp>
+      <p:sp>
+        <p:nvSpPr>
+          <p:cNvPr id="11" name="テキスト プレースホルダー 45"/>
+          <p:cNvSpPr txBox="1">
+            <a:spLocks/>
+          </p:cNvSpPr>
+          <p:nvPr/>
+        </p:nvSpPr>
+        <p:spPr>
+          <a:xfrm>
+            <a:off x="179513" y="760683"/>
+            <a:ext cx="8784000" cy="756000"/>
+          </a:xfrm>
+          <a:prstGeom prst="roundRect">
+            <a:avLst>
+              <a:gd name="adj" fmla="val 7924"/>
+            </a:avLst>
+          </a:prstGeom>
+        </p:spPr>
+        <p:txBody>
+          <a:bodyPr/>
+          <a:lstStyle>
+            <a:lvl1pPr marL="180000" indent="-180000" algn="l" rtl="0" eaLnBrk="1" fontAlgn="base" hangingPunct="0">
+              <a:spcBef>
+                <a:spcPts val="500"/>
+              </a:spcBef>
+              <a:spcAft>
+                <a:spcPct val="0"/>
+              </a:spcAft>
+              <a:buClr>
+                <a:schemeClr val="accent6"/>
+              </a:buClr>
+              <a:buFont typeface="Arial" panose="020B0604020202020204" pitchFamily="34" charset="0"/>
+              <a:buChar char="▌"/>
+              <a:defRPr kumimoji="1" sz="2000" b="0">
+                <a:solidFill>
+                  <a:schemeClr val="tx1"/>
+                </a:solidFill>
+                <a:latin typeface="+mn-lt"/>
+                <a:ea typeface="+mn-ea"/>
+                <a:cs typeface="+mn-cs"/>
+              </a:defRPr>
+            </a:lvl1pPr>
+            <a:lvl2pPr marL="360000" indent="-180000" algn="l" rtl="0" eaLnBrk="1" fontAlgn="base" hangingPunct="0">
+              <a:spcBef>
+                <a:spcPts val="500"/>
+              </a:spcBef>
+              <a:spcAft>
+                <a:spcPct val="0"/>
+              </a:spcAft>
+              <a:buClr>
+                <a:schemeClr val="accent6"/>
+              </a:buClr>
+              <a:buFont typeface="Wingdings" pitchFamily="2" charset="2"/>
+              <a:buChar char="l"/>
+              <a:defRPr kumimoji="1" sz="1600" b="0">
+                <a:solidFill>
+                  <a:schemeClr val="tx1"/>
+                </a:solidFill>
+                <a:latin typeface="+mn-lt"/>
+                <a:ea typeface="+mn-ea"/>
+              </a:defRPr>
+            </a:lvl2pPr>
+            <a:lvl3pPr marL="468000" indent="-108000" algn="l" rtl="0" eaLnBrk="1" fontAlgn="base" hangingPunct="0">
+              <a:spcBef>
+                <a:spcPts val="500"/>
+              </a:spcBef>
+              <a:spcAft>
+                <a:spcPct val="0"/>
+              </a:spcAft>
+              <a:buClr>
+                <a:schemeClr val="accent6"/>
+              </a:buClr>
+              <a:buFont typeface="Arial" panose="020B0604020202020204" pitchFamily="34" charset="0"/>
+              <a:buChar char="•"/>
+              <a:defRPr kumimoji="1" sz="1400" b="0">
+                <a:solidFill>
+                  <a:schemeClr val="tx1"/>
+                </a:solidFill>
+                <a:latin typeface="+mn-lt"/>
+                <a:ea typeface="+mn-ea"/>
+              </a:defRPr>
+            </a:lvl3pPr>
+            <a:lvl4pPr marL="576000" indent="-108000" algn="l" rtl="0" eaLnBrk="1" fontAlgn="base" hangingPunct="0">
+              <a:spcBef>
+                <a:spcPts val="500"/>
+              </a:spcBef>
+              <a:spcAft>
+                <a:spcPct val="0"/>
+              </a:spcAft>
+              <a:buClr>
+                <a:schemeClr val="accent6"/>
+              </a:buClr>
+              <a:buFont typeface="Tahoma" pitchFamily="34" charset="0"/>
+              <a:buChar char="–"/>
+              <a:defRPr kumimoji="1" sz="1200" b="0">
+                <a:solidFill>
+                  <a:schemeClr val="tx1"/>
+                </a:solidFill>
+                <a:latin typeface="+mn-lt"/>
+                <a:ea typeface="+mn-ea"/>
+              </a:defRPr>
+            </a:lvl4pPr>
+            <a:lvl5pPr marL="735013" indent="-157163" algn="l" rtl="0" eaLnBrk="0" fontAlgn="base" hangingPunct="0">
+              <a:spcBef>
+                <a:spcPct val="20000"/>
+              </a:spcBef>
+              <a:spcAft>
+                <a:spcPct val="0"/>
+              </a:spcAft>
+              <a:buClr>
+                <a:schemeClr val="accent6"/>
+              </a:buClr>
+              <a:buChar char="≫"/>
+              <a:defRPr kumimoji="1" sz="1200" b="1">
+                <a:solidFill>
+                  <a:schemeClr val="tx1"/>
+                </a:solidFill>
+                <a:latin typeface="+mj-lt"/>
+                <a:ea typeface="+mn-ea"/>
+              </a:defRPr>
+            </a:lvl5pPr>
+            <a:lvl6pPr marL="2514600" indent="-228600" algn="l" rtl="0" fontAlgn="base">
+              <a:spcBef>
+                <a:spcPct val="20000"/>
+              </a:spcBef>
+              <a:spcAft>
+                <a:spcPct val="0"/>
+              </a:spcAft>
+              <a:buChar char="≫"/>
+              <a:defRPr kumimoji="1" sz="2000">
+                <a:solidFill>
+                  <a:schemeClr val="tx1"/>
+                </a:solidFill>
+                <a:latin typeface="Arial" charset="0"/>
+                <a:ea typeface="+mn-ea"/>
+              </a:defRPr>
+            </a:lvl6pPr>
+            <a:lvl7pPr marL="2971800" indent="-228600" algn="l" rtl="0" fontAlgn="base">
+              <a:spcBef>
+                <a:spcPct val="20000"/>
+              </a:spcBef>
+              <a:spcAft>
+                <a:spcPct val="0"/>
+              </a:spcAft>
+              <a:buChar char="≫"/>
+              <a:defRPr kumimoji="1" sz="2000">
+                <a:solidFill>
+                  <a:schemeClr val="tx1"/>
+                </a:solidFill>
+                <a:latin typeface="Arial" charset="0"/>
+                <a:ea typeface="+mn-ea"/>
+              </a:defRPr>
+            </a:lvl7pPr>
+            <a:lvl8pPr marL="3429000" indent="-228600" algn="l" rtl="0" fontAlgn="base">
+              <a:spcBef>
+                <a:spcPct val="20000"/>
+              </a:spcBef>
+              <a:spcAft>
+                <a:spcPct val="0"/>
+              </a:spcAft>
+              <a:buChar char="≫"/>
+              <a:defRPr kumimoji="1" sz="2000">
+                <a:solidFill>
+                  <a:schemeClr val="tx1"/>
+                </a:solidFill>
+                <a:latin typeface="Arial" charset="0"/>
+                <a:ea typeface="+mn-ea"/>
+              </a:defRPr>
+            </a:lvl8pPr>
+            <a:lvl9pPr marL="3886200" indent="-228600" algn="l" rtl="0" fontAlgn="base">
+              <a:spcBef>
+                <a:spcPct val="20000"/>
+              </a:spcBef>
+              <a:spcAft>
+                <a:spcPct val="0"/>
+              </a:spcAft>
+              <a:buChar char="≫"/>
+              <a:defRPr kumimoji="1" sz="2000">
+                <a:solidFill>
+                  <a:schemeClr val="tx1"/>
+                </a:solidFill>
+                <a:latin typeface="Arial" charset="0"/>
+                <a:ea typeface="+mn-ea"/>
+              </a:defRPr>
+            </a:lvl9pPr>
+          </a:lstStyle>
+          <a:p>
+            <a:r>
+              <a:rPr lang="en-US" altLang="ja-JP" sz="1600"/>
+              <a:t>Ansible-Pioneer </a:t>
+            </a:r>
+            <a:r>
+              <a:rPr lang="ja-JP" altLang="en-US" sz="1600"/>
+              <a:t>では、ターゲットへの設定を対話形式で記述することができます。</a:t>
+            </a:r>
+            <a:r>
+              <a:rPr lang="en-US" altLang="ja-JP" sz="1600"/>
+              <a:t/>
+            </a:r>
+            <a:br>
+              <a:rPr lang="en-US" altLang="ja-JP" sz="1600"/>
+            </a:br>
+            <a:r>
+              <a:rPr lang="ja-JP" altLang="en-US" sz="1600"/>
+              <a:t>また単純な</a:t>
+            </a:r>
+            <a:r>
+              <a:rPr lang="en-US" altLang="ja-JP" sz="1600"/>
+              <a:t>expect</a:t>
+            </a:r>
+            <a:r>
+              <a:rPr lang="ja-JP" altLang="en-US" sz="1600"/>
+              <a:t>コマンドと比較して繰り返し、条件分岐を使えるなど、より高度な対話を表現することが可能です。</a:t>
+            </a:r>
+            <a:r>
+              <a:rPr lang="en-US" altLang="ja-JP" sz="1600"/>
+              <a:t/>
+            </a:r>
+            <a:br>
+              <a:rPr lang="en-US" altLang="ja-JP" sz="1600"/>
+            </a:br>
+            <a:r>
+              <a:rPr lang="en-US" altLang="ja-JP" sz="1400"/>
+              <a:t>※</a:t>
+            </a:r>
+            <a:r>
+              <a:rPr lang="ja-JP" altLang="en-US" sz="1400"/>
+              <a:t>対話ファイルの詳細はこちらの</a:t>
+            </a:r>
+            <a:r>
+              <a:rPr lang="ja-JP" altLang="en-US" sz="1400" smtClean="0">
+                <a:hlinkClick r:id="rId2"/>
+              </a:rPr>
+              <a:t>マニュアル</a:t>
+            </a:r>
+            <a:r>
+              <a:rPr lang="ja-JP" altLang="en-US" sz="1400" smtClean="0"/>
+              <a:t>を参照</a:t>
+            </a:r>
+            <a:r>
+              <a:rPr lang="ja-JP" altLang="en-US" sz="1600"/>
+              <a:t>してください。</a:t>
+            </a:r>
+            <a:endParaRPr lang="en-US" altLang="ja-JP" sz="1600"/>
+          </a:p>
+          <a:p>
+            <a:endParaRPr lang="en-US" altLang="ja-JP" sz="1600" kern="0" dirty="0"/>
+          </a:p>
+        </p:txBody>
+      </p:sp>
     </p:spTree>
     <p:extLst>
       <p:ext uri="{BB962C8B-B14F-4D97-AF65-F5344CB8AC3E}">
@@ -33111,9 +33177,675 @@
           <a:chExt cx="0" cy="0"/>
         </a:xfrm>
       </p:grpSpPr>
+      <p:sp>
+        <p:nvSpPr>
+          <p:cNvPr id="2" name="タイトル 1"/>
+          <p:cNvSpPr>
+            <a:spLocks noGrp="1"/>
+          </p:cNvSpPr>
+          <p:nvPr>
+            <p:ph type="title"/>
+          </p:nvPr>
+        </p:nvSpPr>
+        <p:spPr/>
+        <p:txBody>
+          <a:bodyPr/>
+          <a:lstStyle/>
+          <a:p>
+            <a:r>
+              <a:rPr lang="en-US" altLang="ja-JP"/>
+              <a:t>5.3</a:t>
+            </a:r>
+            <a:r>
+              <a:rPr lang="ja-JP" altLang="en-US"/>
+              <a:t>　</a:t>
+            </a:r>
+            <a:r>
+              <a:rPr lang="en-US" altLang="ja-JP"/>
+              <a:t>Ansible-Pioneer</a:t>
+            </a:r>
+            <a:r>
+              <a:rPr lang="ja-JP" altLang="en-US"/>
+              <a:t>モード　</a:t>
+            </a:r>
+            <a:r>
+              <a:rPr lang="en-US" altLang="ja-JP" smtClean="0"/>
+              <a:t>(4/5)</a:t>
+            </a:r>
+            <a:endParaRPr kumimoji="1" lang="ja-JP" altLang="en-US"/>
+          </a:p>
+        </p:txBody>
+      </p:sp>
+      <p:sp>
+        <p:nvSpPr>
+          <p:cNvPr id="3" name="コンテンツ プレースホルダー 2"/>
+          <p:cNvSpPr>
+            <a:spLocks noGrp="1"/>
+          </p:cNvSpPr>
+          <p:nvPr>
+            <p:ph sz="quarter" idx="10"/>
+          </p:nvPr>
+        </p:nvSpPr>
+        <p:spPr/>
+        <p:txBody>
+          <a:bodyPr>
+            <a:normAutofit/>
+          </a:bodyPr>
+          <a:lstStyle/>
+          <a:p>
+            <a:r>
+              <a:rPr kumimoji="1" lang="en-US" altLang="ja-JP" sz="1600" smtClean="0"/>
+              <a:t>Pioneer</a:t>
+            </a:r>
+            <a:r>
+              <a:rPr kumimoji="1" lang="ja-JP" altLang="en-US" sz="1600" smtClean="0"/>
+              <a:t>では、「</a:t>
+            </a:r>
+            <a:r>
+              <a:rPr kumimoji="1" lang="en-US" altLang="ja-JP" sz="1600" smtClean="0"/>
+              <a:t>OS</a:t>
+            </a:r>
+            <a:r>
+              <a:rPr kumimoji="1" lang="ja-JP" altLang="en-US" sz="1600" smtClean="0"/>
+              <a:t>種別」と「対話種別」を設定することで、</a:t>
+            </a:r>
+            <a:r>
+              <a:rPr lang="en-US" altLang="ja-JP" sz="1600" smtClean="0"/>
+              <a:t/>
+            </a:r>
+            <a:br>
+              <a:rPr lang="en-US" altLang="ja-JP" sz="1600" smtClean="0"/>
+            </a:br>
+            <a:r>
+              <a:rPr kumimoji="1" lang="en-US" altLang="ja-JP" sz="1600" smtClean="0"/>
+              <a:t>OS</a:t>
+            </a:r>
+            <a:r>
+              <a:rPr kumimoji="1" lang="ja-JP" altLang="en-US" sz="1600" smtClean="0"/>
+              <a:t>間の差異を意識しない作業実行が可能です。</a:t>
+            </a:r>
+            <a:endParaRPr kumimoji="1" lang="en-US" altLang="ja-JP" sz="1600" smtClean="0"/>
+          </a:p>
+          <a:p>
+            <a:pPr>
+              <a:buFont typeface="Wingdings" panose="05000000000000000000" pitchFamily="2" charset="2"/>
+              <a:buChar char="l"/>
+            </a:pPr>
+            <a:r>
+              <a:rPr lang="en-US" altLang="ja-JP" sz="1600" b="1" smtClean="0"/>
+              <a:t>OS</a:t>
+            </a:r>
+            <a:r>
+              <a:rPr lang="ja-JP" altLang="en-US" sz="1600" b="1" smtClean="0"/>
+              <a:t>種別</a:t>
+            </a:r>
+            <a:r>
+              <a:rPr lang="en-US" altLang="ja-JP" sz="1600" smtClean="0"/>
+              <a:t>…</a:t>
+            </a:r>
+            <a:r>
+              <a:rPr lang="ja-JP" altLang="en-US" sz="1600" u="sng" smtClean="0"/>
+              <a:t>対話ファイル</a:t>
+            </a:r>
+            <a:r>
+              <a:rPr lang="ja-JP" altLang="en-US" sz="1600" smtClean="0"/>
+              <a:t>と</a:t>
+            </a:r>
+            <a:r>
+              <a:rPr lang="ja-JP" altLang="en-US" sz="1600" u="sng" smtClean="0"/>
+              <a:t>対象機器</a:t>
+            </a:r>
+            <a:r>
+              <a:rPr lang="ja-JP" altLang="en-US" sz="1600"/>
+              <a:t>へ</a:t>
+            </a:r>
+            <a:r>
+              <a:rPr lang="ja-JP" altLang="en-US" sz="1600" smtClean="0"/>
+              <a:t>設定する。実行する対話ファイルの選択に用いる。</a:t>
+            </a:r>
+            <a:endParaRPr lang="en-US" altLang="ja-JP" sz="1600" smtClean="0"/>
+          </a:p>
+          <a:p>
+            <a:pPr>
+              <a:buFont typeface="Wingdings" panose="05000000000000000000" pitchFamily="2" charset="2"/>
+              <a:buChar char="l"/>
+            </a:pPr>
+            <a:r>
+              <a:rPr kumimoji="1" lang="ja-JP" altLang="en-US" sz="1600" b="1" smtClean="0"/>
+              <a:t>対話種別</a:t>
+            </a:r>
+            <a:r>
+              <a:rPr kumimoji="1" lang="en-US" altLang="ja-JP" sz="1600" smtClean="0"/>
+              <a:t>…</a:t>
+            </a:r>
+            <a:r>
+              <a:rPr kumimoji="1" lang="ja-JP" altLang="en-US" sz="1600" smtClean="0"/>
+              <a:t> 同一目的の対話ファイル</a:t>
+            </a:r>
+            <a:r>
+              <a:rPr lang="ja-JP" altLang="en-US" sz="1600" smtClean="0"/>
+              <a:t>と紐づく</a:t>
+            </a:r>
+            <a:r>
+              <a:rPr kumimoji="1" lang="ja-JP" altLang="en-US" sz="1600" smtClean="0"/>
+              <a:t>。</a:t>
+            </a:r>
+            <a:endParaRPr kumimoji="1" lang="ja-JP" altLang="en-US" sz="1600"/>
+          </a:p>
+        </p:txBody>
+      </p:sp>
+      <p:sp>
+        <p:nvSpPr>
+          <p:cNvPr id="9" name="角丸四角形 8"/>
+          <p:cNvSpPr/>
+          <p:nvPr/>
+        </p:nvSpPr>
+        <p:spPr bwMode="auto">
+          <a:xfrm>
+            <a:off x="742430" y="3264395"/>
+            <a:ext cx="2016280" cy="668675"/>
+          </a:xfrm>
+          <a:prstGeom prst="roundRect">
+            <a:avLst>
+              <a:gd name="adj" fmla="val 10097"/>
+            </a:avLst>
+          </a:prstGeom>
+          <a:noFill/>
+          <a:ln w="12700">
+            <a:solidFill>
+              <a:schemeClr val="tx1"/>
+            </a:solidFill>
+            <a:prstDash val="sysDot"/>
+          </a:ln>
+          <a:effectLst/>
+          <a:extLst/>
+        </p:spPr>
+        <p:txBody>
+          <a:bodyPr rot="0" spcFirstLastPara="0" vertOverflow="overflow" horzOverflow="overflow" vert="horz" wrap="none" lIns="72000" tIns="72000" rIns="72000" bIns="72000" numCol="1" spcCol="0" rtlCol="0" fromWordArt="0" anchor="b" anchorCtr="0" forceAA="0" compatLnSpc="1">
+            <a:prstTxWarp prst="textNoShape">
+              <a:avLst/>
+            </a:prstTxWarp>
+            <a:noAutofit/>
+          </a:bodyPr>
+          <a:lstStyle/>
+          <a:p>
+            <a:r>
+              <a:rPr kumimoji="1" lang="ja-JP" altLang="en-US" sz="800" smtClean="0">
+                <a:latin typeface="+mn-ea"/>
+              </a:rPr>
+              <a:t>（ロードバランサに実サーバを登録する）</a:t>
+            </a:r>
+            <a:endParaRPr kumimoji="1" lang="en-US" altLang="ja-JP" sz="800" smtClean="0">
+              <a:latin typeface="+mn-ea"/>
+            </a:endParaRPr>
+          </a:p>
+        </p:txBody>
+      </p:sp>
+      <p:sp>
+        <p:nvSpPr>
+          <p:cNvPr id="11" name="角丸四角形 10"/>
+          <p:cNvSpPr/>
+          <p:nvPr/>
+        </p:nvSpPr>
+        <p:spPr bwMode="auto">
+          <a:xfrm>
+            <a:off x="829965" y="3363327"/>
+            <a:ext cx="1552405" cy="276789"/>
+          </a:xfrm>
+          <a:prstGeom prst="roundRect">
+            <a:avLst>
+              <a:gd name="adj" fmla="val 21076"/>
+            </a:avLst>
+          </a:prstGeom>
+          <a:solidFill>
+            <a:schemeClr val="accent4">
+              <a:lumMod val="75000"/>
+            </a:schemeClr>
+          </a:solidFill>
+          <a:ln w="12700">
+            <a:noFill/>
+          </a:ln>
+          <a:effectLst/>
+          <a:extLst/>
+        </p:spPr>
+        <p:txBody>
+          <a:bodyPr rot="0" spcFirstLastPara="0" vert="horz" wrap="none" lIns="72000" tIns="72000" rIns="72000" bIns="72000" numCol="1" spcCol="0" rtlCol="0" fromWordArt="0" anchor="ctr" anchorCtr="0" forceAA="0" compatLnSpc="1">
+            <a:prstTxWarp prst="textNoShape">
+              <a:avLst/>
+            </a:prstTxWarp>
+            <a:noAutofit/>
+          </a:bodyPr>
+          <a:lstStyle>
+            <a:defPPr>
+              <a:defRPr lang="ja-JP"/>
+            </a:defPPr>
+            <a:lvl1pPr marL="0" algn="l" defTabSz="914400" rtl="0" eaLnBrk="1" latinLnBrk="0" hangingPunct="1">
+              <a:defRPr kumimoji="1" sz="1800" kern="1200">
+                <a:solidFill>
+                  <a:schemeClr val="tx1"/>
+                </a:solidFill>
+                <a:latin typeface="+mn-lt"/>
+                <a:ea typeface="+mn-ea"/>
+                <a:cs typeface="+mn-cs"/>
+              </a:defRPr>
+            </a:lvl1pPr>
+            <a:lvl2pPr marL="457200" algn="l" defTabSz="914400" rtl="0" eaLnBrk="1" latinLnBrk="0" hangingPunct="1">
+              <a:defRPr kumimoji="1" sz="1800" kern="1200">
+                <a:solidFill>
+                  <a:schemeClr val="tx1"/>
+                </a:solidFill>
+                <a:latin typeface="+mn-lt"/>
+                <a:ea typeface="+mn-ea"/>
+                <a:cs typeface="+mn-cs"/>
+              </a:defRPr>
+            </a:lvl2pPr>
+            <a:lvl3pPr marL="914400" algn="l" defTabSz="914400" rtl="0" eaLnBrk="1" latinLnBrk="0" hangingPunct="1">
+              <a:defRPr kumimoji="1" sz="1800" kern="1200">
+                <a:solidFill>
+                  <a:schemeClr val="tx1"/>
+                </a:solidFill>
+                <a:latin typeface="+mn-lt"/>
+                <a:ea typeface="+mn-ea"/>
+                <a:cs typeface="+mn-cs"/>
+              </a:defRPr>
+            </a:lvl3pPr>
+            <a:lvl4pPr marL="1371600" algn="l" defTabSz="914400" rtl="0" eaLnBrk="1" latinLnBrk="0" hangingPunct="1">
+              <a:defRPr kumimoji="1" sz="1800" kern="1200">
+                <a:solidFill>
+                  <a:schemeClr val="tx1"/>
+                </a:solidFill>
+                <a:latin typeface="+mn-lt"/>
+                <a:ea typeface="+mn-ea"/>
+                <a:cs typeface="+mn-cs"/>
+              </a:defRPr>
+            </a:lvl4pPr>
+            <a:lvl5pPr marL="1828800" algn="l" defTabSz="914400" rtl="0" eaLnBrk="1" latinLnBrk="0" hangingPunct="1">
+              <a:defRPr kumimoji="1" sz="1800" kern="1200">
+                <a:solidFill>
+                  <a:schemeClr val="tx1"/>
+                </a:solidFill>
+                <a:latin typeface="+mn-lt"/>
+                <a:ea typeface="+mn-ea"/>
+                <a:cs typeface="+mn-cs"/>
+              </a:defRPr>
+            </a:lvl5pPr>
+            <a:lvl6pPr marL="2286000" algn="l" defTabSz="914400" rtl="0" eaLnBrk="1" latinLnBrk="0" hangingPunct="1">
+              <a:defRPr kumimoji="1" sz="1800" kern="1200">
+                <a:solidFill>
+                  <a:schemeClr val="tx1"/>
+                </a:solidFill>
+                <a:latin typeface="+mn-lt"/>
+                <a:ea typeface="+mn-ea"/>
+                <a:cs typeface="+mn-cs"/>
+              </a:defRPr>
+            </a:lvl6pPr>
+            <a:lvl7pPr marL="2743200" algn="l" defTabSz="914400" rtl="0" eaLnBrk="1" latinLnBrk="0" hangingPunct="1">
+              <a:defRPr kumimoji="1" sz="1800" kern="1200">
+                <a:solidFill>
+                  <a:schemeClr val="tx1"/>
+                </a:solidFill>
+                <a:latin typeface="+mn-lt"/>
+                <a:ea typeface="+mn-ea"/>
+                <a:cs typeface="+mn-cs"/>
+              </a:defRPr>
+            </a:lvl7pPr>
+            <a:lvl8pPr marL="3200400" algn="l" defTabSz="914400" rtl="0" eaLnBrk="1" latinLnBrk="0" hangingPunct="1">
+              <a:defRPr kumimoji="1" sz="1800" kern="1200">
+                <a:solidFill>
+                  <a:schemeClr val="tx1"/>
+                </a:solidFill>
+                <a:latin typeface="+mn-lt"/>
+                <a:ea typeface="+mn-ea"/>
+                <a:cs typeface="+mn-cs"/>
+              </a:defRPr>
+            </a:lvl8pPr>
+            <a:lvl9pPr marL="3657600" algn="l" defTabSz="914400" rtl="0" eaLnBrk="1" latinLnBrk="0" hangingPunct="1">
+              <a:defRPr kumimoji="1" sz="1800" kern="1200">
+                <a:solidFill>
+                  <a:schemeClr val="tx1"/>
+                </a:solidFill>
+                <a:latin typeface="+mn-lt"/>
+                <a:ea typeface="+mn-ea"/>
+                <a:cs typeface="+mn-cs"/>
+              </a:defRPr>
+            </a:lvl9pPr>
+          </a:lstStyle>
+          <a:p>
+            <a:pPr algn="ctr"/>
+            <a:r>
+              <a:rPr lang="ja-JP" altLang="en-US" sz="1200" b="1" smtClean="0">
+                <a:solidFill>
+                  <a:schemeClr val="bg1"/>
+                </a:solidFill>
+                <a:latin typeface="+mn-ea"/>
+              </a:rPr>
+              <a:t>対話種別</a:t>
+            </a:r>
+            <a:r>
+              <a:rPr lang="en-US" altLang="ja-JP" sz="1200" b="1" smtClean="0">
+                <a:solidFill>
+                  <a:schemeClr val="bg1"/>
+                </a:solidFill>
+                <a:latin typeface="+mn-ea"/>
+              </a:rPr>
+              <a:t>A</a:t>
+            </a:r>
+            <a:endParaRPr kumimoji="1" lang="ja-JP" altLang="en-US" sz="1200" b="1" dirty="0" smtClean="0">
+              <a:solidFill>
+                <a:schemeClr val="bg1"/>
+              </a:solidFill>
+              <a:latin typeface="+mn-ea"/>
+            </a:endParaRPr>
+          </a:p>
+        </p:txBody>
+      </p:sp>
+      <p:sp>
+        <p:nvSpPr>
+          <p:cNvPr id="13" name="フローチャート : 書類 54"/>
+          <p:cNvSpPr/>
+          <p:nvPr/>
+        </p:nvSpPr>
+        <p:spPr bwMode="auto">
+          <a:xfrm>
+            <a:off x="3130329" y="2111711"/>
+            <a:ext cx="4178051" cy="664018"/>
+          </a:xfrm>
+          <a:prstGeom prst="flowChartDocument">
+            <a:avLst/>
+          </a:prstGeom>
+          <a:ln>
+            <a:solidFill>
+              <a:schemeClr val="tx1"/>
+            </a:solidFill>
+          </a:ln>
+          <a:extLst/>
+        </p:spPr>
+        <p:style>
+          <a:lnRef idx="2">
+            <a:schemeClr val="dk1"/>
+          </a:lnRef>
+          <a:fillRef idx="1">
+            <a:schemeClr val="lt1"/>
+          </a:fillRef>
+          <a:effectRef idx="0">
+            <a:schemeClr val="dk1"/>
+          </a:effectRef>
+          <a:fontRef idx="minor">
+            <a:schemeClr val="dk1"/>
+          </a:fontRef>
+        </p:style>
+        <p:txBody>
+          <a:bodyPr rot="0" spcFirstLastPara="0" vertOverflow="overflow" horzOverflow="overflow" vert="horz" wrap="square" lIns="91440" tIns="45720" rIns="91440" bIns="45720" numCol="1" spcCol="0" rtlCol="0" fromWordArt="0" anchor="t" anchorCtr="0" forceAA="0" compatLnSpc="1">
+            <a:prstTxWarp prst="textNoShape">
+              <a:avLst/>
+            </a:prstTxWarp>
+            <a:noAutofit/>
+          </a:bodyPr>
+          <a:lstStyle/>
+          <a:p>
+            <a:r>
+              <a:rPr lang="ja-JP" altLang="en-US" sz="1200" u="sng" smtClean="0"/>
+              <a:t>対話ファイル</a:t>
+            </a:r>
+            <a:r>
+              <a:rPr lang="en-US" altLang="ja-JP" sz="1200" u="sng" smtClean="0"/>
+              <a:t>A</a:t>
+            </a:r>
+            <a:r>
+              <a:rPr lang="en-US" altLang="ja-JP" sz="1200" smtClean="0"/>
+              <a:t>   </a:t>
+            </a:r>
+            <a:r>
+              <a:rPr lang="en-US" altLang="ja-JP" sz="1100" smtClean="0"/>
+              <a:t>OS</a:t>
+            </a:r>
+            <a:r>
+              <a:rPr lang="ja-JP" altLang="en-US" sz="1100" smtClean="0"/>
+              <a:t>種別：</a:t>
+            </a:r>
+            <a:r>
+              <a:rPr lang="en-US" altLang="ja-JP" sz="1100" b="1" smtClean="0">
+                <a:solidFill>
+                  <a:srgbClr val="FF0000"/>
+                </a:solidFill>
+              </a:rPr>
+              <a:t>BigIP</a:t>
+            </a:r>
+          </a:p>
+          <a:p>
+            <a:r>
+              <a:rPr lang="en-US" altLang="ja-JP" sz="800" smtClean="0"/>
+              <a:t>  - </a:t>
+            </a:r>
+            <a:r>
+              <a:rPr lang="en-US" altLang="ja-JP" sz="800"/>
+              <a:t>command: </a:t>
+            </a:r>
+            <a:r>
+              <a:rPr lang="en-US" altLang="ja-JP" sz="800" smtClean="0"/>
+              <a:t>‘create </a:t>
+            </a:r>
+            <a:r>
+              <a:rPr lang="en-US" altLang="ja-JP" sz="800"/>
+              <a:t>/ ltm </a:t>
+            </a:r>
+            <a:r>
+              <a:rPr lang="en-US" altLang="ja-JP" sz="800" smtClean="0"/>
+              <a:t>node {{VAR_host_ip}} up’</a:t>
+            </a:r>
+            <a:endParaRPr lang="en-US" altLang="ja-JP" sz="800"/>
+          </a:p>
+          <a:p>
+            <a:r>
+              <a:rPr lang="en-US" altLang="ja-JP" sz="800"/>
+              <a:t>  </a:t>
+            </a:r>
+            <a:r>
+              <a:rPr lang="en-US" altLang="ja-JP" sz="800" smtClean="0"/>
+              <a:t>  prompt</a:t>
+            </a:r>
+            <a:r>
+              <a:rPr lang="en-US" altLang="ja-JP" sz="800"/>
+              <a:t>: ‘(tmos)’</a:t>
+            </a:r>
+          </a:p>
+          <a:p>
+            <a:endParaRPr lang="en-US" altLang="ja-JP" sz="1200" u="sng"/>
+          </a:p>
+        </p:txBody>
+      </p:sp>
+      <p:cxnSp>
+        <p:nvCxnSpPr>
+          <p:cNvPr id="14" name="直線コネクタ 13"/>
+          <p:cNvCxnSpPr>
+            <a:stCxn id="11" idx="3"/>
+            <a:endCxn id="13" idx="1"/>
+          </p:cNvCxnSpPr>
+          <p:nvPr/>
+        </p:nvCxnSpPr>
+        <p:spPr bwMode="auto">
+          <a:xfrm flipV="1">
+            <a:off x="2382370" y="2443720"/>
+            <a:ext cx="747959" cy="1058002"/>
+          </a:xfrm>
+          <a:prstGeom prst="line">
+            <a:avLst/>
+          </a:prstGeom>
+          <a:solidFill>
+            <a:schemeClr val="bg1"/>
+          </a:solidFill>
+          <a:ln w="19050" cap="flat" cmpd="sng" algn="ctr">
+            <a:solidFill>
+              <a:schemeClr val="accent2">
+                <a:lumMod val="60000"/>
+                <a:lumOff val="40000"/>
+              </a:schemeClr>
+            </a:solidFill>
+            <a:prstDash val="solid"/>
+            <a:round/>
+            <a:headEnd type="none" w="med" len="med"/>
+            <a:tailEnd type="none" w="med" len="med"/>
+          </a:ln>
+          <a:effectLst/>
+          <a:extLst>
+            <a:ext uri="{AF507438-7753-43E0-B8FC-AC1667EBCBE1}">
+              <a14:hiddenEffects xmlns:a14="http://schemas.microsoft.com/office/drawing/2010/main">
+                <a:effectLst>
+                  <a:outerShdw dist="35921" dir="2700000" algn="ctr" rotWithShape="0">
+                    <a:schemeClr val="tx1">
+                      <a:alpha val="50000"/>
+                    </a:schemeClr>
+                  </a:outerShdw>
+                </a:effectLst>
+              </a14:hiddenEffects>
+            </a:ext>
+          </a:extLst>
+        </p:spPr>
+      </p:cxnSp>
+      <p:cxnSp>
+        <p:nvCxnSpPr>
+          <p:cNvPr id="17" name="直線コネクタ 16"/>
+          <p:cNvCxnSpPr>
+            <a:stCxn id="11" idx="3"/>
+            <a:endCxn id="115" idx="1"/>
+          </p:cNvCxnSpPr>
+          <p:nvPr/>
+        </p:nvCxnSpPr>
+        <p:spPr bwMode="auto">
+          <a:xfrm flipV="1">
+            <a:off x="2382370" y="3294927"/>
+            <a:ext cx="747959" cy="206795"/>
+          </a:xfrm>
+          <a:prstGeom prst="line">
+            <a:avLst/>
+          </a:prstGeom>
+          <a:solidFill>
+            <a:schemeClr val="bg1"/>
+          </a:solidFill>
+          <a:ln w="19050" cap="flat" cmpd="sng" algn="ctr">
+            <a:solidFill>
+              <a:schemeClr val="accent2">
+                <a:lumMod val="60000"/>
+                <a:lumOff val="40000"/>
+              </a:schemeClr>
+            </a:solidFill>
+            <a:prstDash val="solid"/>
+            <a:round/>
+            <a:headEnd type="none" w="med" len="med"/>
+            <a:tailEnd type="none" w="med" len="med"/>
+          </a:ln>
+          <a:effectLst/>
+          <a:extLst>
+            <a:ext uri="{AF507438-7753-43E0-B8FC-AC1667EBCBE1}">
+              <a14:hiddenEffects xmlns:a14="http://schemas.microsoft.com/office/drawing/2010/main">
+                <a:effectLst>
+                  <a:outerShdw dist="35921" dir="2700000" algn="ctr" rotWithShape="0">
+                    <a:schemeClr val="tx1">
+                      <a:alpha val="50000"/>
+                    </a:schemeClr>
+                  </a:outerShdw>
+                </a:effectLst>
+              </a14:hiddenEffects>
+            </a:ext>
+          </a:extLst>
+        </p:spPr>
+      </p:cxnSp>
+      <p:cxnSp>
+        <p:nvCxnSpPr>
+          <p:cNvPr id="20" name="直線コネクタ 19"/>
+          <p:cNvCxnSpPr>
+            <a:stCxn id="11" idx="3"/>
+            <a:endCxn id="116" idx="1"/>
+          </p:cNvCxnSpPr>
+          <p:nvPr/>
+        </p:nvCxnSpPr>
+        <p:spPr bwMode="auto">
+          <a:xfrm>
+            <a:off x="2382370" y="3501722"/>
+            <a:ext cx="747959" cy="588684"/>
+          </a:xfrm>
+          <a:prstGeom prst="line">
+            <a:avLst/>
+          </a:prstGeom>
+          <a:solidFill>
+            <a:schemeClr val="bg1"/>
+          </a:solidFill>
+          <a:ln w="19050" cap="flat" cmpd="sng" algn="ctr">
+            <a:solidFill>
+              <a:schemeClr val="accent2">
+                <a:lumMod val="60000"/>
+                <a:lumOff val="40000"/>
+              </a:schemeClr>
+            </a:solidFill>
+            <a:prstDash val="solid"/>
+            <a:round/>
+            <a:headEnd type="none" w="med" len="med"/>
+            <a:tailEnd type="none" w="med" len="med"/>
+          </a:ln>
+          <a:effectLst/>
+          <a:extLst>
+            <a:ext uri="{AF507438-7753-43E0-B8FC-AC1667EBCBE1}">
+              <a14:hiddenEffects xmlns:a14="http://schemas.microsoft.com/office/drawing/2010/main">
+                <a:effectLst>
+                  <a:outerShdw dist="35921" dir="2700000" algn="ctr" rotWithShape="0">
+                    <a:schemeClr val="tx1">
+                      <a:alpha val="50000"/>
+                    </a:schemeClr>
+                  </a:outerShdw>
+                </a:effectLst>
+              </a14:hiddenEffects>
+            </a:ext>
+          </a:extLst>
+        </p:spPr>
+      </p:cxnSp>
+      <p:cxnSp>
+        <p:nvCxnSpPr>
+          <p:cNvPr id="33" name="直線コネクタ 103"/>
+          <p:cNvCxnSpPr>
+            <a:stCxn id="125" idx="3"/>
+            <a:endCxn id="9" idx="0"/>
+          </p:cNvCxnSpPr>
+          <p:nvPr/>
+        </p:nvCxnSpPr>
+        <p:spPr bwMode="auto">
+          <a:xfrm>
+            <a:off x="1490390" y="3019761"/>
+            <a:ext cx="260180" cy="244634"/>
+          </a:xfrm>
+          <a:prstGeom prst="bentConnector2">
+            <a:avLst/>
+          </a:prstGeom>
+          <a:solidFill>
+            <a:schemeClr val="bg1"/>
+          </a:solidFill>
+          <a:ln w="19050" cap="flat" cmpd="sng" algn="ctr">
+            <a:solidFill>
+              <a:schemeClr val="tx1"/>
+            </a:solidFill>
+            <a:prstDash val="sysDash"/>
+            <a:round/>
+            <a:headEnd type="none" w="med" len="med"/>
+            <a:tailEnd type="none" w="med" len="med"/>
+          </a:ln>
+          <a:effectLst/>
+          <a:extLst>
+            <a:ext uri="{AF507438-7753-43E0-B8FC-AC1667EBCBE1}">
+              <a14:hiddenEffects xmlns:a14="http://schemas.microsoft.com/office/drawing/2010/main">
+                <a:effectLst>
+                  <a:outerShdw dist="35921" dir="2700000" algn="ctr" rotWithShape="0">
+                    <a:schemeClr val="tx1">
+                      <a:alpha val="50000"/>
+                    </a:schemeClr>
+                  </a:outerShdw>
+                </a:effectLst>
+              </a14:hiddenEffects>
+            </a:ext>
+          </a:extLst>
+        </p:spPr>
+      </p:cxnSp>
       <p:pic>
         <p:nvPicPr>
-          <p:cNvPr id="5" name="図 4"/>
+          <p:cNvPr id="37" name="図 36"/>
           <p:cNvPicPr>
             <a:picLocks noChangeAspect="1"/>
           </p:cNvPicPr>
@@ -33127,8 +33859,3123 @@
         </p:blipFill>
         <p:spPr>
           <a:xfrm>
-            <a:off x="6516270" y="1556740"/>
-            <a:ext cx="2085975" cy="4391025"/>
+            <a:off x="7927860" y="2276840"/>
+            <a:ext cx="719390" cy="164606"/>
+          </a:xfrm>
+          <a:prstGeom prst="rect">
+            <a:avLst/>
+          </a:prstGeom>
+        </p:spPr>
+      </p:pic>
+      <p:pic>
+        <p:nvPicPr>
+          <p:cNvPr id="38" name="図 37"/>
+          <p:cNvPicPr>
+            <a:picLocks noChangeAspect="1"/>
+          </p:cNvPicPr>
+          <p:nvPr/>
+        </p:nvPicPr>
+        <p:blipFill>
+          <a:blip r:embed="rId2"/>
+          <a:stretch>
+            <a:fillRect/>
+          </a:stretch>
+        </p:blipFill>
+        <p:spPr>
+          <a:xfrm>
+            <a:off x="7927860" y="3212970"/>
+            <a:ext cx="719390" cy="164606"/>
+          </a:xfrm>
+          <a:prstGeom prst="rect">
+            <a:avLst/>
+          </a:prstGeom>
+        </p:spPr>
+      </p:pic>
+      <p:pic>
+        <p:nvPicPr>
+          <p:cNvPr id="39" name="図 38"/>
+          <p:cNvPicPr>
+            <a:picLocks noChangeAspect="1"/>
+          </p:cNvPicPr>
+          <p:nvPr/>
+        </p:nvPicPr>
+        <p:blipFill>
+          <a:blip r:embed="rId2"/>
+          <a:stretch>
+            <a:fillRect/>
+          </a:stretch>
+        </p:blipFill>
+        <p:spPr>
+          <a:xfrm>
+            <a:off x="7927860" y="4004206"/>
+            <a:ext cx="719390" cy="164606"/>
+          </a:xfrm>
+          <a:prstGeom prst="rect">
+            <a:avLst/>
+          </a:prstGeom>
+          <a:solidFill>
+            <a:schemeClr val="accent2">
+              <a:lumMod val="60000"/>
+              <a:lumOff val="40000"/>
+              <a:alpha val="78000"/>
+            </a:schemeClr>
+          </a:solidFill>
+        </p:spPr>
+      </p:pic>
+      <p:pic>
+        <p:nvPicPr>
+          <p:cNvPr id="41" name="図 40"/>
+          <p:cNvPicPr>
+            <a:picLocks noChangeAspect="1"/>
+          </p:cNvPicPr>
+          <p:nvPr/>
+        </p:nvPicPr>
+        <p:blipFill>
+          <a:blip r:embed="rId2"/>
+          <a:stretch>
+            <a:fillRect/>
+          </a:stretch>
+        </p:blipFill>
+        <p:spPr>
+          <a:xfrm>
+            <a:off x="7927860" y="2474790"/>
+            <a:ext cx="719390" cy="164606"/>
+          </a:xfrm>
+          <a:prstGeom prst="rect">
+            <a:avLst/>
+          </a:prstGeom>
+        </p:spPr>
+      </p:pic>
+      <p:sp>
+        <p:nvSpPr>
+          <p:cNvPr id="55" name="フローチャート : 書類 54"/>
+          <p:cNvSpPr/>
+          <p:nvPr/>
+        </p:nvSpPr>
+        <p:spPr bwMode="auto">
+          <a:xfrm>
+            <a:off x="3131800" y="5470863"/>
+            <a:ext cx="1440000" cy="413570"/>
+          </a:xfrm>
+          <a:prstGeom prst="flowChartDocument">
+            <a:avLst/>
+          </a:prstGeom>
+          <a:ln>
+            <a:solidFill>
+              <a:schemeClr val="tx1"/>
+            </a:solidFill>
+          </a:ln>
+          <a:extLst/>
+        </p:spPr>
+        <p:style>
+          <a:lnRef idx="2">
+            <a:schemeClr val="dk1"/>
+          </a:lnRef>
+          <a:fillRef idx="1">
+            <a:schemeClr val="lt1"/>
+          </a:fillRef>
+          <a:effectRef idx="0">
+            <a:schemeClr val="dk1"/>
+          </a:effectRef>
+          <a:fontRef idx="minor">
+            <a:schemeClr val="dk1"/>
+          </a:fontRef>
+        </p:style>
+        <p:txBody>
+          <a:bodyPr rot="0" spcFirstLastPara="0" vertOverflow="overflow" horzOverflow="overflow" vert="horz" wrap="square" lIns="91440" tIns="45720" rIns="91440" bIns="45720" numCol="1" spcCol="0" rtlCol="0" fromWordArt="0" anchor="ctr" anchorCtr="0" forceAA="0" compatLnSpc="1">
+            <a:prstTxWarp prst="textNoShape">
+              <a:avLst/>
+            </a:prstTxWarp>
+            <a:noAutofit/>
+          </a:bodyPr>
+          <a:lstStyle/>
+          <a:p>
+            <a:pPr algn="ctr"/>
+            <a:r>
+              <a:rPr lang="ja-JP" altLang="en-US" sz="1200" smtClean="0"/>
+              <a:t>対話ファイル</a:t>
+            </a:r>
+            <a:r>
+              <a:rPr lang="en-US" altLang="ja-JP" sz="1200" smtClean="0"/>
+              <a:t>B</a:t>
+            </a:r>
+            <a:endParaRPr lang="en-US" altLang="ja-JP" sz="1200" dirty="0"/>
+          </a:p>
+        </p:txBody>
+      </p:sp>
+      <p:sp>
+        <p:nvSpPr>
+          <p:cNvPr id="56" name="フローチャート : 書類 54"/>
+          <p:cNvSpPr/>
+          <p:nvPr/>
+        </p:nvSpPr>
+        <p:spPr bwMode="auto">
+          <a:xfrm>
+            <a:off x="3120426" y="5812936"/>
+            <a:ext cx="1595594" cy="530991"/>
+          </a:xfrm>
+          <a:prstGeom prst="flowChartDocument">
+            <a:avLst/>
+          </a:prstGeom>
+          <a:solidFill>
+            <a:schemeClr val="lt1">
+              <a:alpha val="0"/>
+            </a:schemeClr>
+          </a:solidFill>
+          <a:ln>
+            <a:solidFill>
+              <a:schemeClr val="tx1">
+                <a:alpha val="36000"/>
+              </a:schemeClr>
+            </a:solidFill>
+          </a:ln>
+          <a:extLst/>
+        </p:spPr>
+        <p:style>
+          <a:lnRef idx="2">
+            <a:schemeClr val="dk1"/>
+          </a:lnRef>
+          <a:fillRef idx="1">
+            <a:schemeClr val="lt1"/>
+          </a:fillRef>
+          <a:effectRef idx="0">
+            <a:schemeClr val="dk1"/>
+          </a:effectRef>
+          <a:fontRef idx="minor">
+            <a:schemeClr val="dk1"/>
+          </a:fontRef>
+        </p:style>
+        <p:txBody>
+          <a:bodyPr rot="0" spcFirstLastPara="0" vertOverflow="overflow" horzOverflow="overflow" vert="horz" wrap="square" lIns="91440" tIns="45720" rIns="91440" bIns="45720" numCol="1" spcCol="0" rtlCol="0" fromWordArt="0" anchor="ctr" anchorCtr="0" forceAA="0" compatLnSpc="1">
+            <a:prstTxWarp prst="textNoShape">
+              <a:avLst/>
+            </a:prstTxWarp>
+            <a:noAutofit/>
+          </a:bodyPr>
+          <a:lstStyle/>
+          <a:p>
+            <a:endParaRPr lang="en-US" altLang="ja-JP" sz="1200" dirty="0"/>
+          </a:p>
+          <a:p>
+            <a:pPr algn="ctr"/>
+            <a:r>
+              <a:rPr lang="ja-JP" altLang="en-US" sz="1200" smtClean="0"/>
+              <a:t>対話ファイル</a:t>
+            </a:r>
+            <a:r>
+              <a:rPr lang="en-US" altLang="ja-JP" sz="1200" smtClean="0"/>
+              <a:t>C</a:t>
+            </a:r>
+            <a:endParaRPr lang="en-US" altLang="ja-JP" sz="1200" dirty="0"/>
+          </a:p>
+          <a:p>
+            <a:pPr algn="ctr"/>
+            <a:endParaRPr lang="en-US" altLang="ja-JP" sz="1200" dirty="0"/>
+          </a:p>
+        </p:txBody>
+      </p:sp>
+      <p:sp>
+        <p:nvSpPr>
+          <p:cNvPr id="59" name="フローチャート : 書類 54"/>
+          <p:cNvSpPr/>
+          <p:nvPr/>
+        </p:nvSpPr>
+        <p:spPr bwMode="auto">
+          <a:xfrm>
+            <a:off x="3131800" y="4978556"/>
+            <a:ext cx="4176580" cy="413570"/>
+          </a:xfrm>
+          <a:prstGeom prst="flowChartDocument">
+            <a:avLst/>
+          </a:prstGeom>
+          <a:solidFill>
+            <a:schemeClr val="lt1">
+              <a:alpha val="0"/>
+            </a:schemeClr>
+          </a:solidFill>
+          <a:ln>
+            <a:solidFill>
+              <a:schemeClr val="tx1">
+                <a:alpha val="36000"/>
+              </a:schemeClr>
+            </a:solidFill>
+          </a:ln>
+          <a:extLst/>
+        </p:spPr>
+        <p:style>
+          <a:lnRef idx="2">
+            <a:schemeClr val="dk1"/>
+          </a:lnRef>
+          <a:fillRef idx="1">
+            <a:schemeClr val="lt1"/>
+          </a:fillRef>
+          <a:effectRef idx="0">
+            <a:schemeClr val="dk1"/>
+          </a:effectRef>
+          <a:fontRef idx="minor">
+            <a:schemeClr val="dk1"/>
+          </a:fontRef>
+        </p:style>
+        <p:txBody>
+          <a:bodyPr rot="0" spcFirstLastPara="0" vertOverflow="overflow" horzOverflow="overflow" vert="horz" wrap="square" lIns="91440" tIns="45720" rIns="91440" bIns="45720" numCol="1" spcCol="0" rtlCol="0" fromWordArt="0" anchor="ctr" anchorCtr="0" forceAA="0" compatLnSpc="1">
+            <a:prstTxWarp prst="textNoShape">
+              <a:avLst/>
+            </a:prstTxWarp>
+            <a:noAutofit/>
+          </a:bodyPr>
+          <a:lstStyle/>
+          <a:p>
+            <a:pPr algn="ctr"/>
+            <a:r>
+              <a:rPr lang="ja-JP" altLang="en-US" sz="1200" smtClean="0"/>
+              <a:t>対話ファイル</a:t>
+            </a:r>
+            <a:r>
+              <a:rPr lang="en-US" altLang="ja-JP" sz="1200"/>
+              <a:t>A</a:t>
+            </a:r>
+            <a:endParaRPr lang="en-US" altLang="ja-JP" sz="1200" dirty="0"/>
+          </a:p>
+        </p:txBody>
+      </p:sp>
+      <p:cxnSp>
+        <p:nvCxnSpPr>
+          <p:cNvPr id="63" name="直線コネクタ 103"/>
+          <p:cNvCxnSpPr>
+            <a:stCxn id="122" idx="3"/>
+            <a:endCxn id="78" idx="0"/>
+          </p:cNvCxnSpPr>
+          <p:nvPr/>
+        </p:nvCxnSpPr>
+        <p:spPr bwMode="auto">
+          <a:xfrm>
+            <a:off x="1475720" y="5093972"/>
+            <a:ext cx="251566" cy="343243"/>
+          </a:xfrm>
+          <a:prstGeom prst="bentConnector2">
+            <a:avLst/>
+          </a:prstGeom>
+          <a:solidFill>
+            <a:schemeClr val="bg1"/>
+          </a:solidFill>
+          <a:ln w="19050" cap="flat" cmpd="sng" algn="ctr">
+            <a:solidFill>
+              <a:schemeClr val="tx1"/>
+            </a:solidFill>
+            <a:prstDash val="sysDash"/>
+            <a:round/>
+            <a:headEnd type="none" w="med" len="med"/>
+            <a:tailEnd type="none" w="med" len="med"/>
+          </a:ln>
+          <a:effectLst/>
+          <a:extLst>
+            <a:ext uri="{AF507438-7753-43E0-B8FC-AC1667EBCBE1}">
+              <a14:hiddenEffects xmlns:a14="http://schemas.microsoft.com/office/drawing/2010/main">
+                <a:effectLst>
+                  <a:outerShdw dist="35921" dir="2700000" algn="ctr" rotWithShape="0">
+                    <a:schemeClr val="tx1">
+                      <a:alpha val="50000"/>
+                    </a:schemeClr>
+                  </a:outerShdw>
+                </a:effectLst>
+              </a14:hiddenEffects>
+            </a:ext>
+          </a:extLst>
+        </p:spPr>
+      </p:cxnSp>
+      <p:pic>
+        <p:nvPicPr>
+          <p:cNvPr id="64" name="図 63"/>
+          <p:cNvPicPr>
+            <a:picLocks noChangeAspect="1"/>
+          </p:cNvPicPr>
+          <p:nvPr/>
+        </p:nvPicPr>
+        <p:blipFill>
+          <a:blip r:embed="rId2"/>
+          <a:stretch>
+            <a:fillRect/>
+          </a:stretch>
+        </p:blipFill>
+        <p:spPr>
+          <a:xfrm>
+            <a:off x="7817371" y="5020735"/>
+            <a:ext cx="719390" cy="164606"/>
+          </a:xfrm>
+          <a:prstGeom prst="rect">
+            <a:avLst/>
+          </a:prstGeom>
+        </p:spPr>
+      </p:pic>
+      <p:pic>
+        <p:nvPicPr>
+          <p:cNvPr id="65" name="図 64"/>
+          <p:cNvPicPr>
+            <a:picLocks noChangeAspect="1"/>
+          </p:cNvPicPr>
+          <p:nvPr/>
+        </p:nvPicPr>
+        <p:blipFill>
+          <a:blip r:embed="rId2"/>
+          <a:stretch>
+            <a:fillRect/>
+          </a:stretch>
+        </p:blipFill>
+        <p:spPr>
+          <a:xfrm>
+            <a:off x="7817371" y="5585435"/>
+            <a:ext cx="719390" cy="164606"/>
+          </a:xfrm>
+          <a:prstGeom prst="rect">
+            <a:avLst/>
+          </a:prstGeom>
+        </p:spPr>
+      </p:pic>
+      <p:pic>
+        <p:nvPicPr>
+          <p:cNvPr id="66" name="図 65"/>
+          <p:cNvPicPr>
+            <a:picLocks noChangeAspect="1"/>
+          </p:cNvPicPr>
+          <p:nvPr/>
+        </p:nvPicPr>
+        <p:blipFill>
+          <a:blip r:embed="rId2"/>
+          <a:stretch>
+            <a:fillRect/>
+          </a:stretch>
+        </p:blipFill>
+        <p:spPr>
+          <a:xfrm>
+            <a:off x="7817371" y="6058706"/>
+            <a:ext cx="719390" cy="164606"/>
+          </a:xfrm>
+          <a:prstGeom prst="rect">
+            <a:avLst/>
+          </a:prstGeom>
+          <a:solidFill>
+            <a:schemeClr val="accent2">
+              <a:lumMod val="60000"/>
+              <a:lumOff val="40000"/>
+              <a:alpha val="78000"/>
+            </a:schemeClr>
+          </a:solidFill>
+        </p:spPr>
+      </p:pic>
+      <p:pic>
+        <p:nvPicPr>
+          <p:cNvPr id="67" name="図 66"/>
+          <p:cNvPicPr>
+            <a:picLocks noChangeAspect="1"/>
+          </p:cNvPicPr>
+          <p:nvPr/>
+        </p:nvPicPr>
+        <p:blipFill>
+          <a:blip r:embed="rId2"/>
+          <a:stretch>
+            <a:fillRect/>
+          </a:stretch>
+        </p:blipFill>
+        <p:spPr>
+          <a:xfrm>
+            <a:off x="7817371" y="5218685"/>
+            <a:ext cx="719390" cy="164606"/>
+          </a:xfrm>
+          <a:prstGeom prst="rect">
+            <a:avLst/>
+          </a:prstGeom>
+        </p:spPr>
+      </p:pic>
+      <p:sp>
+        <p:nvSpPr>
+          <p:cNvPr id="72" name="雲 71"/>
+          <p:cNvSpPr/>
+          <p:nvPr/>
+        </p:nvSpPr>
+        <p:spPr bwMode="auto">
+          <a:xfrm>
+            <a:off x="2771369" y="4795261"/>
+            <a:ext cx="4825201" cy="1548667"/>
+          </a:xfrm>
+          <a:prstGeom prst="cloud">
+            <a:avLst/>
+          </a:prstGeom>
+          <a:solidFill>
+            <a:schemeClr val="bg2">
+              <a:lumMod val="85000"/>
+            </a:schemeClr>
+          </a:solidFill>
+          <a:ln w="12700">
+            <a:solidFill>
+              <a:schemeClr val="tx1"/>
+            </a:solidFill>
+          </a:ln>
+          <a:effectLst/>
+          <a:extLst/>
+        </p:spPr>
+        <p:txBody>
+          <a:bodyPr rot="0" spcFirstLastPara="0" vertOverflow="overflow" horzOverflow="overflow" vert="horz" wrap="none" lIns="72000" tIns="72000" rIns="72000" bIns="72000" numCol="1" spcCol="0" rtlCol="0" fromWordArt="0" anchor="ctr" anchorCtr="0" forceAA="0" compatLnSpc="1">
+            <a:prstTxWarp prst="textNoShape">
+              <a:avLst/>
+            </a:prstTxWarp>
+            <a:noAutofit/>
+          </a:bodyPr>
+          <a:lstStyle/>
+          <a:p>
+            <a:pPr algn="ctr"/>
+            <a:endParaRPr kumimoji="1" lang="ja-JP" altLang="en-US" b="1" dirty="0" smtClean="0">
+              <a:latin typeface="+mn-ea"/>
+            </a:endParaRPr>
+          </a:p>
+        </p:txBody>
+      </p:sp>
+      <p:sp>
+        <p:nvSpPr>
+          <p:cNvPr id="77" name="角丸四角形 76"/>
+          <p:cNvSpPr/>
+          <p:nvPr/>
+        </p:nvSpPr>
+        <p:spPr bwMode="auto">
+          <a:xfrm>
+            <a:off x="7668579" y="4940938"/>
+            <a:ext cx="1007991" cy="1392134"/>
+          </a:xfrm>
+          <a:prstGeom prst="roundRect">
+            <a:avLst>
+              <a:gd name="adj" fmla="val 10097"/>
+            </a:avLst>
+          </a:prstGeom>
+          <a:noFill/>
+          <a:ln w="12700">
+            <a:solidFill>
+              <a:schemeClr val="tx1"/>
+            </a:solidFill>
+            <a:prstDash val="sysDot"/>
+          </a:ln>
+          <a:effectLst/>
+          <a:extLst/>
+        </p:spPr>
+        <p:txBody>
+          <a:bodyPr rot="0" spcFirstLastPara="0" vertOverflow="overflow" horzOverflow="overflow" vert="horz" wrap="none" lIns="72000" tIns="72000" rIns="72000" bIns="72000" numCol="1" spcCol="0" rtlCol="0" fromWordArt="0" anchor="ctr" anchorCtr="0" forceAA="0" compatLnSpc="1">
+            <a:prstTxWarp prst="textNoShape">
+              <a:avLst/>
+            </a:prstTxWarp>
+            <a:noAutofit/>
+          </a:bodyPr>
+          <a:lstStyle/>
+          <a:p>
+            <a:pPr algn="ctr"/>
+            <a:endParaRPr kumimoji="1" lang="ja-JP" altLang="en-US" sz="1600" b="1" dirty="0" smtClean="0">
+              <a:latin typeface="+mn-ea"/>
+            </a:endParaRPr>
+          </a:p>
+        </p:txBody>
+      </p:sp>
+      <p:cxnSp>
+        <p:nvCxnSpPr>
+          <p:cNvPr id="82" name="直線矢印コネクタ 81"/>
+          <p:cNvCxnSpPr>
+            <a:stCxn id="13" idx="3"/>
+            <a:endCxn id="37" idx="1"/>
+          </p:cNvCxnSpPr>
+          <p:nvPr/>
+        </p:nvCxnSpPr>
+        <p:spPr bwMode="auto">
+          <a:xfrm flipV="1">
+            <a:off x="7308380" y="2359143"/>
+            <a:ext cx="619480" cy="84577"/>
+          </a:xfrm>
+          <a:prstGeom prst="straightConnector1">
+            <a:avLst/>
+          </a:prstGeom>
+          <a:solidFill>
+            <a:schemeClr val="bg1"/>
+          </a:solidFill>
+          <a:ln w="12700" cap="flat" cmpd="sng" algn="ctr">
+            <a:solidFill>
+              <a:srgbClr val="C00000"/>
+            </a:solidFill>
+            <a:prstDash val="solid"/>
+            <a:round/>
+            <a:headEnd type="none" w="med" len="med"/>
+            <a:tailEnd type="triangle"/>
+          </a:ln>
+          <a:effectLst/>
+          <a:extLst>
+            <a:ext uri="{AF507438-7753-43E0-B8FC-AC1667EBCBE1}">
+              <a14:hiddenEffects xmlns:a14="http://schemas.microsoft.com/office/drawing/2010/main">
+                <a:effectLst>
+                  <a:outerShdw dist="35921" dir="2700000" algn="ctr" rotWithShape="0">
+                    <a:schemeClr val="tx1">
+                      <a:alpha val="50000"/>
+                    </a:schemeClr>
+                  </a:outerShdw>
+                </a:effectLst>
+              </a14:hiddenEffects>
+            </a:ext>
+          </a:extLst>
+        </p:spPr>
+      </p:cxnSp>
+      <p:cxnSp>
+        <p:nvCxnSpPr>
+          <p:cNvPr id="83" name="直線矢印コネクタ 82"/>
+          <p:cNvCxnSpPr>
+            <a:stCxn id="13" idx="3"/>
+            <a:endCxn id="41" idx="1"/>
+          </p:cNvCxnSpPr>
+          <p:nvPr/>
+        </p:nvCxnSpPr>
+        <p:spPr bwMode="auto">
+          <a:xfrm>
+            <a:off x="7308380" y="2443720"/>
+            <a:ext cx="619480" cy="113373"/>
+          </a:xfrm>
+          <a:prstGeom prst="straightConnector1">
+            <a:avLst/>
+          </a:prstGeom>
+          <a:solidFill>
+            <a:schemeClr val="bg1"/>
+          </a:solidFill>
+          <a:ln w="12700" cap="flat" cmpd="sng" algn="ctr">
+            <a:solidFill>
+              <a:srgbClr val="C00000"/>
+            </a:solidFill>
+            <a:prstDash val="solid"/>
+            <a:round/>
+            <a:headEnd type="none" w="med" len="med"/>
+            <a:tailEnd type="triangle"/>
+          </a:ln>
+          <a:effectLst/>
+          <a:extLst>
+            <a:ext uri="{AF507438-7753-43E0-B8FC-AC1667EBCBE1}">
+              <a14:hiddenEffects xmlns:a14="http://schemas.microsoft.com/office/drawing/2010/main">
+                <a:effectLst>
+                  <a:outerShdw dist="35921" dir="2700000" algn="ctr" rotWithShape="0">
+                    <a:schemeClr val="tx1">
+                      <a:alpha val="50000"/>
+                    </a:schemeClr>
+                  </a:outerShdw>
+                </a:effectLst>
+              </a14:hiddenEffects>
+            </a:ext>
+          </a:extLst>
+        </p:spPr>
+      </p:cxnSp>
+      <p:cxnSp>
+        <p:nvCxnSpPr>
+          <p:cNvPr id="86" name="直線矢印コネクタ 85"/>
+          <p:cNvCxnSpPr>
+            <a:stCxn id="115" idx="3"/>
+            <a:endCxn id="38" idx="1"/>
+          </p:cNvCxnSpPr>
+          <p:nvPr/>
+        </p:nvCxnSpPr>
+        <p:spPr bwMode="auto">
+          <a:xfrm>
+            <a:off x="7308380" y="3294927"/>
+            <a:ext cx="619480" cy="346"/>
+          </a:xfrm>
+          <a:prstGeom prst="straightConnector1">
+            <a:avLst/>
+          </a:prstGeom>
+          <a:solidFill>
+            <a:schemeClr val="bg1"/>
+          </a:solidFill>
+          <a:ln w="12700" cap="flat" cmpd="sng" algn="ctr">
+            <a:solidFill>
+              <a:srgbClr val="C00000"/>
+            </a:solidFill>
+            <a:prstDash val="solid"/>
+            <a:round/>
+            <a:headEnd type="none" w="med" len="med"/>
+            <a:tailEnd type="triangle"/>
+          </a:ln>
+          <a:effectLst/>
+          <a:extLst>
+            <a:ext uri="{AF507438-7753-43E0-B8FC-AC1667EBCBE1}">
+              <a14:hiddenEffects xmlns:a14="http://schemas.microsoft.com/office/drawing/2010/main">
+                <a:effectLst>
+                  <a:outerShdw dist="35921" dir="2700000" algn="ctr" rotWithShape="0">
+                    <a:schemeClr val="tx1">
+                      <a:alpha val="50000"/>
+                    </a:schemeClr>
+                  </a:outerShdw>
+                </a:effectLst>
+              </a14:hiddenEffects>
+            </a:ext>
+          </a:extLst>
+        </p:spPr>
+      </p:cxnSp>
+      <p:cxnSp>
+        <p:nvCxnSpPr>
+          <p:cNvPr id="87" name="直線矢印コネクタ 86"/>
+          <p:cNvCxnSpPr>
+            <a:stCxn id="116" idx="3"/>
+            <a:endCxn id="39" idx="1"/>
+          </p:cNvCxnSpPr>
+          <p:nvPr/>
+        </p:nvCxnSpPr>
+        <p:spPr bwMode="auto">
+          <a:xfrm flipV="1">
+            <a:off x="7308380" y="4086509"/>
+            <a:ext cx="619480" cy="3897"/>
+          </a:xfrm>
+          <a:prstGeom prst="straightConnector1">
+            <a:avLst/>
+          </a:prstGeom>
+          <a:solidFill>
+            <a:schemeClr val="bg1"/>
+          </a:solidFill>
+          <a:ln w="12700" cap="flat" cmpd="sng" algn="ctr">
+            <a:solidFill>
+              <a:srgbClr val="C00000"/>
+            </a:solidFill>
+            <a:prstDash val="solid"/>
+            <a:round/>
+            <a:headEnd type="none" w="med" len="med"/>
+            <a:tailEnd type="triangle"/>
+          </a:ln>
+          <a:effectLst/>
+          <a:extLst>
+            <a:ext uri="{AF507438-7753-43E0-B8FC-AC1667EBCBE1}">
+              <a14:hiddenEffects xmlns:a14="http://schemas.microsoft.com/office/drawing/2010/main">
+                <a:effectLst>
+                  <a:outerShdw dist="35921" dir="2700000" algn="ctr" rotWithShape="0">
+                    <a:schemeClr val="tx1">
+                      <a:alpha val="50000"/>
+                    </a:schemeClr>
+                  </a:outerShdw>
+                </a:effectLst>
+              </a14:hiddenEffects>
+            </a:ext>
+          </a:extLst>
+        </p:spPr>
+      </p:cxnSp>
+      <p:sp>
+        <p:nvSpPr>
+          <p:cNvPr id="93" name="四角形吹き出し 92"/>
+          <p:cNvSpPr/>
+          <p:nvPr/>
+        </p:nvSpPr>
+        <p:spPr bwMode="auto">
+          <a:xfrm>
+            <a:off x="3059790" y="6147022"/>
+            <a:ext cx="4572723" cy="450418"/>
+          </a:xfrm>
+          <a:prstGeom prst="wedgeRectCallout">
+            <a:avLst>
+              <a:gd name="adj1" fmla="val 49370"/>
+              <a:gd name="adj2" fmla="val -107811"/>
+            </a:avLst>
+          </a:prstGeom>
+          <a:solidFill>
+            <a:schemeClr val="accent2">
+              <a:lumMod val="60000"/>
+              <a:lumOff val="40000"/>
+            </a:schemeClr>
+          </a:solidFill>
+          <a:ln w="19050">
+            <a:noFill/>
+          </a:ln>
+          <a:effectLst>
+            <a:outerShdw blurRad="50800" dist="38100" dir="2700000" algn="tl" rotWithShape="0">
+              <a:prstClr val="black">
+                <a:alpha val="40000"/>
+              </a:prstClr>
+            </a:outerShdw>
+          </a:effectLst>
+          <a:extLst/>
+        </p:spPr>
+        <p:txBody>
+          <a:bodyPr rot="0" spcFirstLastPara="0" vertOverflow="overflow" horzOverflow="overflow" vert="horz" wrap="none" lIns="91440" tIns="45720" rIns="91440" bIns="45720" numCol="1" spcCol="0" rtlCol="0" fromWordArt="0" anchor="ctr" anchorCtr="0" forceAA="0" compatLnSpc="1">
+            <a:prstTxWarp prst="textNoShape">
+              <a:avLst/>
+            </a:prstTxWarp>
+            <a:noAutofit/>
+          </a:bodyPr>
+          <a:lstStyle/>
+          <a:p>
+            <a:r>
+              <a:rPr lang="ja-JP" altLang="en-US" sz="1200" b="1">
+                <a:solidFill>
+                  <a:schemeClr val="bg1"/>
+                </a:solidFill>
+                <a:latin typeface="+mj-ea"/>
+              </a:rPr>
+              <a:t>ターゲット機器の</a:t>
+            </a:r>
+            <a:r>
+              <a:rPr lang="en-US" altLang="ja-JP" sz="1200" b="1">
+                <a:solidFill>
+                  <a:schemeClr val="bg1"/>
+                </a:solidFill>
+                <a:latin typeface="+mj-ea"/>
+              </a:rPr>
+              <a:t>OS</a:t>
+            </a:r>
+            <a:r>
+              <a:rPr lang="ja-JP" altLang="en-US" sz="1200" b="1">
+                <a:solidFill>
+                  <a:schemeClr val="bg1"/>
+                </a:solidFill>
+                <a:latin typeface="+mj-ea"/>
+              </a:rPr>
+              <a:t>種別に従った対話ファイルを実行するため</a:t>
+            </a:r>
+            <a:r>
+              <a:rPr lang="ja-JP" altLang="en-US" sz="1200" b="1" smtClean="0">
+                <a:solidFill>
+                  <a:schemeClr val="bg1"/>
+                </a:solidFill>
+                <a:latin typeface="+mj-ea"/>
+              </a:rPr>
+              <a:t>、</a:t>
+            </a:r>
+            <a:r>
+              <a:rPr lang="en-US" altLang="ja-JP" sz="1200" b="1" smtClean="0">
+                <a:solidFill>
+                  <a:schemeClr val="bg1"/>
+                </a:solidFill>
+                <a:latin typeface="+mj-ea"/>
+              </a:rPr>
+              <a:t/>
+            </a:r>
+            <a:br>
+              <a:rPr lang="en-US" altLang="ja-JP" sz="1200" b="1" smtClean="0">
+                <a:solidFill>
+                  <a:schemeClr val="bg1"/>
+                </a:solidFill>
+                <a:latin typeface="+mj-ea"/>
+              </a:rPr>
+            </a:br>
+            <a:r>
+              <a:rPr lang="ja-JP" altLang="en-US" sz="1200" b="1" smtClean="0">
+                <a:solidFill>
+                  <a:schemeClr val="bg1"/>
+                </a:solidFill>
+                <a:latin typeface="+mj-ea"/>
+              </a:rPr>
+              <a:t>実行</a:t>
+            </a:r>
+            <a:r>
+              <a:rPr lang="ja-JP" altLang="en-US" sz="1200" b="1">
+                <a:solidFill>
+                  <a:schemeClr val="bg1"/>
+                </a:solidFill>
+                <a:latin typeface="+mj-ea"/>
+              </a:rPr>
+              <a:t>ユーザは対象機器の</a:t>
+            </a:r>
+            <a:r>
+              <a:rPr lang="en-US" altLang="ja-JP" sz="1200" b="1">
+                <a:solidFill>
+                  <a:schemeClr val="bg1"/>
+                </a:solidFill>
+                <a:latin typeface="+mj-ea"/>
+              </a:rPr>
+              <a:t>OS</a:t>
+            </a:r>
+            <a:r>
+              <a:rPr lang="ja-JP" altLang="en-US" sz="1200" b="1">
+                <a:solidFill>
+                  <a:schemeClr val="bg1"/>
+                </a:solidFill>
+                <a:latin typeface="+mj-ea"/>
+              </a:rPr>
+              <a:t>を意識する必要がない。</a:t>
+            </a:r>
+            <a:endParaRPr lang="ja-JP" altLang="en-US" sz="1200" b="1" dirty="0">
+              <a:solidFill>
+                <a:schemeClr val="bg1"/>
+              </a:solidFill>
+              <a:latin typeface="+mj-ea"/>
+            </a:endParaRPr>
+          </a:p>
+        </p:txBody>
+      </p:sp>
+      <p:sp>
+        <p:nvSpPr>
+          <p:cNvPr id="115" name="フローチャート : 書類 54"/>
+          <p:cNvSpPr/>
+          <p:nvPr/>
+        </p:nvSpPr>
+        <p:spPr bwMode="auto">
+          <a:xfrm>
+            <a:off x="3130329" y="2869667"/>
+            <a:ext cx="4178051" cy="850519"/>
+          </a:xfrm>
+          <a:prstGeom prst="flowChartDocument">
+            <a:avLst/>
+          </a:prstGeom>
+          <a:ln>
+            <a:solidFill>
+              <a:schemeClr val="tx1"/>
+            </a:solidFill>
+          </a:ln>
+          <a:extLst/>
+        </p:spPr>
+        <p:style>
+          <a:lnRef idx="2">
+            <a:schemeClr val="dk1"/>
+          </a:lnRef>
+          <a:fillRef idx="1">
+            <a:schemeClr val="lt1"/>
+          </a:fillRef>
+          <a:effectRef idx="0">
+            <a:schemeClr val="dk1"/>
+          </a:effectRef>
+          <a:fontRef idx="minor">
+            <a:schemeClr val="dk1"/>
+          </a:fontRef>
+        </p:style>
+        <p:txBody>
+          <a:bodyPr rot="0" spcFirstLastPara="0" vertOverflow="overflow" horzOverflow="overflow" vert="horz" wrap="square" lIns="91440" tIns="45720" rIns="91440" bIns="45720" numCol="1" spcCol="0" rtlCol="0" fromWordArt="0" anchor="t" anchorCtr="0" forceAA="0" compatLnSpc="1">
+            <a:prstTxWarp prst="textNoShape">
+              <a:avLst/>
+            </a:prstTxWarp>
+            <a:noAutofit/>
+          </a:bodyPr>
+          <a:lstStyle/>
+          <a:p>
+            <a:r>
+              <a:rPr lang="ja-JP" altLang="en-US" sz="1200" u="sng" smtClean="0"/>
+              <a:t>対話ファイル</a:t>
+            </a:r>
+            <a:r>
+              <a:rPr lang="en-US" altLang="ja-JP" sz="1200" u="sng" smtClean="0"/>
+              <a:t>B</a:t>
+            </a:r>
+            <a:r>
+              <a:rPr lang="en-US" altLang="ja-JP" sz="1200"/>
+              <a:t> </a:t>
+            </a:r>
+            <a:r>
+              <a:rPr lang="en-US" altLang="ja-JP" sz="1200" smtClean="0"/>
+              <a:t>  </a:t>
+            </a:r>
+            <a:r>
+              <a:rPr lang="en-US" altLang="ja-JP" sz="1100" smtClean="0"/>
+              <a:t>OS</a:t>
+            </a:r>
+            <a:r>
+              <a:rPr lang="ja-JP" altLang="en-US" sz="1100" smtClean="0"/>
+              <a:t>種別：</a:t>
+            </a:r>
+            <a:r>
+              <a:rPr lang="en-US" altLang="ja-JP" sz="1200" b="1" smtClean="0">
+                <a:solidFill>
+                  <a:srgbClr val="FF0000"/>
+                </a:solidFill>
+              </a:rPr>
+              <a:t>Cisco ACE</a:t>
+            </a:r>
+          </a:p>
+          <a:p>
+            <a:r>
+              <a:rPr lang="en-US" altLang="ja-JP" sz="800" smtClean="0">
+                <a:solidFill>
+                  <a:schemeClr val="tx1"/>
+                </a:solidFill>
+                <a:latin typeface="+mn-ea"/>
+              </a:rPr>
+              <a:t>  - expect</a:t>
+            </a:r>
+            <a:r>
+              <a:rPr lang="en-US" altLang="ja-JP" sz="800">
+                <a:solidFill>
+                  <a:schemeClr val="tx1"/>
+                </a:solidFill>
+                <a:latin typeface="+mn-ea"/>
+              </a:rPr>
+              <a:t>: </a:t>
+            </a:r>
+            <a:r>
+              <a:rPr lang="en-US" altLang="ja-JP" sz="800" smtClean="0">
+                <a:solidFill>
+                  <a:schemeClr val="tx1"/>
+                </a:solidFill>
+                <a:latin typeface="+mn-ea"/>
+              </a:rPr>
+              <a:t>‘{{ __loginhostname__ }}/</a:t>
+            </a:r>
+            <a:r>
+              <a:rPr lang="en-US" altLang="ja-JP" sz="800">
+                <a:solidFill>
+                  <a:schemeClr val="tx1"/>
+                </a:solidFill>
+                <a:latin typeface="+mn-ea"/>
+              </a:rPr>
+              <a:t>Admin(config)’</a:t>
+            </a:r>
+            <a:endParaRPr lang="en-US" altLang="ja-JP" sz="800" smtClean="0">
+              <a:solidFill>
+                <a:schemeClr val="tx1"/>
+              </a:solidFill>
+              <a:latin typeface="+mn-ea"/>
+            </a:endParaRPr>
+          </a:p>
+          <a:p>
+            <a:r>
+              <a:rPr lang="en-US" altLang="ja-JP" sz="800" smtClean="0">
+                <a:solidFill>
+                  <a:schemeClr val="tx1"/>
+                </a:solidFill>
+                <a:latin typeface="+mn-ea"/>
+              </a:rPr>
+              <a:t>    exec: ‘rserver </a:t>
+            </a:r>
+            <a:r>
+              <a:rPr lang="en-US" altLang="ja-JP" sz="800"/>
+              <a:t>{{ </a:t>
+            </a:r>
+            <a:r>
+              <a:rPr lang="en-US" altLang="ja-JP" sz="800" smtClean="0"/>
+              <a:t>VAR_group_name }}</a:t>
+            </a:r>
+            <a:r>
+              <a:rPr lang="en-US" altLang="ja-JP" sz="800" smtClean="0">
+                <a:solidFill>
+                  <a:schemeClr val="tx1"/>
+                </a:solidFill>
+                <a:latin typeface="+mn-ea"/>
+              </a:rPr>
+              <a:t>’</a:t>
+            </a:r>
+            <a:endParaRPr lang="en-US" altLang="ja-JP" sz="800">
+              <a:solidFill>
+                <a:schemeClr val="tx1"/>
+              </a:solidFill>
+              <a:latin typeface="+mn-ea"/>
+            </a:endParaRPr>
+          </a:p>
+          <a:p>
+            <a:r>
+              <a:rPr lang="en-US" altLang="ja-JP" sz="800" smtClean="0">
+                <a:solidFill>
+                  <a:schemeClr val="tx1"/>
+                </a:solidFill>
+                <a:latin typeface="+mn-ea"/>
+              </a:rPr>
+              <a:t>  - </a:t>
+            </a:r>
+            <a:r>
+              <a:rPr lang="en-US" altLang="ja-JP" sz="800">
+                <a:solidFill>
+                  <a:schemeClr val="tx1"/>
+                </a:solidFill>
+                <a:latin typeface="+mn-ea"/>
+              </a:rPr>
+              <a:t>command: </a:t>
+            </a:r>
+            <a:r>
+              <a:rPr lang="en-US" altLang="ja-JP" sz="800" smtClean="0">
+                <a:solidFill>
+                  <a:schemeClr val="tx1"/>
+                </a:solidFill>
+                <a:latin typeface="+mn-ea"/>
+              </a:rPr>
+              <a:t>‘ip address </a:t>
+            </a:r>
+            <a:r>
+              <a:rPr lang="en-US" altLang="ja-JP" sz="800"/>
+              <a:t>{{ </a:t>
+            </a:r>
+            <a:r>
+              <a:rPr lang="en-US" altLang="ja-JP" sz="800" smtClean="0"/>
+              <a:t>VAR_host_ip </a:t>
+            </a:r>
+            <a:r>
+              <a:rPr lang="en-US" altLang="ja-JP" sz="800"/>
+              <a:t>}} </a:t>
+            </a:r>
+            <a:r>
+              <a:rPr lang="en-US" altLang="ja-JP" sz="800" smtClean="0">
+                <a:solidFill>
+                  <a:schemeClr val="tx1"/>
+                </a:solidFill>
+                <a:latin typeface="+mn-ea"/>
+              </a:rPr>
+              <a:t>’</a:t>
+            </a:r>
+            <a:endParaRPr lang="en-US" altLang="ja-JP" sz="800">
+              <a:solidFill>
+                <a:schemeClr val="tx1"/>
+              </a:solidFill>
+              <a:latin typeface="+mn-ea"/>
+            </a:endParaRPr>
+          </a:p>
+          <a:p>
+            <a:r>
+              <a:rPr lang="en-US" altLang="ja-JP" sz="800">
+                <a:solidFill>
+                  <a:schemeClr val="tx1"/>
+                </a:solidFill>
+                <a:latin typeface="+mn-ea"/>
+              </a:rPr>
+              <a:t>  </a:t>
+            </a:r>
+            <a:r>
+              <a:rPr lang="en-US" altLang="ja-JP" sz="800" smtClean="0">
+                <a:solidFill>
+                  <a:schemeClr val="tx1"/>
+                </a:solidFill>
+                <a:latin typeface="+mn-ea"/>
+              </a:rPr>
+              <a:t>  prompt</a:t>
+            </a:r>
+            <a:r>
+              <a:rPr lang="en-US" altLang="ja-JP" sz="800">
+                <a:solidFill>
+                  <a:schemeClr val="tx1"/>
+                </a:solidFill>
+                <a:latin typeface="+mn-ea"/>
+              </a:rPr>
+              <a:t>: </a:t>
+            </a:r>
+            <a:r>
+              <a:rPr lang="en-US" altLang="ja-JP" sz="800" smtClean="0">
+                <a:solidFill>
+                  <a:schemeClr val="tx1"/>
+                </a:solidFill>
+                <a:latin typeface="+mn-ea"/>
+              </a:rPr>
+              <a:t>‘</a:t>
+            </a:r>
+            <a:r>
+              <a:rPr lang="en-US" altLang="ja-JP" sz="800">
+                <a:solidFill>
+                  <a:schemeClr val="tx1"/>
+                </a:solidFill>
+                <a:latin typeface="+mn-ea"/>
+              </a:rPr>
+              <a:t>{{ __loginhostname__ }}</a:t>
+            </a:r>
+            <a:r>
+              <a:rPr lang="en-US" altLang="ja-JP" sz="800" smtClean="0">
+                <a:solidFill>
+                  <a:schemeClr val="tx1"/>
+                </a:solidFill>
+                <a:latin typeface="+mn-ea"/>
+              </a:rPr>
+              <a:t>/Admin(config-rserver-host)’</a:t>
+            </a:r>
+            <a:endParaRPr lang="en-US" altLang="ja-JP" sz="800">
+              <a:solidFill>
+                <a:schemeClr val="tx1"/>
+              </a:solidFill>
+              <a:latin typeface="+mn-ea"/>
+            </a:endParaRPr>
+          </a:p>
+        </p:txBody>
+      </p:sp>
+      <p:sp>
+        <p:nvSpPr>
+          <p:cNvPr id="116" name="フローチャート : 書類 54"/>
+          <p:cNvSpPr/>
+          <p:nvPr/>
+        </p:nvSpPr>
+        <p:spPr bwMode="auto">
+          <a:xfrm>
+            <a:off x="3130329" y="3815682"/>
+            <a:ext cx="4178051" cy="549448"/>
+          </a:xfrm>
+          <a:prstGeom prst="flowChartDocument">
+            <a:avLst/>
+          </a:prstGeom>
+          <a:ln>
+            <a:solidFill>
+              <a:schemeClr val="tx1"/>
+            </a:solidFill>
+          </a:ln>
+          <a:extLst/>
+        </p:spPr>
+        <p:style>
+          <a:lnRef idx="2">
+            <a:schemeClr val="dk1"/>
+          </a:lnRef>
+          <a:fillRef idx="1">
+            <a:schemeClr val="lt1"/>
+          </a:fillRef>
+          <a:effectRef idx="0">
+            <a:schemeClr val="dk1"/>
+          </a:effectRef>
+          <a:fontRef idx="minor">
+            <a:schemeClr val="dk1"/>
+          </a:fontRef>
+        </p:style>
+        <p:txBody>
+          <a:bodyPr rot="0" spcFirstLastPara="0" vertOverflow="overflow" horzOverflow="overflow" vert="horz" wrap="square" lIns="91440" tIns="45720" rIns="91440" bIns="45720" numCol="1" spcCol="0" rtlCol="0" fromWordArt="0" anchor="t" anchorCtr="0" forceAA="0" compatLnSpc="1">
+            <a:prstTxWarp prst="textNoShape">
+              <a:avLst/>
+            </a:prstTxWarp>
+            <a:noAutofit/>
+          </a:bodyPr>
+          <a:lstStyle/>
+          <a:p>
+            <a:r>
+              <a:rPr lang="ja-JP" altLang="en-US" sz="1200" u="sng" smtClean="0"/>
+              <a:t>対話ファイル</a:t>
+            </a:r>
+            <a:r>
+              <a:rPr lang="en-US" altLang="ja-JP" sz="1200" u="sng" smtClean="0"/>
+              <a:t>C</a:t>
+            </a:r>
+            <a:r>
+              <a:rPr lang="en-US" altLang="ja-JP" sz="1200" smtClean="0"/>
+              <a:t>   </a:t>
+            </a:r>
+            <a:r>
+              <a:rPr lang="en-US" altLang="ja-JP" sz="1100" smtClean="0"/>
+              <a:t>OS</a:t>
+            </a:r>
+            <a:r>
+              <a:rPr lang="ja-JP" altLang="en-US" sz="1100" smtClean="0"/>
+              <a:t>種別：</a:t>
+            </a:r>
+            <a:r>
+              <a:rPr lang="en-US" altLang="ja-JP" sz="1100" b="1" smtClean="0">
+                <a:solidFill>
+                  <a:srgbClr val="FF0000"/>
+                </a:solidFill>
+              </a:rPr>
+              <a:t>A10</a:t>
+            </a:r>
+          </a:p>
+          <a:p>
+            <a:r>
+              <a:rPr lang="en-US" altLang="ja-JP" sz="800" smtClean="0"/>
+              <a:t>  - command: ‘slb server {{ VAR_server_name}} {{</a:t>
+            </a:r>
+            <a:r>
+              <a:rPr lang="en-US" altLang="ja-JP" sz="800"/>
+              <a:t>VAR_host_ip}}</a:t>
+            </a:r>
+            <a:r>
+              <a:rPr lang="en-US" altLang="ja-JP" sz="800" smtClean="0"/>
+              <a:t>’</a:t>
+            </a:r>
+          </a:p>
+          <a:p>
+            <a:r>
+              <a:rPr lang="en-US" altLang="ja-JP" sz="800" smtClean="0"/>
+              <a:t>    prompt: ‘(config)#’</a:t>
+            </a:r>
+          </a:p>
+          <a:p>
+            <a:endParaRPr lang="en-US" altLang="ja-JP" sz="1200" u="sng" dirty="0"/>
+          </a:p>
+        </p:txBody>
+      </p:sp>
+      <p:sp>
+        <p:nvSpPr>
+          <p:cNvPr id="122" name="テキスト ボックス 121"/>
+          <p:cNvSpPr txBox="1"/>
+          <p:nvPr/>
+        </p:nvSpPr>
+        <p:spPr>
+          <a:xfrm>
+            <a:off x="323560" y="4978556"/>
+            <a:ext cx="1152160" cy="230832"/>
+          </a:xfrm>
+          <a:prstGeom prst="rect">
+            <a:avLst/>
+          </a:prstGeom>
+          <a:ln/>
+        </p:spPr>
+        <p:style>
+          <a:lnRef idx="2">
+            <a:schemeClr val="accent6"/>
+          </a:lnRef>
+          <a:fillRef idx="1">
+            <a:schemeClr val="lt1"/>
+          </a:fillRef>
+          <a:effectRef idx="0">
+            <a:schemeClr val="accent6"/>
+          </a:effectRef>
+          <a:fontRef idx="minor">
+            <a:schemeClr val="dk1"/>
+          </a:fontRef>
+        </p:style>
+        <p:txBody>
+          <a:bodyPr wrap="square" rtlCol="0">
+            <a:spAutoFit/>
+          </a:bodyPr>
+          <a:lstStyle/>
+          <a:p>
+            <a:r>
+              <a:rPr kumimoji="1" lang="en-US" altLang="ja-JP" sz="900" b="1" smtClean="0"/>
+              <a:t>Movement</a:t>
+            </a:r>
+            <a:r>
+              <a:rPr lang="ja-JP" altLang="en-US" sz="900" b="1"/>
+              <a:t> </a:t>
+            </a:r>
+            <a:r>
+              <a:rPr kumimoji="1" lang="en-US" altLang="ja-JP" sz="900" b="1" smtClean="0"/>
+              <a:t>P</a:t>
+            </a:r>
+            <a:endParaRPr kumimoji="1" lang="ja-JP" altLang="en-US" sz="900" b="1"/>
+          </a:p>
+        </p:txBody>
+      </p:sp>
+      <p:sp>
+        <p:nvSpPr>
+          <p:cNvPr id="125" name="テキスト ボックス 124"/>
+          <p:cNvSpPr txBox="1"/>
+          <p:nvPr/>
+        </p:nvSpPr>
+        <p:spPr>
+          <a:xfrm>
+            <a:off x="338230" y="2904345"/>
+            <a:ext cx="1152160" cy="230832"/>
+          </a:xfrm>
+          <a:prstGeom prst="rect">
+            <a:avLst/>
+          </a:prstGeom>
+          <a:ln/>
+        </p:spPr>
+        <p:style>
+          <a:lnRef idx="2">
+            <a:schemeClr val="accent6"/>
+          </a:lnRef>
+          <a:fillRef idx="1">
+            <a:schemeClr val="lt1"/>
+          </a:fillRef>
+          <a:effectRef idx="0">
+            <a:schemeClr val="accent6"/>
+          </a:effectRef>
+          <a:fontRef idx="minor">
+            <a:schemeClr val="dk1"/>
+          </a:fontRef>
+        </p:style>
+        <p:txBody>
+          <a:bodyPr wrap="square" rtlCol="0">
+            <a:spAutoFit/>
+          </a:bodyPr>
+          <a:lstStyle/>
+          <a:p>
+            <a:r>
+              <a:rPr kumimoji="1" lang="en-US" altLang="ja-JP" sz="900" b="1" smtClean="0"/>
+              <a:t>Movement</a:t>
+            </a:r>
+            <a:r>
+              <a:rPr lang="ja-JP" altLang="en-US" sz="900" b="1"/>
+              <a:t> </a:t>
+            </a:r>
+            <a:r>
+              <a:rPr kumimoji="1" lang="en-US" altLang="ja-JP" sz="900" b="1" smtClean="0"/>
+              <a:t>P</a:t>
+            </a:r>
+            <a:endParaRPr kumimoji="1" lang="ja-JP" altLang="en-US" sz="900" b="1"/>
+          </a:p>
+        </p:txBody>
+      </p:sp>
+      <p:sp>
+        <p:nvSpPr>
+          <p:cNvPr id="128" name="Freeform 119"/>
+          <p:cNvSpPr>
+            <a:spLocks noChangeAspect="1"/>
+          </p:cNvSpPr>
+          <p:nvPr/>
+        </p:nvSpPr>
+        <p:spPr bwMode="gray">
+          <a:xfrm>
+            <a:off x="334085" y="2324805"/>
+            <a:ext cx="283418" cy="372824"/>
+          </a:xfrm>
+          <a:custGeom>
+            <a:avLst/>
+            <a:gdLst/>
+            <a:ahLst/>
+            <a:cxnLst/>
+            <a:rect l="l" t="t" r="r" b="b"/>
+            <a:pathLst>
+              <a:path w="4168249" h="5483155">
+                <a:moveTo>
+                  <a:pt x="3102898" y="3997087"/>
+                </a:moveTo>
+                <a:cubicBezTo>
+                  <a:pt x="2863023" y="3997087"/>
+                  <a:pt x="2668124" y="4192005"/>
+                  <a:pt x="2668124" y="4428156"/>
+                </a:cubicBezTo>
+                <a:cubicBezTo>
+                  <a:pt x="2668124" y="4602561"/>
+                  <a:pt x="2770148" y="4749957"/>
+                  <a:pt x="2915428" y="4818697"/>
+                </a:cubicBezTo>
+                <a:lnTo>
+                  <a:pt x="2915436" y="4818677"/>
+                </a:lnTo>
+                <a:cubicBezTo>
+                  <a:pt x="2971741" y="4848681"/>
+                  <a:pt x="3035554" y="4863683"/>
+                  <a:pt x="3103121" y="4863683"/>
+                </a:cubicBezTo>
+                <a:cubicBezTo>
+                  <a:pt x="3339604" y="4863683"/>
+                  <a:pt x="3534796" y="4668659"/>
+                  <a:pt x="3534796" y="4428629"/>
+                </a:cubicBezTo>
+                <a:cubicBezTo>
+                  <a:pt x="3534796" y="4264759"/>
+                  <a:pt x="3442272" y="4121765"/>
+                  <a:pt x="3302202" y="4048009"/>
+                </a:cubicBezTo>
+                <a:cubicBezTo>
+                  <a:pt x="3301983" y="4048528"/>
+                  <a:pt x="3301764" y="4049046"/>
+                  <a:pt x="3301545" y="4049565"/>
+                </a:cubicBezTo>
+                <a:cubicBezTo>
+                  <a:pt x="3241576" y="4015829"/>
+                  <a:pt x="3174111" y="3997087"/>
+                  <a:pt x="3102898" y="3997087"/>
+                </a:cubicBezTo>
+                <a:close/>
+                <a:moveTo>
+                  <a:pt x="848765" y="3812836"/>
+                </a:moveTo>
+                <a:cubicBezTo>
+                  <a:pt x="672513" y="3812836"/>
+                  <a:pt x="533762" y="3955447"/>
+                  <a:pt x="533762" y="4128081"/>
+                </a:cubicBezTo>
+                <a:cubicBezTo>
+                  <a:pt x="533762" y="4249738"/>
+                  <a:pt x="604533" y="4355298"/>
+                  <a:pt x="708619" y="4406535"/>
+                </a:cubicBezTo>
+                <a:cubicBezTo>
+                  <a:pt x="750290" y="4430095"/>
+                  <a:pt x="798656" y="4442677"/>
+                  <a:pt x="850168" y="4442677"/>
+                </a:cubicBezTo>
+                <a:cubicBezTo>
+                  <a:pt x="1022650" y="4442677"/>
+                  <a:pt x="1165136" y="4300165"/>
+                  <a:pt x="1165136" y="4127649"/>
+                </a:cubicBezTo>
+                <a:cubicBezTo>
+                  <a:pt x="1165136" y="3985137"/>
+                  <a:pt x="1067645" y="3865126"/>
+                  <a:pt x="936409" y="3827623"/>
+                </a:cubicBezTo>
+                <a:cubicBezTo>
+                  <a:pt x="908462" y="3818083"/>
+                  <a:pt x="879487" y="3812836"/>
+                  <a:pt x="848765" y="3812836"/>
+                </a:cubicBezTo>
+                <a:close/>
+                <a:moveTo>
+                  <a:pt x="2810082" y="3358626"/>
+                </a:moveTo>
+                <a:cubicBezTo>
+                  <a:pt x="2851544" y="3357747"/>
+                  <a:pt x="2893007" y="3379535"/>
+                  <a:pt x="2915496" y="3416082"/>
+                </a:cubicBezTo>
+                <a:cubicBezTo>
+                  <a:pt x="2915502" y="3416093"/>
+                  <a:pt x="2916265" y="3417502"/>
+                  <a:pt x="3012945" y="3596006"/>
+                </a:cubicBezTo>
+                <a:cubicBezTo>
+                  <a:pt x="3099150" y="3581013"/>
+                  <a:pt x="3174111" y="3592258"/>
+                  <a:pt x="3211592" y="3596006"/>
+                </a:cubicBezTo>
+                <a:cubicBezTo>
+                  <a:pt x="3211598" y="3595995"/>
+                  <a:pt x="3212408" y="3594585"/>
+                  <a:pt x="3312789" y="3419831"/>
+                </a:cubicBezTo>
+                <a:cubicBezTo>
+                  <a:pt x="3342773" y="3371101"/>
+                  <a:pt x="3406490" y="3348611"/>
+                  <a:pt x="3458963" y="3371101"/>
+                </a:cubicBezTo>
+                <a:cubicBezTo>
+                  <a:pt x="3458974" y="3371106"/>
+                  <a:pt x="3459900" y="3371522"/>
+                  <a:pt x="3538123" y="3406590"/>
+                </a:cubicBezTo>
+                <a:cubicBezTo>
+                  <a:pt x="3552281" y="3412575"/>
+                  <a:pt x="3575510" y="3422394"/>
+                  <a:pt x="3613623" y="3438505"/>
+                </a:cubicBezTo>
+                <a:cubicBezTo>
+                  <a:pt x="3666175" y="3461008"/>
+                  <a:pt x="3696205" y="3521016"/>
+                  <a:pt x="3681190" y="3573522"/>
+                </a:cubicBezTo>
+                <a:cubicBezTo>
+                  <a:pt x="3681190" y="3573522"/>
+                  <a:pt x="3681190" y="3573522"/>
+                  <a:pt x="3621131" y="3772297"/>
+                </a:cubicBezTo>
+                <a:cubicBezTo>
+                  <a:pt x="3673682" y="3813552"/>
+                  <a:pt x="3722480" y="3862308"/>
+                  <a:pt x="3763771" y="3914815"/>
+                </a:cubicBezTo>
+                <a:cubicBezTo>
+                  <a:pt x="3763771" y="3914815"/>
+                  <a:pt x="3763771" y="3914815"/>
+                  <a:pt x="3958963" y="3862308"/>
+                </a:cubicBezTo>
+                <a:cubicBezTo>
+                  <a:pt x="4015269" y="3847306"/>
+                  <a:pt x="4075328" y="3877310"/>
+                  <a:pt x="4097850" y="3929817"/>
+                </a:cubicBezTo>
+                <a:cubicBezTo>
+                  <a:pt x="4097850" y="3929817"/>
+                  <a:pt x="4097850" y="3929817"/>
+                  <a:pt x="4161663" y="4083586"/>
+                </a:cubicBezTo>
+                <a:cubicBezTo>
+                  <a:pt x="4180431" y="4136092"/>
+                  <a:pt x="4157909" y="4203601"/>
+                  <a:pt x="4109111" y="4229854"/>
+                </a:cubicBezTo>
+                <a:cubicBezTo>
+                  <a:pt x="4109111" y="4229854"/>
+                  <a:pt x="4109111" y="4229854"/>
+                  <a:pt x="3932687" y="4327366"/>
+                </a:cubicBezTo>
+                <a:cubicBezTo>
+                  <a:pt x="3940195" y="4394875"/>
+                  <a:pt x="3940195" y="4462383"/>
+                  <a:pt x="3932687" y="4529891"/>
+                </a:cubicBezTo>
+                <a:cubicBezTo>
+                  <a:pt x="3932687" y="4529891"/>
+                  <a:pt x="3932687" y="4529891"/>
+                  <a:pt x="4105357" y="4627404"/>
+                </a:cubicBezTo>
+                <a:cubicBezTo>
+                  <a:pt x="4154155" y="4657407"/>
+                  <a:pt x="4176677" y="4721165"/>
+                  <a:pt x="4154155" y="4773672"/>
+                </a:cubicBezTo>
+                <a:cubicBezTo>
+                  <a:pt x="4154155" y="4773672"/>
+                  <a:pt x="4154155" y="4773672"/>
+                  <a:pt x="4090343" y="4927441"/>
+                </a:cubicBezTo>
+                <a:cubicBezTo>
+                  <a:pt x="4067820" y="4979948"/>
+                  <a:pt x="4004008" y="5009951"/>
+                  <a:pt x="3951456" y="4994949"/>
+                </a:cubicBezTo>
+                <a:cubicBezTo>
+                  <a:pt x="3951456" y="4994949"/>
+                  <a:pt x="3951456" y="4994949"/>
+                  <a:pt x="3763771" y="4938692"/>
+                </a:cubicBezTo>
+                <a:cubicBezTo>
+                  <a:pt x="3718727" y="4994949"/>
+                  <a:pt x="3669929" y="5043706"/>
+                  <a:pt x="3613623" y="5088711"/>
+                </a:cubicBezTo>
+                <a:cubicBezTo>
+                  <a:pt x="3613623" y="5088711"/>
+                  <a:pt x="3613623" y="5088711"/>
+                  <a:pt x="3666175" y="5276235"/>
+                </a:cubicBezTo>
+                <a:cubicBezTo>
+                  <a:pt x="3681190" y="5328741"/>
+                  <a:pt x="3651160" y="5388749"/>
+                  <a:pt x="3598608" y="5411251"/>
+                </a:cubicBezTo>
+                <a:cubicBezTo>
+                  <a:pt x="3598608" y="5411251"/>
+                  <a:pt x="3598608" y="5411251"/>
+                  <a:pt x="3440953" y="5475009"/>
+                </a:cubicBezTo>
+                <a:cubicBezTo>
+                  <a:pt x="3388402" y="5497512"/>
+                  <a:pt x="3324589" y="5471259"/>
+                  <a:pt x="3298313" y="5422503"/>
+                </a:cubicBezTo>
+                <a:cubicBezTo>
+                  <a:pt x="3298313" y="5422503"/>
+                  <a:pt x="3298313" y="5422503"/>
+                  <a:pt x="3208224" y="5257482"/>
+                </a:cubicBezTo>
+                <a:cubicBezTo>
+                  <a:pt x="3170687" y="5264983"/>
+                  <a:pt x="3099367" y="5276235"/>
+                  <a:pt x="2990510" y="5261233"/>
+                </a:cubicBezTo>
+                <a:cubicBezTo>
+                  <a:pt x="2990510" y="5261233"/>
+                  <a:pt x="2990510" y="5261233"/>
+                  <a:pt x="2896668" y="5418752"/>
+                </a:cubicBezTo>
+                <a:cubicBezTo>
+                  <a:pt x="2870392" y="5467508"/>
+                  <a:pt x="2802825" y="5490011"/>
+                  <a:pt x="2754027" y="5467508"/>
+                </a:cubicBezTo>
+                <a:cubicBezTo>
+                  <a:pt x="2754027" y="5467508"/>
+                  <a:pt x="2754027" y="5467508"/>
+                  <a:pt x="2709765" y="5450499"/>
+                </a:cubicBezTo>
+                <a:cubicBezTo>
+                  <a:pt x="2709628" y="5450824"/>
+                  <a:pt x="2709490" y="5451149"/>
+                  <a:pt x="2709353" y="5451474"/>
+                </a:cubicBezTo>
+                <a:cubicBezTo>
+                  <a:pt x="2709345" y="5451471"/>
+                  <a:pt x="2708932" y="5451291"/>
+                  <a:pt x="2686273" y="5441472"/>
+                </a:cubicBezTo>
+                <a:lnTo>
+                  <a:pt x="2656431" y="5430004"/>
+                </a:lnTo>
+                <a:cubicBezTo>
+                  <a:pt x="2656431" y="5430004"/>
+                  <a:pt x="2656431" y="5430004"/>
+                  <a:pt x="2656956" y="5428766"/>
+                </a:cubicBezTo>
+                <a:cubicBezTo>
+                  <a:pt x="2641768" y="5422184"/>
+                  <a:pt x="2622179" y="5413694"/>
+                  <a:pt x="2596912" y="5402744"/>
+                </a:cubicBezTo>
+                <a:cubicBezTo>
+                  <a:pt x="2544439" y="5380254"/>
+                  <a:pt x="2514454" y="5316531"/>
+                  <a:pt x="2533195" y="5264053"/>
+                </a:cubicBezTo>
+                <a:cubicBezTo>
+                  <a:pt x="2533197" y="5264043"/>
+                  <a:pt x="2533566" y="5262710"/>
+                  <a:pt x="2581919" y="5087877"/>
+                </a:cubicBezTo>
+                <a:cubicBezTo>
+                  <a:pt x="2525699" y="5042896"/>
+                  <a:pt x="2473226" y="4990419"/>
+                  <a:pt x="2431997" y="4930444"/>
+                </a:cubicBezTo>
+                <a:cubicBezTo>
+                  <a:pt x="2431985" y="4930447"/>
+                  <a:pt x="2430533" y="4930840"/>
+                  <a:pt x="2252091" y="4979173"/>
+                </a:cubicBezTo>
+                <a:cubicBezTo>
+                  <a:pt x="2195870" y="4994167"/>
+                  <a:pt x="2135901" y="4964180"/>
+                  <a:pt x="2113413" y="4911702"/>
+                </a:cubicBezTo>
+                <a:cubicBezTo>
+                  <a:pt x="2113408" y="4911690"/>
+                  <a:pt x="2112864" y="4910344"/>
+                  <a:pt x="2049696" y="4754268"/>
+                </a:cubicBezTo>
+                <a:cubicBezTo>
+                  <a:pt x="2030956" y="4701790"/>
+                  <a:pt x="2053444" y="4638067"/>
+                  <a:pt x="2102169" y="4611828"/>
+                </a:cubicBezTo>
+                <a:cubicBezTo>
+                  <a:pt x="2102180" y="4611822"/>
+                  <a:pt x="2103546" y="4611063"/>
+                  <a:pt x="2270831" y="4518118"/>
+                </a:cubicBezTo>
+                <a:cubicBezTo>
+                  <a:pt x="2263335" y="4446898"/>
+                  <a:pt x="2263335" y="4375678"/>
+                  <a:pt x="2274579" y="4308206"/>
+                </a:cubicBezTo>
+                <a:cubicBezTo>
+                  <a:pt x="2274568" y="4308200"/>
+                  <a:pt x="2273192" y="4307405"/>
+                  <a:pt x="2105917" y="4210747"/>
+                </a:cubicBezTo>
+                <a:cubicBezTo>
+                  <a:pt x="2057192" y="4184508"/>
+                  <a:pt x="2034704" y="4117037"/>
+                  <a:pt x="2057192" y="4068307"/>
+                </a:cubicBezTo>
+                <a:cubicBezTo>
+                  <a:pt x="2057197" y="4068296"/>
+                  <a:pt x="2057759" y="4066984"/>
+                  <a:pt x="2124657" y="3910874"/>
+                </a:cubicBezTo>
+                <a:cubicBezTo>
+                  <a:pt x="2143398" y="3858396"/>
+                  <a:pt x="2207114" y="3832157"/>
+                  <a:pt x="2259587" y="3847151"/>
+                </a:cubicBezTo>
+                <a:cubicBezTo>
+                  <a:pt x="2259600" y="3847154"/>
+                  <a:pt x="2261148" y="3847610"/>
+                  <a:pt x="2450738" y="3903377"/>
+                </a:cubicBezTo>
+                <a:cubicBezTo>
+                  <a:pt x="2495714" y="3847151"/>
+                  <a:pt x="2544439" y="3802169"/>
+                  <a:pt x="2600660" y="3760937"/>
+                </a:cubicBezTo>
+                <a:cubicBezTo>
+                  <a:pt x="2600656" y="3760925"/>
+                  <a:pt x="2600214" y="3759393"/>
+                  <a:pt x="2544439" y="3566019"/>
+                </a:cubicBezTo>
+                <a:cubicBezTo>
+                  <a:pt x="2529447" y="3513541"/>
+                  <a:pt x="2563179" y="3449818"/>
+                  <a:pt x="2611904" y="3431076"/>
+                </a:cubicBezTo>
+                <a:cubicBezTo>
+                  <a:pt x="2611915" y="3431071"/>
+                  <a:pt x="2613225" y="3430541"/>
+                  <a:pt x="2769322" y="3367353"/>
+                </a:cubicBezTo>
+                <a:cubicBezTo>
+                  <a:pt x="2782440" y="3361730"/>
+                  <a:pt x="2796261" y="3358919"/>
+                  <a:pt x="2810082" y="3358626"/>
+                </a:cubicBezTo>
+                <a:close/>
+                <a:moveTo>
+                  <a:pt x="589485" y="3280859"/>
+                </a:moveTo>
+                <a:cubicBezTo>
+                  <a:pt x="630794" y="3281563"/>
+                  <a:pt x="671576" y="3303377"/>
+                  <a:pt x="691263" y="3339968"/>
+                </a:cubicBezTo>
+                <a:cubicBezTo>
+                  <a:pt x="691272" y="3339982"/>
+                  <a:pt x="692021" y="3341285"/>
+                  <a:pt x="762514" y="3463814"/>
+                </a:cubicBezTo>
+                <a:cubicBezTo>
+                  <a:pt x="818765" y="3456308"/>
+                  <a:pt x="860015" y="3452555"/>
+                  <a:pt x="923766" y="3460061"/>
+                </a:cubicBezTo>
+                <a:cubicBezTo>
+                  <a:pt x="923773" y="3460049"/>
+                  <a:pt x="924437" y="3458867"/>
+                  <a:pt x="991267" y="3339968"/>
+                </a:cubicBezTo>
+                <a:cubicBezTo>
+                  <a:pt x="1021267" y="3291180"/>
+                  <a:pt x="1085018" y="3268662"/>
+                  <a:pt x="1137518" y="3291180"/>
+                </a:cubicBezTo>
+                <a:cubicBezTo>
+                  <a:pt x="1137528" y="3291184"/>
+                  <a:pt x="1137986" y="3291356"/>
+                  <a:pt x="1160905" y="3299956"/>
+                </a:cubicBezTo>
+                <a:lnTo>
+                  <a:pt x="1161386" y="3298825"/>
+                </a:lnTo>
+                <a:cubicBezTo>
+                  <a:pt x="1161398" y="3298830"/>
+                  <a:pt x="1162058" y="3299102"/>
+                  <a:pt x="1197263" y="3313601"/>
+                </a:cubicBezTo>
+                <a:cubicBezTo>
+                  <a:pt x="1197349" y="3313633"/>
+                  <a:pt x="1197434" y="3313665"/>
+                  <a:pt x="1197519" y="3313697"/>
+                </a:cubicBezTo>
+                <a:lnTo>
+                  <a:pt x="1197516" y="3313705"/>
+                </a:lnTo>
+                <a:lnTo>
+                  <a:pt x="1225129" y="3325078"/>
+                </a:lnTo>
+                <a:cubicBezTo>
+                  <a:pt x="1277624" y="3347580"/>
+                  <a:pt x="1307621" y="3411335"/>
+                  <a:pt x="1292622" y="3463840"/>
+                </a:cubicBezTo>
+                <a:cubicBezTo>
+                  <a:pt x="1292619" y="3463853"/>
+                  <a:pt x="1292248" y="3465152"/>
+                  <a:pt x="1255126" y="3595102"/>
+                </a:cubicBezTo>
+                <a:cubicBezTo>
+                  <a:pt x="1300122" y="3628855"/>
+                  <a:pt x="1341367" y="3666358"/>
+                  <a:pt x="1375114" y="3711362"/>
+                </a:cubicBezTo>
+                <a:cubicBezTo>
+                  <a:pt x="1375125" y="3711359"/>
+                  <a:pt x="1376312" y="3711045"/>
+                  <a:pt x="1502601" y="3677609"/>
+                </a:cubicBezTo>
+                <a:cubicBezTo>
+                  <a:pt x="1555096" y="3662608"/>
+                  <a:pt x="1618839" y="3692610"/>
+                  <a:pt x="1637587" y="3741365"/>
+                </a:cubicBezTo>
+                <a:cubicBezTo>
+                  <a:pt x="1637593" y="3741380"/>
+                  <a:pt x="1638064" y="3742510"/>
+                  <a:pt x="1675083" y="3831373"/>
+                </a:cubicBezTo>
+                <a:cubicBezTo>
+                  <a:pt x="1697581" y="3883878"/>
+                  <a:pt x="1675083" y="3947633"/>
+                  <a:pt x="1626338" y="3973886"/>
+                </a:cubicBezTo>
+                <a:cubicBezTo>
+                  <a:pt x="1626318" y="3973897"/>
+                  <a:pt x="1624802" y="3974728"/>
+                  <a:pt x="1510100" y="4037641"/>
+                </a:cubicBezTo>
+                <a:cubicBezTo>
+                  <a:pt x="1517599" y="4093896"/>
+                  <a:pt x="1517599" y="4153902"/>
+                  <a:pt x="1510100" y="4210157"/>
+                </a:cubicBezTo>
+                <a:cubicBezTo>
+                  <a:pt x="1510118" y="4210167"/>
+                  <a:pt x="1511507" y="4210954"/>
+                  <a:pt x="1622589" y="4273912"/>
+                </a:cubicBezTo>
+                <a:cubicBezTo>
+                  <a:pt x="1675083" y="4300165"/>
+                  <a:pt x="1693831" y="4363920"/>
+                  <a:pt x="1675083" y="4416425"/>
+                </a:cubicBezTo>
+                <a:cubicBezTo>
+                  <a:pt x="1675077" y="4416440"/>
+                  <a:pt x="1674594" y="4417551"/>
+                  <a:pt x="1637587" y="4502683"/>
+                </a:cubicBezTo>
+                <a:cubicBezTo>
+                  <a:pt x="1615089" y="4555188"/>
+                  <a:pt x="1555096" y="4585190"/>
+                  <a:pt x="1498851" y="4570189"/>
+                </a:cubicBezTo>
+                <a:cubicBezTo>
+                  <a:pt x="1498832" y="4570184"/>
+                  <a:pt x="1497303" y="4569767"/>
+                  <a:pt x="1375114" y="4536436"/>
+                </a:cubicBezTo>
+                <a:cubicBezTo>
+                  <a:pt x="1341367" y="4581440"/>
+                  <a:pt x="1300122" y="4622694"/>
+                  <a:pt x="1255126" y="4656447"/>
+                </a:cubicBezTo>
+                <a:cubicBezTo>
+                  <a:pt x="1255132" y="4656466"/>
+                  <a:pt x="1255549" y="4657996"/>
+                  <a:pt x="1288873" y="4780208"/>
+                </a:cubicBezTo>
+                <a:cubicBezTo>
+                  <a:pt x="1303871" y="4836463"/>
+                  <a:pt x="1273874" y="4896468"/>
+                  <a:pt x="1221380" y="4918970"/>
+                </a:cubicBezTo>
+                <a:cubicBezTo>
+                  <a:pt x="1221366" y="4918976"/>
+                  <a:pt x="1220292" y="4919443"/>
+                  <a:pt x="1135139" y="4956473"/>
+                </a:cubicBezTo>
+                <a:cubicBezTo>
+                  <a:pt x="1082644" y="4975225"/>
+                  <a:pt x="1018900" y="4952723"/>
+                  <a:pt x="988904" y="4903969"/>
+                </a:cubicBezTo>
+                <a:cubicBezTo>
+                  <a:pt x="988894" y="4903951"/>
+                  <a:pt x="988117" y="4902533"/>
+                  <a:pt x="925160" y="4787708"/>
+                </a:cubicBezTo>
+                <a:cubicBezTo>
+                  <a:pt x="898913" y="4791459"/>
+                  <a:pt x="835169" y="4806460"/>
+                  <a:pt x="756427" y="4791459"/>
+                </a:cubicBezTo>
+                <a:cubicBezTo>
+                  <a:pt x="756417" y="4791476"/>
+                  <a:pt x="755631" y="4792863"/>
+                  <a:pt x="692684" y="4903969"/>
+                </a:cubicBezTo>
+                <a:cubicBezTo>
+                  <a:pt x="662687" y="4952723"/>
+                  <a:pt x="598943" y="4975225"/>
+                  <a:pt x="546449" y="4952723"/>
+                </a:cubicBezTo>
+                <a:cubicBezTo>
+                  <a:pt x="546436" y="4952718"/>
+                  <a:pt x="545789" y="4952446"/>
+                  <a:pt x="511554" y="4938028"/>
+                </a:cubicBezTo>
+                <a:cubicBezTo>
+                  <a:pt x="511457" y="4938256"/>
+                  <a:pt x="511359" y="4938484"/>
+                  <a:pt x="511262" y="4938712"/>
+                </a:cubicBezTo>
+                <a:cubicBezTo>
+                  <a:pt x="511243" y="4938705"/>
+                  <a:pt x="510263" y="4938355"/>
+                  <a:pt x="458761" y="4919948"/>
+                </a:cubicBezTo>
+                <a:cubicBezTo>
+                  <a:pt x="406260" y="4897430"/>
+                  <a:pt x="376260" y="4833630"/>
+                  <a:pt x="391260" y="4781090"/>
+                </a:cubicBezTo>
+                <a:cubicBezTo>
+                  <a:pt x="391267" y="4781065"/>
+                  <a:pt x="391776" y="4779286"/>
+                  <a:pt x="428761" y="4649737"/>
+                </a:cubicBezTo>
+                <a:cubicBezTo>
+                  <a:pt x="387510" y="4615961"/>
+                  <a:pt x="350010" y="4574679"/>
+                  <a:pt x="316259" y="4529644"/>
+                </a:cubicBezTo>
+                <a:cubicBezTo>
+                  <a:pt x="316245" y="4529648"/>
+                  <a:pt x="314876" y="4530029"/>
+                  <a:pt x="181258" y="4567173"/>
+                </a:cubicBezTo>
+                <a:cubicBezTo>
+                  <a:pt x="128757" y="4582185"/>
+                  <a:pt x="65007" y="4552161"/>
+                  <a:pt x="42507" y="4499620"/>
+                </a:cubicBezTo>
+                <a:cubicBezTo>
+                  <a:pt x="42500" y="4499603"/>
+                  <a:pt x="42036" y="4498418"/>
+                  <a:pt x="8756" y="4413303"/>
+                </a:cubicBezTo>
+                <a:cubicBezTo>
+                  <a:pt x="-13744" y="4364515"/>
+                  <a:pt x="8756" y="4296963"/>
+                  <a:pt x="57507" y="4270692"/>
+                </a:cubicBezTo>
+                <a:cubicBezTo>
+                  <a:pt x="57518" y="4270686"/>
+                  <a:pt x="58710" y="4270019"/>
+                  <a:pt x="185008" y="4199387"/>
+                </a:cubicBezTo>
+                <a:cubicBezTo>
+                  <a:pt x="177508" y="4146846"/>
+                  <a:pt x="177508" y="4094305"/>
+                  <a:pt x="185008" y="4041764"/>
+                </a:cubicBezTo>
+                <a:cubicBezTo>
+                  <a:pt x="184995" y="4041757"/>
+                  <a:pt x="183731" y="4041050"/>
+                  <a:pt x="57507" y="3970459"/>
+                </a:cubicBezTo>
+                <a:cubicBezTo>
+                  <a:pt x="8756" y="3944188"/>
+                  <a:pt x="-13744" y="3876635"/>
+                  <a:pt x="8756" y="3827848"/>
+                </a:cubicBezTo>
+                <a:cubicBezTo>
+                  <a:pt x="8763" y="3827832"/>
+                  <a:pt x="9255" y="3826651"/>
+                  <a:pt x="46257" y="3737777"/>
+                </a:cubicBezTo>
+                <a:cubicBezTo>
+                  <a:pt x="68757" y="3688989"/>
+                  <a:pt x="128757" y="3658966"/>
+                  <a:pt x="181258" y="3673978"/>
+                </a:cubicBezTo>
+                <a:cubicBezTo>
+                  <a:pt x="181273" y="3673982"/>
+                  <a:pt x="182700" y="3674357"/>
+                  <a:pt x="323760" y="3711507"/>
+                </a:cubicBezTo>
+                <a:cubicBezTo>
+                  <a:pt x="353760" y="3670225"/>
+                  <a:pt x="391260" y="3636449"/>
+                  <a:pt x="432511" y="3602672"/>
+                </a:cubicBezTo>
+                <a:cubicBezTo>
+                  <a:pt x="432507" y="3602658"/>
+                  <a:pt x="432135" y="3601281"/>
+                  <a:pt x="395010" y="3463814"/>
+                </a:cubicBezTo>
+                <a:cubicBezTo>
+                  <a:pt x="380010" y="3407520"/>
+                  <a:pt x="410011" y="3347474"/>
+                  <a:pt x="462511" y="3324956"/>
+                </a:cubicBezTo>
+                <a:cubicBezTo>
+                  <a:pt x="462526" y="3324950"/>
+                  <a:pt x="463660" y="3324456"/>
+                  <a:pt x="548762" y="3287427"/>
+                </a:cubicBezTo>
+                <a:cubicBezTo>
+                  <a:pt x="561887" y="3282736"/>
+                  <a:pt x="575715" y="3280625"/>
+                  <a:pt x="589485" y="3280859"/>
+                </a:cubicBezTo>
+                <a:close/>
+                <a:moveTo>
+                  <a:pt x="1992734" y="1027055"/>
+                </a:moveTo>
+                <a:cubicBezTo>
+                  <a:pt x="1617692" y="1027055"/>
+                  <a:pt x="1310158" y="1334422"/>
+                  <a:pt x="1310158" y="1709260"/>
+                </a:cubicBezTo>
+                <a:cubicBezTo>
+                  <a:pt x="1310158" y="1874644"/>
+                  <a:pt x="1371911" y="2026000"/>
+                  <a:pt x="1473523" y="2141903"/>
+                </a:cubicBezTo>
+                <a:cubicBezTo>
+                  <a:pt x="1596434" y="2290714"/>
+                  <a:pt x="1783887" y="2387470"/>
+                  <a:pt x="1992840" y="2387470"/>
+                </a:cubicBezTo>
+                <a:cubicBezTo>
+                  <a:pt x="2367847" y="2387470"/>
+                  <a:pt x="2671602" y="2083715"/>
+                  <a:pt x="2671602" y="1708709"/>
+                </a:cubicBezTo>
+                <a:cubicBezTo>
+                  <a:pt x="2671602" y="1504247"/>
+                  <a:pt x="2578962" y="1320373"/>
+                  <a:pt x="2434841" y="1198203"/>
+                </a:cubicBezTo>
+                <a:cubicBezTo>
+                  <a:pt x="2317618" y="1092071"/>
+                  <a:pt x="2162568" y="1027055"/>
+                  <a:pt x="1992734" y="1027055"/>
+                </a:cubicBezTo>
+                <a:close/>
+                <a:moveTo>
+                  <a:pt x="1797713" y="0"/>
+                </a:moveTo>
+                <a:cubicBezTo>
+                  <a:pt x="1797732" y="0"/>
+                  <a:pt x="1800384" y="0"/>
+                  <a:pt x="2169004" y="0"/>
+                </a:cubicBezTo>
+                <a:cubicBezTo>
+                  <a:pt x="2225260" y="0"/>
+                  <a:pt x="2274016" y="44980"/>
+                  <a:pt x="2281516" y="101206"/>
+                </a:cubicBezTo>
+                <a:cubicBezTo>
+                  <a:pt x="2281519" y="101227"/>
+                  <a:pt x="2281861" y="103959"/>
+                  <a:pt x="2326521" y="461050"/>
+                </a:cubicBezTo>
+                <a:cubicBezTo>
+                  <a:pt x="2427783" y="491037"/>
+                  <a:pt x="2525294" y="528521"/>
+                  <a:pt x="2619054" y="580999"/>
+                </a:cubicBezTo>
+                <a:cubicBezTo>
+                  <a:pt x="2619073" y="580983"/>
+                  <a:pt x="2621376" y="579142"/>
+                  <a:pt x="2900335" y="356096"/>
+                </a:cubicBezTo>
+                <a:cubicBezTo>
+                  <a:pt x="2945340" y="322360"/>
+                  <a:pt x="3012848" y="326109"/>
+                  <a:pt x="3054102" y="367341"/>
+                </a:cubicBezTo>
+                <a:cubicBezTo>
+                  <a:pt x="3054113" y="367352"/>
+                  <a:pt x="3055064" y="368302"/>
+                  <a:pt x="3139804" y="452996"/>
+                </a:cubicBezTo>
+                <a:lnTo>
+                  <a:pt x="3140360" y="452437"/>
+                </a:lnTo>
+                <a:cubicBezTo>
+                  <a:pt x="3140375" y="452452"/>
+                  <a:pt x="3141960" y="454037"/>
+                  <a:pt x="3312863" y="624940"/>
+                </a:cubicBezTo>
+                <a:cubicBezTo>
+                  <a:pt x="3354114" y="666191"/>
+                  <a:pt x="3357864" y="733692"/>
+                  <a:pt x="3324113" y="778693"/>
+                </a:cubicBezTo>
+                <a:cubicBezTo>
+                  <a:pt x="3324099" y="778711"/>
+                  <a:pt x="3322352" y="780939"/>
+                  <a:pt x="3106609" y="1056197"/>
+                </a:cubicBezTo>
+                <a:cubicBezTo>
+                  <a:pt x="3159110" y="1149949"/>
+                  <a:pt x="3204111" y="1251201"/>
+                  <a:pt x="3234111" y="1356203"/>
+                </a:cubicBezTo>
+                <a:cubicBezTo>
+                  <a:pt x="3234131" y="1356205"/>
+                  <a:pt x="3236734" y="1356517"/>
+                  <a:pt x="3579117" y="1397453"/>
+                </a:cubicBezTo>
+                <a:cubicBezTo>
+                  <a:pt x="3635368" y="1404953"/>
+                  <a:pt x="3680369" y="1453704"/>
+                  <a:pt x="3680369" y="1509955"/>
+                </a:cubicBezTo>
+                <a:cubicBezTo>
+                  <a:pt x="3680369" y="1509978"/>
+                  <a:pt x="3680369" y="1512840"/>
+                  <a:pt x="3680369" y="1881211"/>
+                </a:cubicBezTo>
+                <a:cubicBezTo>
+                  <a:pt x="3680369" y="1937462"/>
+                  <a:pt x="3635368" y="1989963"/>
+                  <a:pt x="3579117" y="1993713"/>
+                </a:cubicBezTo>
+                <a:cubicBezTo>
+                  <a:pt x="3579099" y="1993716"/>
+                  <a:pt x="3576623" y="1994018"/>
+                  <a:pt x="3241612" y="2034964"/>
+                </a:cubicBezTo>
+                <a:cubicBezTo>
+                  <a:pt x="3211611" y="2147466"/>
+                  <a:pt x="3170360" y="2252468"/>
+                  <a:pt x="3114109" y="2346219"/>
+                </a:cubicBezTo>
+                <a:cubicBezTo>
+                  <a:pt x="3114124" y="2346238"/>
+                  <a:pt x="3115883" y="2348468"/>
+                  <a:pt x="3324113" y="2612474"/>
+                </a:cubicBezTo>
+                <a:cubicBezTo>
+                  <a:pt x="3357864" y="2657475"/>
+                  <a:pt x="3354114" y="2724976"/>
+                  <a:pt x="3316613" y="2766226"/>
+                </a:cubicBezTo>
+                <a:cubicBezTo>
+                  <a:pt x="3316598" y="2766241"/>
+                  <a:pt x="3314633" y="2768206"/>
+                  <a:pt x="3054108" y="3028731"/>
+                </a:cubicBezTo>
+                <a:cubicBezTo>
+                  <a:pt x="3012858" y="3066232"/>
+                  <a:pt x="2945357" y="3069982"/>
+                  <a:pt x="2900356" y="3036231"/>
+                </a:cubicBezTo>
+                <a:cubicBezTo>
+                  <a:pt x="2900341" y="3036219"/>
+                  <a:pt x="2898346" y="3034647"/>
+                  <a:pt x="2634101" y="2826227"/>
+                </a:cubicBezTo>
+                <a:cubicBezTo>
+                  <a:pt x="2536600" y="2882478"/>
+                  <a:pt x="2431598" y="2927479"/>
+                  <a:pt x="2322846" y="2957480"/>
+                </a:cubicBezTo>
+                <a:cubicBezTo>
+                  <a:pt x="2322843" y="2957502"/>
+                  <a:pt x="2322504" y="2960246"/>
+                  <a:pt x="2281595" y="3291235"/>
+                </a:cubicBezTo>
+                <a:cubicBezTo>
+                  <a:pt x="2274095" y="3347486"/>
+                  <a:pt x="2225344" y="3392487"/>
+                  <a:pt x="2169093" y="3392487"/>
+                </a:cubicBezTo>
+                <a:cubicBezTo>
+                  <a:pt x="2169073" y="3392487"/>
+                  <a:pt x="2166338" y="3392487"/>
+                  <a:pt x="1797837" y="3392487"/>
+                </a:cubicBezTo>
+                <a:cubicBezTo>
+                  <a:pt x="1741586" y="3392487"/>
+                  <a:pt x="1692835" y="3347486"/>
+                  <a:pt x="1685335" y="3291235"/>
+                </a:cubicBezTo>
+                <a:cubicBezTo>
+                  <a:pt x="1685333" y="3291215"/>
+                  <a:pt x="1685010" y="3288546"/>
+                  <a:pt x="1644084" y="2949980"/>
+                </a:cubicBezTo>
+                <a:cubicBezTo>
+                  <a:pt x="1535333" y="2919979"/>
+                  <a:pt x="1434081" y="2878728"/>
+                  <a:pt x="1340329" y="2822477"/>
+                </a:cubicBezTo>
+                <a:cubicBezTo>
+                  <a:pt x="1340312" y="2822490"/>
+                  <a:pt x="1338155" y="2824175"/>
+                  <a:pt x="1066575" y="3036231"/>
+                </a:cubicBezTo>
+                <a:cubicBezTo>
+                  <a:pt x="1021574" y="3069982"/>
+                  <a:pt x="954073" y="3066232"/>
+                  <a:pt x="912822" y="3028731"/>
+                </a:cubicBezTo>
+                <a:cubicBezTo>
+                  <a:pt x="912803" y="3028712"/>
+                  <a:pt x="911010" y="3026919"/>
+                  <a:pt x="740319" y="2856228"/>
+                </a:cubicBezTo>
+                <a:cubicBezTo>
+                  <a:pt x="719433" y="2833922"/>
+                  <a:pt x="689918" y="2805143"/>
+                  <a:pt x="650084" y="2766302"/>
+                </a:cubicBezTo>
+                <a:cubicBezTo>
+                  <a:pt x="612580" y="2725070"/>
+                  <a:pt x="608830" y="2657599"/>
+                  <a:pt x="642584" y="2612619"/>
+                </a:cubicBezTo>
+                <a:cubicBezTo>
+                  <a:pt x="642599" y="2612600"/>
+                  <a:pt x="644403" y="2610338"/>
+                  <a:pt x="863858" y="2335239"/>
+                </a:cubicBezTo>
+                <a:cubicBezTo>
+                  <a:pt x="811353" y="2241529"/>
+                  <a:pt x="770098" y="2144072"/>
+                  <a:pt x="743845" y="2039117"/>
+                </a:cubicBezTo>
+                <a:cubicBezTo>
+                  <a:pt x="743823" y="2039114"/>
+                  <a:pt x="741037" y="2038763"/>
+                  <a:pt x="387555" y="1994137"/>
+                </a:cubicBezTo>
+                <a:cubicBezTo>
+                  <a:pt x="331299" y="1990388"/>
+                  <a:pt x="286294" y="1937911"/>
+                  <a:pt x="286294" y="1881685"/>
+                </a:cubicBezTo>
+                <a:cubicBezTo>
+                  <a:pt x="286294" y="1881662"/>
+                  <a:pt x="286294" y="1878786"/>
+                  <a:pt x="286294" y="1510596"/>
+                </a:cubicBezTo>
+                <a:cubicBezTo>
+                  <a:pt x="286294" y="1454370"/>
+                  <a:pt x="331299" y="1405641"/>
+                  <a:pt x="387555" y="1398145"/>
+                </a:cubicBezTo>
+                <a:cubicBezTo>
+                  <a:pt x="387573" y="1398143"/>
+                  <a:pt x="390123" y="1397827"/>
+                  <a:pt x="751346" y="1353164"/>
+                </a:cubicBezTo>
+                <a:cubicBezTo>
+                  <a:pt x="777599" y="1251958"/>
+                  <a:pt x="818853" y="1158249"/>
+                  <a:pt x="871359" y="1068288"/>
+                </a:cubicBezTo>
+                <a:cubicBezTo>
+                  <a:pt x="871344" y="1068268"/>
+                  <a:pt x="869486" y="1065924"/>
+                  <a:pt x="642584" y="779663"/>
+                </a:cubicBezTo>
+                <a:cubicBezTo>
+                  <a:pt x="608830" y="734682"/>
+                  <a:pt x="612580" y="667211"/>
+                  <a:pt x="650084" y="625979"/>
+                </a:cubicBezTo>
+                <a:cubicBezTo>
+                  <a:pt x="650103" y="625961"/>
+                  <a:pt x="652294" y="623803"/>
+                  <a:pt x="912614" y="367341"/>
+                </a:cubicBezTo>
+                <a:cubicBezTo>
+                  <a:pt x="953868" y="326109"/>
+                  <a:pt x="1021376" y="322360"/>
+                  <a:pt x="1066381" y="356096"/>
+                </a:cubicBezTo>
+                <a:cubicBezTo>
+                  <a:pt x="1066400" y="356110"/>
+                  <a:pt x="1068702" y="357934"/>
+                  <a:pt x="1355163" y="584747"/>
+                </a:cubicBezTo>
+                <a:cubicBezTo>
+                  <a:pt x="1445173" y="536018"/>
+                  <a:pt x="1538934" y="494786"/>
+                  <a:pt x="1640195" y="468547"/>
+                </a:cubicBezTo>
+                <a:cubicBezTo>
+                  <a:pt x="1640197" y="468527"/>
+                  <a:pt x="1640532" y="465798"/>
+                  <a:pt x="1685200" y="101206"/>
+                </a:cubicBezTo>
+                <a:cubicBezTo>
+                  <a:pt x="1692701" y="44980"/>
+                  <a:pt x="1741456" y="0"/>
+                  <a:pt x="1797713" y="0"/>
+                </a:cubicBezTo>
+                <a:close/>
+              </a:path>
+            </a:pathLst>
+          </a:custGeom>
+          <a:solidFill>
+            <a:schemeClr val="accent6"/>
+          </a:solidFill>
+          <a:ln>
+            <a:noFill/>
+          </a:ln>
+          <a:extLst/>
+        </p:spPr>
+        <p:txBody>
+          <a:bodyPr vert="horz" wrap="square" lIns="91440" tIns="45720" rIns="91440" bIns="45720" numCol="1" anchor="t" anchorCtr="0" compatLnSpc="1">
+            <a:prstTxWarp prst="textNoShape">
+              <a:avLst/>
+            </a:prstTxWarp>
+          </a:bodyPr>
+          <a:lstStyle/>
+          <a:p>
+            <a:endParaRPr lang="ja-JP" altLang="en-US"/>
+          </a:p>
+        </p:txBody>
+      </p:sp>
+      <p:sp>
+        <p:nvSpPr>
+          <p:cNvPr id="129" name="フリーフォーム 128"/>
+          <p:cNvSpPr>
+            <a:spLocks noChangeAspect="1"/>
+          </p:cNvSpPr>
+          <p:nvPr/>
+        </p:nvSpPr>
+        <p:spPr bwMode="gray">
+          <a:xfrm>
+            <a:off x="338230" y="4524773"/>
+            <a:ext cx="346503" cy="389090"/>
+          </a:xfrm>
+          <a:custGeom>
+            <a:avLst/>
+            <a:gdLst>
+              <a:gd name="connsiteX0" fmla="*/ 243036 w 823913"/>
+              <a:gd name="connsiteY0" fmla="*/ 469900 h 917575"/>
+              <a:gd name="connsiteX1" fmla="*/ 350633 w 823913"/>
+              <a:gd name="connsiteY1" fmla="*/ 807725 h 917575"/>
+              <a:gd name="connsiteX2" fmla="*/ 385998 w 823913"/>
+              <a:gd name="connsiteY2" fmla="*/ 493977 h 917575"/>
+              <a:gd name="connsiteX3" fmla="*/ 437915 w 823913"/>
+              <a:gd name="connsiteY3" fmla="*/ 493977 h 917575"/>
+              <a:gd name="connsiteX4" fmla="*/ 473280 w 823913"/>
+              <a:gd name="connsiteY4" fmla="*/ 807725 h 917575"/>
+              <a:gd name="connsiteX5" fmla="*/ 580878 w 823913"/>
+              <a:gd name="connsiteY5" fmla="*/ 469900 h 917575"/>
+              <a:gd name="connsiteX6" fmla="*/ 789301 w 823913"/>
+              <a:gd name="connsiteY6" fmla="*/ 527834 h 917575"/>
+              <a:gd name="connsiteX7" fmla="*/ 823913 w 823913"/>
+              <a:gd name="connsiteY7" fmla="*/ 585769 h 917575"/>
+              <a:gd name="connsiteX8" fmla="*/ 823913 w 823913"/>
+              <a:gd name="connsiteY8" fmla="*/ 897260 h 917575"/>
+              <a:gd name="connsiteX9" fmla="*/ 803597 w 823913"/>
+              <a:gd name="connsiteY9" fmla="*/ 917575 h 917575"/>
+              <a:gd name="connsiteX10" fmla="*/ 20316 w 823913"/>
+              <a:gd name="connsiteY10" fmla="*/ 917575 h 917575"/>
+              <a:gd name="connsiteX11" fmla="*/ 0 w 823913"/>
+              <a:gd name="connsiteY11" fmla="*/ 897260 h 917575"/>
+              <a:gd name="connsiteX12" fmla="*/ 0 w 823913"/>
+              <a:gd name="connsiteY12" fmla="*/ 585769 h 917575"/>
+              <a:gd name="connsiteX13" fmla="*/ 34612 w 823913"/>
+              <a:gd name="connsiteY13" fmla="*/ 527834 h 917575"/>
+              <a:gd name="connsiteX14" fmla="*/ 243036 w 823913"/>
+              <a:gd name="connsiteY14" fmla="*/ 469900 h 917575"/>
+              <a:gd name="connsiteX15" fmla="*/ 408782 w 823913"/>
+              <a:gd name="connsiteY15" fmla="*/ 0 h 917575"/>
+              <a:gd name="connsiteX16" fmla="*/ 579439 w 823913"/>
+              <a:gd name="connsiteY16" fmla="*/ 220663 h 917575"/>
+              <a:gd name="connsiteX17" fmla="*/ 408782 w 823913"/>
+              <a:gd name="connsiteY17" fmla="*/ 441326 h 917575"/>
+              <a:gd name="connsiteX18" fmla="*/ 238125 w 823913"/>
+              <a:gd name="connsiteY18" fmla="*/ 220663 h 917575"/>
+              <a:gd name="connsiteX19" fmla="*/ 408782 w 823913"/>
+              <a:gd name="connsiteY19" fmla="*/ 0 h 917575"/>
+            </a:gdLst>
+            <a:ahLst/>
+            <a:cxnLst>
+              <a:cxn ang="0">
+                <a:pos x="connsiteX0" y="connsiteY0"/>
+              </a:cxn>
+              <a:cxn ang="0">
+                <a:pos x="connsiteX1" y="connsiteY1"/>
+              </a:cxn>
+              <a:cxn ang="0">
+                <a:pos x="connsiteX2" y="connsiteY2"/>
+              </a:cxn>
+              <a:cxn ang="0">
+                <a:pos x="connsiteX3" y="connsiteY3"/>
+              </a:cxn>
+              <a:cxn ang="0">
+                <a:pos x="connsiteX4" y="connsiteY4"/>
+              </a:cxn>
+              <a:cxn ang="0">
+                <a:pos x="connsiteX5" y="connsiteY5"/>
+              </a:cxn>
+              <a:cxn ang="0">
+                <a:pos x="connsiteX6" y="connsiteY6"/>
+              </a:cxn>
+              <a:cxn ang="0">
+                <a:pos x="connsiteX7" y="connsiteY7"/>
+              </a:cxn>
+              <a:cxn ang="0">
+                <a:pos x="connsiteX8" y="connsiteY8"/>
+              </a:cxn>
+              <a:cxn ang="0">
+                <a:pos x="connsiteX9" y="connsiteY9"/>
+              </a:cxn>
+              <a:cxn ang="0">
+                <a:pos x="connsiteX10" y="connsiteY10"/>
+              </a:cxn>
+              <a:cxn ang="0">
+                <a:pos x="connsiteX11" y="connsiteY11"/>
+              </a:cxn>
+              <a:cxn ang="0">
+                <a:pos x="connsiteX12" y="connsiteY12"/>
+              </a:cxn>
+              <a:cxn ang="0">
+                <a:pos x="connsiteX13" y="connsiteY13"/>
+              </a:cxn>
+              <a:cxn ang="0">
+                <a:pos x="connsiteX14" y="connsiteY14"/>
+              </a:cxn>
+              <a:cxn ang="0">
+                <a:pos x="connsiteX15" y="connsiteY15"/>
+              </a:cxn>
+              <a:cxn ang="0">
+                <a:pos x="connsiteX16" y="connsiteY16"/>
+              </a:cxn>
+              <a:cxn ang="0">
+                <a:pos x="connsiteX17" y="connsiteY17"/>
+              </a:cxn>
+              <a:cxn ang="0">
+                <a:pos x="connsiteX18" y="connsiteY18"/>
+              </a:cxn>
+              <a:cxn ang="0">
+                <a:pos x="connsiteX19" y="connsiteY19"/>
+              </a:cxn>
+            </a:cxnLst>
+            <a:rect l="l" t="t" r="r" b="b"/>
+            <a:pathLst>
+              <a:path w="823913" h="917575">
+                <a:moveTo>
+                  <a:pt x="243036" y="469900"/>
+                </a:moveTo>
+                <a:cubicBezTo>
+                  <a:pt x="243036" y="469900"/>
+                  <a:pt x="243036" y="469900"/>
+                  <a:pt x="350633" y="807725"/>
+                </a:cubicBezTo>
+                <a:cubicBezTo>
+                  <a:pt x="350633" y="807725"/>
+                  <a:pt x="350633" y="807725"/>
+                  <a:pt x="385998" y="493977"/>
+                </a:cubicBezTo>
+                <a:cubicBezTo>
+                  <a:pt x="385998" y="493977"/>
+                  <a:pt x="385998" y="493977"/>
+                  <a:pt x="437915" y="493977"/>
+                </a:cubicBezTo>
+                <a:cubicBezTo>
+                  <a:pt x="437915" y="493977"/>
+                  <a:pt x="437915" y="493977"/>
+                  <a:pt x="473280" y="807725"/>
+                </a:cubicBezTo>
+                <a:cubicBezTo>
+                  <a:pt x="473280" y="807725"/>
+                  <a:pt x="473280" y="807725"/>
+                  <a:pt x="580878" y="469900"/>
+                </a:cubicBezTo>
+                <a:cubicBezTo>
+                  <a:pt x="580878" y="469900"/>
+                  <a:pt x="775005" y="523320"/>
+                  <a:pt x="789301" y="527834"/>
+                </a:cubicBezTo>
+                <a:cubicBezTo>
+                  <a:pt x="823161" y="536863"/>
+                  <a:pt x="823913" y="553416"/>
+                  <a:pt x="823913" y="585769"/>
+                </a:cubicBezTo>
+                <a:cubicBezTo>
+                  <a:pt x="823913" y="585769"/>
+                  <a:pt x="823913" y="585769"/>
+                  <a:pt x="823913" y="897260"/>
+                </a:cubicBezTo>
+                <a:cubicBezTo>
+                  <a:pt x="823913" y="908546"/>
+                  <a:pt x="814884" y="917575"/>
+                  <a:pt x="803597" y="917575"/>
+                </a:cubicBezTo>
+                <a:cubicBezTo>
+                  <a:pt x="803597" y="917575"/>
+                  <a:pt x="803597" y="917575"/>
+                  <a:pt x="20316" y="917575"/>
+                </a:cubicBezTo>
+                <a:cubicBezTo>
+                  <a:pt x="9029" y="917575"/>
+                  <a:pt x="0" y="908546"/>
+                  <a:pt x="0" y="897260"/>
+                </a:cubicBezTo>
+                <a:cubicBezTo>
+                  <a:pt x="0" y="897260"/>
+                  <a:pt x="0" y="897260"/>
+                  <a:pt x="0" y="585769"/>
+                </a:cubicBezTo>
+                <a:cubicBezTo>
+                  <a:pt x="0" y="553416"/>
+                  <a:pt x="752" y="536863"/>
+                  <a:pt x="34612" y="527834"/>
+                </a:cubicBezTo>
+                <a:cubicBezTo>
+                  <a:pt x="48908" y="523320"/>
+                  <a:pt x="243036" y="469900"/>
+                  <a:pt x="243036" y="469900"/>
+                </a:cubicBezTo>
+                <a:close/>
+                <a:moveTo>
+                  <a:pt x="408782" y="0"/>
+                </a:moveTo>
+                <a:cubicBezTo>
+                  <a:pt x="503033" y="0"/>
+                  <a:pt x="579439" y="98794"/>
+                  <a:pt x="579439" y="220663"/>
+                </a:cubicBezTo>
+                <a:cubicBezTo>
+                  <a:pt x="579439" y="342532"/>
+                  <a:pt x="503033" y="441326"/>
+                  <a:pt x="408782" y="441326"/>
+                </a:cubicBezTo>
+                <a:cubicBezTo>
+                  <a:pt x="314531" y="441326"/>
+                  <a:pt x="238125" y="342532"/>
+                  <a:pt x="238125" y="220663"/>
+                </a:cubicBezTo>
+                <a:cubicBezTo>
+                  <a:pt x="238125" y="98794"/>
+                  <a:pt x="314531" y="0"/>
+                  <a:pt x="408782" y="0"/>
+                </a:cubicBezTo>
+                <a:close/>
+              </a:path>
+            </a:pathLst>
+          </a:custGeom>
+          <a:solidFill>
+            <a:srgbClr val="002060"/>
+          </a:solidFill>
+          <a:ln>
+            <a:noFill/>
+          </a:ln>
+          <a:extLst/>
+        </p:spPr>
+        <p:txBody>
+          <a:bodyPr vert="horz" wrap="square" lIns="91440" tIns="45720" rIns="91440" bIns="45720" numCol="1" anchor="t" anchorCtr="0" compatLnSpc="1">
+            <a:prstTxWarp prst="textNoShape">
+              <a:avLst/>
+            </a:prstTxWarp>
+            <a:noAutofit/>
+          </a:bodyPr>
+          <a:lstStyle/>
+          <a:p>
+            <a:endParaRPr lang="ja-JP" altLang="en-US">
+              <a:solidFill>
+                <a:schemeClr val="accent6"/>
+              </a:solidFill>
+            </a:endParaRPr>
+          </a:p>
+        </p:txBody>
+      </p:sp>
+      <p:cxnSp>
+        <p:nvCxnSpPr>
+          <p:cNvPr id="139" name="直線コネクタ 138"/>
+          <p:cNvCxnSpPr/>
+          <p:nvPr/>
+        </p:nvCxnSpPr>
+        <p:spPr bwMode="auto">
+          <a:xfrm flipH="1">
+            <a:off x="179512" y="4450890"/>
+            <a:ext cx="8784001" cy="27500"/>
+          </a:xfrm>
+          <a:prstGeom prst="line">
+            <a:avLst/>
+          </a:prstGeom>
+          <a:solidFill>
+            <a:schemeClr val="bg1"/>
+          </a:solidFill>
+          <a:ln w="12700" cap="flat" cmpd="sng" algn="ctr">
+            <a:solidFill>
+              <a:schemeClr val="tx1"/>
+            </a:solidFill>
+            <a:prstDash val="solid"/>
+            <a:round/>
+            <a:headEnd type="none" w="med" len="med"/>
+            <a:tailEnd type="none" w="med" len="med"/>
+          </a:ln>
+          <a:effectLst/>
+          <a:extLst>
+            <a:ext uri="{AF507438-7753-43E0-B8FC-AC1667EBCBE1}">
+              <a14:hiddenEffects xmlns:a14="http://schemas.microsoft.com/office/drawing/2010/main">
+                <a:effectLst>
+                  <a:outerShdw dist="35921" dir="2700000" algn="ctr" rotWithShape="0">
+                    <a:schemeClr val="tx1">
+                      <a:alpha val="50000"/>
+                    </a:schemeClr>
+                  </a:outerShdw>
+                </a:effectLst>
+              </a14:hiddenEffects>
+            </a:ext>
+          </a:extLst>
+        </p:spPr>
+      </p:cxnSp>
+      <p:sp>
+        <p:nvSpPr>
+          <p:cNvPr id="141" name="テキスト ボックス 140"/>
+          <p:cNvSpPr txBox="1"/>
+          <p:nvPr/>
+        </p:nvSpPr>
+        <p:spPr>
+          <a:xfrm>
+            <a:off x="651410" y="2339568"/>
+            <a:ext cx="1654957" cy="369332"/>
+          </a:xfrm>
+          <a:prstGeom prst="rect">
+            <a:avLst/>
+          </a:prstGeom>
+          <a:noFill/>
+        </p:spPr>
+        <p:txBody>
+          <a:bodyPr wrap="square" rtlCol="0">
+            <a:spAutoFit/>
+          </a:bodyPr>
+          <a:lstStyle/>
+          <a:p>
+            <a:r>
+              <a:rPr kumimoji="1" lang="ja-JP" altLang="en-US" smtClean="0"/>
+              <a:t>設定</a:t>
+            </a:r>
+            <a:r>
+              <a:rPr lang="ja-JP" altLang="en-US"/>
+              <a:t>時</a:t>
+            </a:r>
+            <a:endParaRPr kumimoji="1" lang="ja-JP" altLang="en-US"/>
+          </a:p>
+        </p:txBody>
+      </p:sp>
+      <p:sp>
+        <p:nvSpPr>
+          <p:cNvPr id="142" name="テキスト ボックス 141"/>
+          <p:cNvSpPr txBox="1"/>
+          <p:nvPr/>
+        </p:nvSpPr>
+        <p:spPr>
+          <a:xfrm>
+            <a:off x="684733" y="4568856"/>
+            <a:ext cx="1654957" cy="369332"/>
+          </a:xfrm>
+          <a:prstGeom prst="rect">
+            <a:avLst/>
+          </a:prstGeom>
+          <a:noFill/>
+        </p:spPr>
+        <p:txBody>
+          <a:bodyPr wrap="square" rtlCol="0">
+            <a:spAutoFit/>
+          </a:bodyPr>
+          <a:lstStyle/>
+          <a:p>
+            <a:r>
+              <a:rPr kumimoji="1" lang="ja-JP" altLang="en-US" smtClean="0"/>
+              <a:t>実行時</a:t>
+            </a:r>
+            <a:endParaRPr kumimoji="1" lang="ja-JP" altLang="en-US"/>
+          </a:p>
+        </p:txBody>
+      </p:sp>
+      <p:sp>
+        <p:nvSpPr>
+          <p:cNvPr id="78" name="角丸四角形 77"/>
+          <p:cNvSpPr/>
+          <p:nvPr/>
+        </p:nvSpPr>
+        <p:spPr bwMode="auto">
+          <a:xfrm>
+            <a:off x="719146" y="5437215"/>
+            <a:ext cx="2016280" cy="668675"/>
+          </a:xfrm>
+          <a:prstGeom prst="roundRect">
+            <a:avLst>
+              <a:gd name="adj" fmla="val 10097"/>
+            </a:avLst>
+          </a:prstGeom>
+          <a:noFill/>
+          <a:ln w="12700">
+            <a:solidFill>
+              <a:schemeClr val="tx1"/>
+            </a:solidFill>
+            <a:prstDash val="sysDot"/>
+          </a:ln>
+          <a:effectLst/>
+          <a:extLst/>
+        </p:spPr>
+        <p:txBody>
+          <a:bodyPr rot="0" spcFirstLastPara="0" vertOverflow="overflow" horzOverflow="overflow" vert="horz" wrap="none" lIns="72000" tIns="72000" rIns="72000" bIns="72000" numCol="1" spcCol="0" rtlCol="0" fromWordArt="0" anchor="b" anchorCtr="0" forceAA="0" compatLnSpc="1">
+            <a:prstTxWarp prst="textNoShape">
+              <a:avLst/>
+            </a:prstTxWarp>
+            <a:noAutofit/>
+          </a:bodyPr>
+          <a:lstStyle/>
+          <a:p>
+            <a:r>
+              <a:rPr kumimoji="1" lang="ja-JP" altLang="en-US" sz="800" smtClean="0">
+                <a:latin typeface="+mn-ea"/>
+              </a:rPr>
+              <a:t>（ロードバランサ</a:t>
+            </a:r>
+            <a:r>
+              <a:rPr lang="ja-JP" altLang="en-US" sz="800">
+                <a:latin typeface="+mn-ea"/>
+              </a:rPr>
+              <a:t>に実サーバを登録</a:t>
+            </a:r>
+            <a:r>
+              <a:rPr lang="ja-JP" altLang="en-US" sz="800" smtClean="0">
+                <a:latin typeface="+mn-ea"/>
+              </a:rPr>
+              <a:t>する</a:t>
+            </a:r>
+            <a:r>
+              <a:rPr lang="en-US" altLang="ja-JP" sz="800" smtClean="0">
+                <a:latin typeface="+mn-ea"/>
+              </a:rPr>
+              <a:t>)</a:t>
+            </a:r>
+            <a:endParaRPr kumimoji="1" lang="en-US" altLang="ja-JP" sz="800" smtClean="0">
+              <a:latin typeface="+mn-ea"/>
+            </a:endParaRPr>
+          </a:p>
+        </p:txBody>
+      </p:sp>
+      <p:sp>
+        <p:nvSpPr>
+          <p:cNvPr id="79" name="角丸四角形 78"/>
+          <p:cNvSpPr/>
+          <p:nvPr/>
+        </p:nvSpPr>
+        <p:spPr bwMode="auto">
+          <a:xfrm>
+            <a:off x="806681" y="5536147"/>
+            <a:ext cx="1552405" cy="276789"/>
+          </a:xfrm>
+          <a:prstGeom prst="roundRect">
+            <a:avLst>
+              <a:gd name="adj" fmla="val 21076"/>
+            </a:avLst>
+          </a:prstGeom>
+          <a:solidFill>
+            <a:schemeClr val="accent4">
+              <a:lumMod val="75000"/>
+            </a:schemeClr>
+          </a:solidFill>
+          <a:ln w="12700">
+            <a:noFill/>
+          </a:ln>
+          <a:effectLst/>
+          <a:extLst/>
+        </p:spPr>
+        <p:txBody>
+          <a:bodyPr rot="0" spcFirstLastPara="0" vert="horz" wrap="none" lIns="72000" tIns="72000" rIns="72000" bIns="72000" numCol="1" spcCol="0" rtlCol="0" fromWordArt="0" anchor="ctr" anchorCtr="0" forceAA="0" compatLnSpc="1">
+            <a:prstTxWarp prst="textNoShape">
+              <a:avLst/>
+            </a:prstTxWarp>
+            <a:noAutofit/>
+          </a:bodyPr>
+          <a:lstStyle>
+            <a:defPPr>
+              <a:defRPr lang="ja-JP"/>
+            </a:defPPr>
+            <a:lvl1pPr marL="0" algn="l" defTabSz="914400" rtl="0" eaLnBrk="1" latinLnBrk="0" hangingPunct="1">
+              <a:defRPr kumimoji="1" sz="1800" kern="1200">
+                <a:solidFill>
+                  <a:schemeClr val="tx1"/>
+                </a:solidFill>
+                <a:latin typeface="+mn-lt"/>
+                <a:ea typeface="+mn-ea"/>
+                <a:cs typeface="+mn-cs"/>
+              </a:defRPr>
+            </a:lvl1pPr>
+            <a:lvl2pPr marL="457200" algn="l" defTabSz="914400" rtl="0" eaLnBrk="1" latinLnBrk="0" hangingPunct="1">
+              <a:defRPr kumimoji="1" sz="1800" kern="1200">
+                <a:solidFill>
+                  <a:schemeClr val="tx1"/>
+                </a:solidFill>
+                <a:latin typeface="+mn-lt"/>
+                <a:ea typeface="+mn-ea"/>
+                <a:cs typeface="+mn-cs"/>
+              </a:defRPr>
+            </a:lvl2pPr>
+            <a:lvl3pPr marL="914400" algn="l" defTabSz="914400" rtl="0" eaLnBrk="1" latinLnBrk="0" hangingPunct="1">
+              <a:defRPr kumimoji="1" sz="1800" kern="1200">
+                <a:solidFill>
+                  <a:schemeClr val="tx1"/>
+                </a:solidFill>
+                <a:latin typeface="+mn-lt"/>
+                <a:ea typeface="+mn-ea"/>
+                <a:cs typeface="+mn-cs"/>
+              </a:defRPr>
+            </a:lvl3pPr>
+            <a:lvl4pPr marL="1371600" algn="l" defTabSz="914400" rtl="0" eaLnBrk="1" latinLnBrk="0" hangingPunct="1">
+              <a:defRPr kumimoji="1" sz="1800" kern="1200">
+                <a:solidFill>
+                  <a:schemeClr val="tx1"/>
+                </a:solidFill>
+                <a:latin typeface="+mn-lt"/>
+                <a:ea typeface="+mn-ea"/>
+                <a:cs typeface="+mn-cs"/>
+              </a:defRPr>
+            </a:lvl4pPr>
+            <a:lvl5pPr marL="1828800" algn="l" defTabSz="914400" rtl="0" eaLnBrk="1" latinLnBrk="0" hangingPunct="1">
+              <a:defRPr kumimoji="1" sz="1800" kern="1200">
+                <a:solidFill>
+                  <a:schemeClr val="tx1"/>
+                </a:solidFill>
+                <a:latin typeface="+mn-lt"/>
+                <a:ea typeface="+mn-ea"/>
+                <a:cs typeface="+mn-cs"/>
+              </a:defRPr>
+            </a:lvl5pPr>
+            <a:lvl6pPr marL="2286000" algn="l" defTabSz="914400" rtl="0" eaLnBrk="1" latinLnBrk="0" hangingPunct="1">
+              <a:defRPr kumimoji="1" sz="1800" kern="1200">
+                <a:solidFill>
+                  <a:schemeClr val="tx1"/>
+                </a:solidFill>
+                <a:latin typeface="+mn-lt"/>
+                <a:ea typeface="+mn-ea"/>
+                <a:cs typeface="+mn-cs"/>
+              </a:defRPr>
+            </a:lvl6pPr>
+            <a:lvl7pPr marL="2743200" algn="l" defTabSz="914400" rtl="0" eaLnBrk="1" latinLnBrk="0" hangingPunct="1">
+              <a:defRPr kumimoji="1" sz="1800" kern="1200">
+                <a:solidFill>
+                  <a:schemeClr val="tx1"/>
+                </a:solidFill>
+                <a:latin typeface="+mn-lt"/>
+                <a:ea typeface="+mn-ea"/>
+                <a:cs typeface="+mn-cs"/>
+              </a:defRPr>
+            </a:lvl7pPr>
+            <a:lvl8pPr marL="3200400" algn="l" defTabSz="914400" rtl="0" eaLnBrk="1" latinLnBrk="0" hangingPunct="1">
+              <a:defRPr kumimoji="1" sz="1800" kern="1200">
+                <a:solidFill>
+                  <a:schemeClr val="tx1"/>
+                </a:solidFill>
+                <a:latin typeface="+mn-lt"/>
+                <a:ea typeface="+mn-ea"/>
+                <a:cs typeface="+mn-cs"/>
+              </a:defRPr>
+            </a:lvl8pPr>
+            <a:lvl9pPr marL="3657600" algn="l" defTabSz="914400" rtl="0" eaLnBrk="1" latinLnBrk="0" hangingPunct="1">
+              <a:defRPr kumimoji="1" sz="1800" kern="1200">
+                <a:solidFill>
+                  <a:schemeClr val="tx1"/>
+                </a:solidFill>
+                <a:latin typeface="+mn-lt"/>
+                <a:ea typeface="+mn-ea"/>
+                <a:cs typeface="+mn-cs"/>
+              </a:defRPr>
+            </a:lvl9pPr>
+          </a:lstStyle>
+          <a:p>
+            <a:pPr algn="ctr"/>
+            <a:r>
+              <a:rPr lang="ja-JP" altLang="en-US" sz="1200" b="1" smtClean="0">
+                <a:solidFill>
+                  <a:schemeClr val="bg1"/>
+                </a:solidFill>
+                <a:latin typeface="+mn-ea"/>
+              </a:rPr>
+              <a:t>対話種別</a:t>
+            </a:r>
+            <a:r>
+              <a:rPr lang="en-US" altLang="ja-JP" sz="1200" b="1" smtClean="0">
+                <a:solidFill>
+                  <a:schemeClr val="bg1"/>
+                </a:solidFill>
+                <a:latin typeface="+mn-ea"/>
+              </a:rPr>
+              <a:t>A</a:t>
+            </a:r>
+            <a:endParaRPr kumimoji="1" lang="ja-JP" altLang="en-US" sz="1200" b="1" dirty="0" smtClean="0">
+              <a:solidFill>
+                <a:schemeClr val="bg1"/>
+              </a:solidFill>
+              <a:latin typeface="+mn-ea"/>
+            </a:endParaRPr>
+          </a:p>
+        </p:txBody>
+      </p:sp>
+      <p:sp>
+        <p:nvSpPr>
+          <p:cNvPr id="91" name="テキスト ボックス 90"/>
+          <p:cNvSpPr txBox="1"/>
+          <p:nvPr/>
+        </p:nvSpPr>
+        <p:spPr>
+          <a:xfrm>
+            <a:off x="7697043" y="2636890"/>
+            <a:ext cx="1181024" cy="246221"/>
+          </a:xfrm>
+          <a:prstGeom prst="rect">
+            <a:avLst/>
+          </a:prstGeom>
+          <a:noFill/>
+        </p:spPr>
+        <p:txBody>
+          <a:bodyPr wrap="square" rtlCol="0">
+            <a:spAutoFit/>
+          </a:bodyPr>
+          <a:lstStyle/>
+          <a:p>
+            <a:pPr algn="ctr"/>
+            <a:r>
+              <a:rPr lang="en-US" altLang="ja-JP" sz="1000" smtClean="0"/>
+              <a:t>OS</a:t>
+            </a:r>
+            <a:r>
+              <a:rPr lang="ja-JP" altLang="en-US" sz="1000" smtClean="0"/>
+              <a:t>種別：</a:t>
+            </a:r>
+            <a:r>
+              <a:rPr lang="en-US" altLang="ja-JP" sz="1000" smtClean="0">
+                <a:solidFill>
+                  <a:srgbClr val="FF0000"/>
+                </a:solidFill>
+              </a:rPr>
+              <a:t>BigIP</a:t>
+            </a:r>
+            <a:endParaRPr kumimoji="1" lang="ja-JP" altLang="en-US" sz="1000">
+              <a:solidFill>
+                <a:srgbClr val="FF0000"/>
+              </a:solidFill>
+            </a:endParaRPr>
+          </a:p>
+        </p:txBody>
+      </p:sp>
+      <p:sp>
+        <p:nvSpPr>
+          <p:cNvPr id="102" name="テキスト ボックス 101"/>
+          <p:cNvSpPr txBox="1"/>
+          <p:nvPr/>
+        </p:nvSpPr>
+        <p:spPr>
+          <a:xfrm>
+            <a:off x="7697043" y="4149100"/>
+            <a:ext cx="1181024" cy="246221"/>
+          </a:xfrm>
+          <a:prstGeom prst="rect">
+            <a:avLst/>
+          </a:prstGeom>
+          <a:noFill/>
+        </p:spPr>
+        <p:txBody>
+          <a:bodyPr wrap="square" rtlCol="0">
+            <a:spAutoFit/>
+          </a:bodyPr>
+          <a:lstStyle/>
+          <a:p>
+            <a:pPr algn="ctr"/>
+            <a:r>
+              <a:rPr lang="en-US" altLang="ja-JP" sz="1000" smtClean="0"/>
+              <a:t>OS</a:t>
+            </a:r>
+            <a:r>
+              <a:rPr lang="ja-JP" altLang="en-US" sz="1000" smtClean="0"/>
+              <a:t>種別：</a:t>
+            </a:r>
+            <a:r>
+              <a:rPr lang="en-US" altLang="ja-JP" sz="1000" smtClean="0">
+                <a:solidFill>
+                  <a:srgbClr val="FF0000"/>
+                </a:solidFill>
+              </a:rPr>
+              <a:t>A1</a:t>
+            </a:r>
+            <a:r>
+              <a:rPr lang="en-US" altLang="ja-JP" sz="1000">
+                <a:solidFill>
+                  <a:srgbClr val="FF0000"/>
+                </a:solidFill>
+              </a:rPr>
+              <a:t>0</a:t>
+            </a:r>
+            <a:endParaRPr kumimoji="1" lang="ja-JP" altLang="en-US" sz="1000">
+              <a:solidFill>
+                <a:srgbClr val="FF0000"/>
+              </a:solidFill>
+            </a:endParaRPr>
+          </a:p>
+        </p:txBody>
+      </p:sp>
+      <p:sp>
+        <p:nvSpPr>
+          <p:cNvPr id="103" name="テキスト ボックス 102"/>
+          <p:cNvSpPr txBox="1"/>
+          <p:nvPr/>
+        </p:nvSpPr>
+        <p:spPr>
+          <a:xfrm>
+            <a:off x="7533195" y="3393895"/>
+            <a:ext cx="1518828" cy="246221"/>
+          </a:xfrm>
+          <a:prstGeom prst="rect">
+            <a:avLst/>
+          </a:prstGeom>
+          <a:noFill/>
+        </p:spPr>
+        <p:txBody>
+          <a:bodyPr wrap="square" rtlCol="0">
+            <a:spAutoFit/>
+          </a:bodyPr>
+          <a:lstStyle/>
+          <a:p>
+            <a:pPr algn="ctr"/>
+            <a:r>
+              <a:rPr lang="en-US" altLang="ja-JP" sz="1000" smtClean="0"/>
+              <a:t>OS</a:t>
+            </a:r>
+            <a:r>
+              <a:rPr lang="ja-JP" altLang="en-US" sz="1000" smtClean="0"/>
+              <a:t>種別：</a:t>
+            </a:r>
+            <a:r>
+              <a:rPr lang="en-US" altLang="ja-JP" sz="1000" smtClean="0">
+                <a:solidFill>
+                  <a:srgbClr val="FF0000"/>
+                </a:solidFill>
+              </a:rPr>
+              <a:t>Cisco</a:t>
+            </a:r>
+            <a:r>
+              <a:rPr lang="ja-JP" altLang="en-US" sz="1000" smtClean="0">
+                <a:solidFill>
+                  <a:srgbClr val="FF0000"/>
+                </a:solidFill>
+              </a:rPr>
+              <a:t> </a:t>
+            </a:r>
+            <a:r>
+              <a:rPr lang="en-US" altLang="ja-JP" sz="1000" smtClean="0">
+                <a:solidFill>
+                  <a:srgbClr val="FF0000"/>
+                </a:solidFill>
+              </a:rPr>
+              <a:t>ACE</a:t>
+            </a:r>
+            <a:endParaRPr kumimoji="1" lang="ja-JP" altLang="en-US" sz="1000">
+              <a:solidFill>
+                <a:srgbClr val="FF0000"/>
+              </a:solidFill>
+            </a:endParaRPr>
+          </a:p>
+        </p:txBody>
+      </p:sp>
+      <p:sp>
+        <p:nvSpPr>
+          <p:cNvPr id="80" name="右矢印 79"/>
+          <p:cNvSpPr/>
+          <p:nvPr/>
+        </p:nvSpPr>
+        <p:spPr bwMode="auto">
+          <a:xfrm>
+            <a:off x="2339690" y="5531153"/>
+            <a:ext cx="5337872" cy="298998"/>
+          </a:xfrm>
+          <a:prstGeom prst="rightArrow">
+            <a:avLst/>
+          </a:prstGeom>
+          <a:solidFill>
+            <a:srgbClr val="C00000"/>
+          </a:solidFill>
+          <a:ln w="12700">
+            <a:noFill/>
+          </a:ln>
+          <a:effectLst/>
+          <a:extLst/>
+        </p:spPr>
+        <p:txBody>
+          <a:bodyPr rot="0" spcFirstLastPara="0" vertOverflow="overflow" horzOverflow="overflow" vert="horz" wrap="none" lIns="72000" tIns="72000" rIns="72000" bIns="72000" numCol="1" spcCol="0" rtlCol="0" fromWordArt="0" anchor="ctr" anchorCtr="0" forceAA="0" compatLnSpc="1">
+            <a:prstTxWarp prst="textNoShape">
+              <a:avLst/>
+            </a:prstTxWarp>
+            <a:noAutofit/>
+          </a:bodyPr>
+          <a:lstStyle/>
+          <a:p>
+            <a:pPr algn="ctr"/>
+            <a:endParaRPr kumimoji="1" lang="ja-JP" altLang="en-US" b="1" dirty="0" smtClean="0">
+              <a:solidFill>
+                <a:srgbClr val="0000FF"/>
+              </a:solidFill>
+              <a:latin typeface="+mn-ea"/>
+            </a:endParaRPr>
+          </a:p>
+        </p:txBody>
+      </p:sp>
+    </p:spTree>
+    <p:extLst>
+      <p:ext uri="{BB962C8B-B14F-4D97-AF65-F5344CB8AC3E}">
+        <p14:creationId xmlns:p14="http://schemas.microsoft.com/office/powerpoint/2010/main" val="2047445627"/>
+      </p:ext>
+    </p:extLst>
+  </p:cSld>
+  <p:clrMapOvr>
+    <a:masterClrMapping/>
+  </p:clrMapOvr>
+  <p:timing>
+    <p:tnLst>
+      <p:par>
+        <p:cTn id="1" dur="indefinite" restart="never" nodeType="tmRoot"/>
+      </p:par>
+    </p:tnLst>
+  </p:timing>
+</p:sld>
+</file>
+
+<file path=ppt/slides/slide23.xml><?xml version="1.0" encoding="utf-8"?>
+<p:sld xmlns:a="http://schemas.openxmlformats.org/drawingml/2006/main" xmlns:r="http://schemas.openxmlformats.org/officeDocument/2006/relationships" xmlns:p="http://schemas.openxmlformats.org/presentationml/2006/main">
+  <p:cSld>
+    <p:spTree>
+      <p:nvGrpSpPr>
+        <p:cNvPr id="1" name=""/>
+        <p:cNvGrpSpPr/>
+        <p:nvPr/>
+      </p:nvGrpSpPr>
+      <p:grpSpPr>
+        <a:xfrm>
+          <a:off x="0" y="0"/>
+          <a:ext cx="0" cy="0"/>
+          <a:chOff x="0" y="0"/>
+          <a:chExt cx="0" cy="0"/>
+        </a:xfrm>
+      </p:grpSpPr>
+      <p:pic>
+        <p:nvPicPr>
+          <p:cNvPr id="4" name="図 3"/>
+          <p:cNvPicPr>
+            <a:picLocks noChangeAspect="1"/>
+          </p:cNvPicPr>
+          <p:nvPr/>
+        </p:nvPicPr>
+        <p:blipFill>
+          <a:blip r:embed="rId2"/>
+          <a:stretch>
+            <a:fillRect/>
+          </a:stretch>
+        </p:blipFill>
+        <p:spPr>
+          <a:xfrm>
+            <a:off x="6732300" y="1052670"/>
+            <a:ext cx="1844200" cy="5227773"/>
           </a:xfrm>
           <a:prstGeom prst="rect">
             <a:avLst/>
@@ -33168,11 +37015,15 @@
             </a:r>
             <a:r>
               <a:rPr lang="ja-JP" altLang="en-US" dirty="0" smtClean="0"/>
-              <a:t>モード　</a:t>
-            </a:r>
-            <a:r>
-              <a:rPr lang="en-US" altLang="ja-JP" dirty="0" smtClean="0"/>
-              <a:t>(4/4)</a:t>
+              <a:t>モード</a:t>
+            </a:r>
+            <a:r>
+              <a:rPr lang="ja-JP" altLang="en-US" smtClean="0"/>
+              <a:t>　</a:t>
+            </a:r>
+            <a:r>
+              <a:rPr lang="en-US" altLang="ja-JP" smtClean="0"/>
+              <a:t>(5/5)</a:t>
             </a:r>
             <a:endParaRPr kumimoji="1" lang="ja-JP" altLang="en-US" dirty="0"/>
           </a:p>
@@ -33191,7 +37042,7 @@
         <p:spPr>
           <a:xfrm>
             <a:off x="179512" y="836712"/>
-            <a:ext cx="6120728" cy="5472688"/>
+            <a:ext cx="6120728" cy="5040628"/>
           </a:xfrm>
         </p:spPr>
         <p:txBody>
@@ -33245,101 +37096,209 @@
               <a:buChar char="l"/>
             </a:pPr>
             <a:r>
-              <a:rPr lang="ja-JP" altLang="en-US" sz="1400" b="1" dirty="0"/>
-              <a:t>対話種別</a:t>
-            </a:r>
-            <a:r>
-              <a:rPr lang="ja-JP" altLang="en-US" sz="1400" b="1" dirty="0" smtClean="0"/>
-              <a:t>リスト</a:t>
-            </a:r>
-            <a:endParaRPr lang="en-US" altLang="ja-JP" sz="1400" b="1" dirty="0" smtClean="0"/>
+              <a:rPr lang="en-US" altLang="ja-JP" sz="1400" b="1"/>
+              <a:t>OS</a:t>
+            </a:r>
+            <a:r>
+              <a:rPr lang="ja-JP" altLang="en-US" sz="1400" b="1"/>
+              <a:t>種別マスタ</a:t>
+            </a:r>
+            <a:endParaRPr lang="en-US" altLang="ja-JP" sz="1400" b="1"/>
           </a:p>
           <a:p>
             <a:pPr marL="180000" lvl="1" indent="0">
               <a:buNone/>
             </a:pPr>
             <a:r>
-              <a:rPr lang="ja-JP" altLang="en-US" sz="1400" dirty="0" smtClean="0"/>
-              <a:t>対話</a:t>
-            </a:r>
-            <a:r>
-              <a:rPr lang="ja-JP" altLang="en-US" sz="1400" dirty="0"/>
-              <a:t>種別の管理が可能です</a:t>
-            </a:r>
-            <a:r>
-              <a:rPr lang="ja-JP" altLang="en-US" sz="1400" dirty="0" smtClean="0"/>
-              <a:t>。</a:t>
-            </a:r>
-            <a:r>
-              <a:rPr lang="en-US" altLang="ja-JP" sz="1400" dirty="0" smtClean="0"/>
-              <a:t/>
-            </a:r>
-            <a:br>
-              <a:rPr lang="en-US" altLang="ja-JP" sz="1400" dirty="0" smtClean="0"/>
-            </a:br>
-            <a:r>
-              <a:rPr lang="en-US" altLang="ja-JP" sz="1400" dirty="0" smtClean="0"/>
-              <a:t>(</a:t>
-            </a:r>
-            <a:r>
-              <a:rPr lang="en-US" altLang="ja-JP" sz="1400" dirty="0" err="1"/>
-              <a:t>Ansible</a:t>
-            </a:r>
-            <a:r>
-              <a:rPr lang="en-US" altLang="ja-JP" sz="1400" dirty="0"/>
-              <a:t>-Pioneer</a:t>
-            </a:r>
-            <a:r>
-              <a:rPr lang="ja-JP" altLang="en-US" sz="1400" dirty="0"/>
-              <a:t>では、</a:t>
-            </a:r>
-            <a:r>
               <a:rPr lang="en-US" altLang="ja-JP" sz="1400" dirty="0"/>
               <a:t>OS</a:t>
             </a:r>
             <a:r>
               <a:rPr lang="ja-JP" altLang="en-US" sz="1400" dirty="0"/>
-              <a:t>種別ごとの差異を対話ファイルごとに定義し、同一目的の対話ファイルを対話種別として纏めて機器差分を吸収します。</a:t>
-            </a:r>
-            <a:r>
-              <a:rPr lang="en-US" altLang="ja-JP" sz="1400" dirty="0" smtClean="0"/>
+              <a:t>種別をメンテナンス</a:t>
+            </a:r>
+            <a:r>
+              <a:rPr lang="en-US" altLang="ja-JP" sz="1400" dirty="0"/>
+              <a:t>(</a:t>
+            </a:r>
+            <a:r>
+              <a:rPr lang="ja-JP" altLang="en-US" sz="1400" dirty="0"/>
+              <a:t>閲覧</a:t>
+            </a:r>
+            <a:r>
+              <a:rPr lang="en-US" altLang="ja-JP" sz="1400" dirty="0"/>
+              <a:t>/</a:t>
+            </a:r>
+            <a:r>
+              <a:rPr lang="ja-JP" altLang="en-US" sz="1400" dirty="0"/>
+              <a:t>登録</a:t>
+            </a:r>
+            <a:r>
+              <a:rPr lang="en-US" altLang="ja-JP" sz="1400" dirty="0"/>
+              <a:t>/</a:t>
+            </a:r>
+            <a:r>
+              <a:rPr lang="ja-JP" altLang="en-US" sz="1400" dirty="0"/>
+              <a:t>更新</a:t>
+            </a:r>
+            <a:r>
+              <a:rPr lang="en-US" altLang="ja-JP" sz="1400" dirty="0"/>
+              <a:t>/</a:t>
+            </a:r>
+            <a:r>
+              <a:rPr lang="ja-JP" altLang="en-US" sz="1400" dirty="0"/>
+              <a:t>廃止</a:t>
+            </a:r>
+            <a:r>
+              <a:rPr lang="en-US" altLang="ja-JP" sz="1400" dirty="0"/>
               <a:t>)</a:t>
             </a:r>
+            <a:r>
+              <a:rPr lang="ja-JP" altLang="en-US" sz="1400" dirty="0"/>
+              <a:t>できます。 </a:t>
+            </a:r>
+            <a:r>
+              <a:rPr lang="en-US" altLang="ja-JP" sz="1400" smtClean="0"/>
+              <a:t/>
+            </a:r>
+            <a:br>
+              <a:rPr lang="en-US" altLang="ja-JP" sz="1400" smtClean="0"/>
+            </a:br>
+            <a:endParaRPr lang="en-US" altLang="ja-JP" smtClean="0"/>
           </a:p>
           <a:p>
             <a:pPr>
               <a:buFont typeface="Wingdings" panose="05000000000000000000" pitchFamily="2" charset="2"/>
               <a:buChar char="l"/>
             </a:pPr>
-            <a:endParaRPr lang="en-US" altLang="ja-JP" sz="1400" dirty="0"/>
+            <a:r>
+              <a:rPr lang="ja-JP" altLang="en-US" sz="1400" b="1" smtClean="0"/>
+              <a:t>対話</a:t>
+            </a:r>
+            <a:r>
+              <a:rPr lang="ja-JP" altLang="en-US" sz="1400" b="1" dirty="0"/>
+              <a:t>種別</a:t>
+            </a:r>
+            <a:r>
+              <a:rPr lang="ja-JP" altLang="en-US" sz="1400" b="1" dirty="0" smtClean="0"/>
+              <a:t>リスト</a:t>
+            </a:r>
+            <a:endParaRPr lang="en-US" altLang="ja-JP" sz="1400" b="1" dirty="0" smtClean="0"/>
+          </a:p>
+          <a:p>
+            <a:pPr marL="180000" lvl="1" indent="0">
+              <a:buNone/>
+            </a:pPr>
+            <a:r>
+              <a:rPr lang="ja-JP" altLang="en-US" sz="1400" dirty="0"/>
+              <a:t>対話種別をメンテナンス</a:t>
+            </a:r>
+            <a:r>
+              <a:rPr lang="en-US" altLang="ja-JP" sz="1400" dirty="0"/>
+              <a:t>(</a:t>
+            </a:r>
+            <a:r>
+              <a:rPr lang="ja-JP" altLang="en-US" sz="1400" dirty="0"/>
+              <a:t>閲覧</a:t>
+            </a:r>
+            <a:r>
+              <a:rPr lang="en-US" altLang="ja-JP" sz="1400" dirty="0"/>
+              <a:t>/</a:t>
+            </a:r>
+            <a:r>
+              <a:rPr lang="ja-JP" altLang="en-US" sz="1400" dirty="0"/>
+              <a:t>登録</a:t>
+            </a:r>
+            <a:r>
+              <a:rPr lang="en-US" altLang="ja-JP" sz="1400" dirty="0"/>
+              <a:t>/</a:t>
+            </a:r>
+            <a:r>
+              <a:rPr lang="ja-JP" altLang="en-US" sz="1400" dirty="0"/>
+              <a:t>更新</a:t>
+            </a:r>
+            <a:r>
+              <a:rPr lang="en-US" altLang="ja-JP" sz="1400" dirty="0"/>
+              <a:t>/</a:t>
+            </a:r>
+            <a:r>
+              <a:rPr lang="ja-JP" altLang="en-US" sz="1400" dirty="0"/>
+              <a:t>廃止</a:t>
+            </a:r>
+            <a:r>
+              <a:rPr lang="en-US" altLang="ja-JP" sz="1400" dirty="0"/>
+              <a:t>)</a:t>
+            </a:r>
+            <a:r>
+              <a:rPr lang="ja-JP" altLang="en-US" sz="1400" dirty="0"/>
+              <a:t>できます</a:t>
+            </a:r>
+            <a:r>
+              <a:rPr lang="ja-JP" altLang="en-US" sz="1400"/>
+              <a:t>。 </a:t>
+            </a:r>
+            <a:endParaRPr lang="en-US" altLang="ja-JP" sz="1400" smtClean="0"/>
           </a:p>
           <a:p>
             <a:pPr>
               <a:buFont typeface="Wingdings" panose="05000000000000000000" pitchFamily="2" charset="2"/>
               <a:buChar char="l"/>
             </a:pPr>
-            <a:r>
-              <a:rPr lang="ja-JP" altLang="en-US" sz="1400" b="1" dirty="0"/>
-              <a:t>対話ファイル</a:t>
-            </a:r>
-            <a:r>
-              <a:rPr lang="ja-JP" altLang="en-US" sz="1400" b="1" dirty="0" smtClean="0"/>
+            <a:endParaRPr lang="en-US" altLang="ja-JP" sz="1400" smtClean="0"/>
+          </a:p>
+          <a:p>
+            <a:pPr>
+              <a:buFont typeface="Wingdings" panose="05000000000000000000" pitchFamily="2" charset="2"/>
+              <a:buChar char="l"/>
+            </a:pPr>
+            <a:r>
+              <a:rPr lang="ja-JP" altLang="en-US" sz="1400" b="1" smtClean="0"/>
+              <a:t>対話</a:t>
+            </a:r>
+            <a:r>
+              <a:rPr lang="ja-JP" altLang="en-US" sz="1400" b="1"/>
+              <a:t>ファイル</a:t>
+            </a:r>
+            <a:r>
+              <a:rPr lang="ja-JP" altLang="en-US" sz="1400" b="1" smtClean="0"/>
               <a:t>素材集</a:t>
             </a:r>
-            <a:endParaRPr lang="en-US" altLang="ja-JP" sz="1400" b="1" dirty="0" smtClean="0"/>
+            <a:endParaRPr lang="en-US" altLang="ja-JP" sz="1400" b="1" dirty="0"/>
           </a:p>
           <a:p>
             <a:pPr marL="180000" lvl="1" indent="0">
               <a:buNone/>
             </a:pPr>
             <a:r>
-              <a:rPr lang="en-US" altLang="ja-JP" sz="1400" dirty="0" err="1" smtClean="0"/>
-              <a:t>os</a:t>
+              <a:rPr lang="en-US" altLang="ja-JP" sz="1400" smtClean="0"/>
+              <a:t>O</a:t>
+            </a:r>
+            <a:r>
+              <a:rPr lang="en-US" altLang="ja-JP" sz="1400"/>
+              <a:t>S</a:t>
+            </a:r>
+            <a:r>
+              <a:rPr lang="ja-JP" altLang="en-US" sz="1400" smtClean="0"/>
+              <a:t>種別</a:t>
             </a:r>
             <a:r>
               <a:rPr lang="ja-JP" altLang="en-US" sz="1400" dirty="0"/>
-              <a:t>種別ごとの対話ファイルの管理が可能です。</a:t>
-            </a:r>
+              <a:t>ごとの対話ファイルの管理が可能</a:t>
+            </a:r>
+            <a:r>
+              <a:rPr lang="ja-JP" altLang="en-US" sz="1400"/>
+              <a:t>です</a:t>
+            </a:r>
+            <a:r>
+              <a:rPr lang="ja-JP" altLang="en-US" sz="1400" smtClean="0"/>
+              <a:t>。</a:t>
+            </a:r>
+            <a:endParaRPr lang="en-US" altLang="ja-JP" sz="1000" b="1"/>
+          </a:p>
+          <a:p>
+            <a:pPr marL="180000" lvl="1" indent="0">
+              <a:buNone/>
+            </a:pPr>
             <a:endParaRPr lang="en-US" altLang="ja-JP" sz="1400" dirty="0"/>
           </a:p>
           <a:p>
@@ -33355,8 +37314,47 @@
         </p:nvSpPr>
         <p:spPr bwMode="auto">
           <a:xfrm>
-            <a:off x="6501051" y="2533681"/>
-            <a:ext cx="1512088" cy="792110"/>
+            <a:off x="6744282" y="2636890"/>
+            <a:ext cx="1716257" cy="792110"/>
+          </a:xfrm>
+          <a:prstGeom prst="rect">
+            <a:avLst/>
+          </a:prstGeom>
+          <a:noFill/>
+          <a:ln w="38100">
+            <a:solidFill>
+              <a:srgbClr val="FF0000"/>
+            </a:solidFill>
+          </a:ln>
+          <a:effectLst/>
+          <a:extLst/>
+        </p:spPr>
+        <p:txBody>
+          <a:bodyPr rot="0" spcFirstLastPara="0" vertOverflow="overflow" horzOverflow="overflow" vert="horz" wrap="none" lIns="72000" tIns="72000" rIns="72000" bIns="72000" numCol="1" spcCol="0" rtlCol="0" fromWordArt="0" anchor="ctr" anchorCtr="0" forceAA="0" compatLnSpc="1">
+            <a:prstTxWarp prst="textNoShape">
+              <a:avLst/>
+            </a:prstTxWarp>
+            <a:noAutofit/>
+          </a:bodyPr>
+          <a:lstStyle/>
+          <a:p>
+            <a:pPr algn="ctr"/>
+            <a:endParaRPr kumimoji="1" lang="ja-JP" altLang="en-US" b="1" dirty="0" smtClean="0">
+              <a:latin typeface="+mn-ea"/>
+            </a:endParaRPr>
+          </a:p>
+        </p:txBody>
+      </p:sp>
+      <p:sp>
+        <p:nvSpPr>
+          <p:cNvPr id="8" name="正方形/長方形 7"/>
+          <p:cNvSpPr/>
+          <p:nvPr/>
+        </p:nvSpPr>
+        <p:spPr bwMode="auto">
+          <a:xfrm>
+            <a:off x="6744282" y="1822795"/>
+            <a:ext cx="1716257" cy="382035"/>
           </a:xfrm>
           <a:prstGeom prst="rect">
             <a:avLst/>
@@ -33406,7 +37404,7 @@
 </p:sld>
 </file>
 
-<file path=ppt/slides/slide23.xml><?xml version="1.0" encoding="utf-8"?>
+<file path=ppt/slides/slide24.xml><?xml version="1.0" encoding="utf-8"?>
 <p:sld xmlns:a="http://schemas.openxmlformats.org/drawingml/2006/main" xmlns:r="http://schemas.openxmlformats.org/officeDocument/2006/relationships" xmlns:p="http://schemas.openxmlformats.org/presentationml/2006/main">
   <p:cSld>
     <p:spTree>
@@ -34017,13 +38015,13 @@
         </p:nvSpPr>
         <p:spPr bwMode="auto">
           <a:xfrm>
-            <a:off x="278062" y="4385398"/>
-            <a:ext cx="2232682" cy="1858766"/>
+            <a:off x="140956" y="4149100"/>
+            <a:ext cx="2369788" cy="2095064"/>
           </a:xfrm>
           <a:prstGeom prst="wedgeRoundRectCallout">
             <a:avLst>
-              <a:gd name="adj1" fmla="val 54870"/>
-              <a:gd name="adj2" fmla="val -24785"/>
+              <a:gd name="adj1" fmla="val 56594"/>
+              <a:gd name="adj2" fmla="val -24326"/>
               <a:gd name="adj3" fmla="val 16667"/>
             </a:avLst>
           </a:prstGeom>
@@ -34066,19 +38064,43 @@
               <a:rPr kumimoji="1" lang="ja-JP" altLang="en-US" sz="1200" dirty="0" smtClean="0">
                 <a:latin typeface="+mn-ea"/>
               </a:rPr>
-              <a:t>共通」では</a:t>
-            </a:r>
-            <a:r>
-              <a:rPr kumimoji="1" lang="en-US" altLang="ja-JP" sz="1200" dirty="0" err="1" smtClean="0">
+              <a:t>共通」</a:t>
+            </a:r>
+            <a:r>
+              <a:rPr kumimoji="1" lang="ja-JP" altLang="en-US" sz="1200" smtClean="0">
                 <a:latin typeface="+mn-ea"/>
               </a:rPr>
-              <a:t>ansible</a:t>
+              <a:t>では</a:t>
+            </a:r>
+            <a:r>
+              <a:rPr lang="en-US" altLang="ja-JP" sz="1200" smtClean="0">
+                <a:latin typeface="+mn-ea"/>
+              </a:rPr>
+              <a:t>A</a:t>
+            </a:r>
+            <a:r>
+              <a:rPr kumimoji="1" lang="en-US" altLang="ja-JP" sz="1200" smtClean="0">
+                <a:latin typeface="+mn-ea"/>
+              </a:rPr>
+              <a:t>nsible</a:t>
             </a:r>
             <a:r>
               <a:rPr kumimoji="1" lang="ja-JP" altLang="en-US" sz="1200" dirty="0" smtClean="0">
                 <a:latin typeface="+mn-ea"/>
               </a:rPr>
-              <a:t>系メニューにて使用される下記メニューを管理しています</a:t>
+              <a:t>系メニューにて</a:t>
+            </a:r>
+            <a:r>
+              <a:rPr kumimoji="1" lang="ja-JP" altLang="en-US" sz="1200" smtClean="0">
+                <a:latin typeface="+mn-ea"/>
+              </a:rPr>
+              <a:t>使用される下記</a:t>
+            </a:r>
+            <a:r>
+              <a:rPr kumimoji="1" lang="ja-JP" altLang="en-US" sz="1200" dirty="0" smtClean="0">
+                <a:latin typeface="+mn-ea"/>
+              </a:rPr>
+              <a:t>メニューを管理しています</a:t>
             </a:r>
             <a:endParaRPr kumimoji="1" lang="en-US" altLang="ja-JP" sz="1200" dirty="0" smtClean="0">
               <a:latin typeface="+mn-ea"/>
@@ -34099,10 +38121,43 @@
               <a:buChar char="•"/>
             </a:pPr>
             <a:r>
-              <a:rPr kumimoji="1" lang="ja-JP" altLang="en-US" sz="1200" dirty="0" smtClean="0">
+              <a:rPr kumimoji="1" lang="ja-JP" altLang="en-US" sz="1200" smtClean="0">
                 <a:latin typeface="+mn-ea"/>
               </a:rPr>
-              <a:t>インターフェース管理</a:t>
+              <a:t>インターフェース情報</a:t>
+            </a:r>
+            <a:endParaRPr kumimoji="1" lang="en-US" altLang="ja-JP" sz="1200" smtClean="0">
+              <a:latin typeface="+mn-ea"/>
+            </a:endParaRPr>
+          </a:p>
+          <a:p>
+            <a:pPr marL="171450" indent="-171450">
+              <a:buFont typeface="Arial" panose="020B0604020202020204" pitchFamily="34" charset="0"/>
+              <a:buChar char="•"/>
+            </a:pPr>
+            <a:r>
+              <a:rPr lang="en-US" altLang="ja-JP" sz="1200" smtClean="0">
+                <a:latin typeface="+mn-ea"/>
+              </a:rPr>
+              <a:t>Ansible</a:t>
+            </a:r>
+            <a:r>
+              <a:rPr lang="ja-JP" altLang="en-US" sz="1200">
+                <a:latin typeface="+mn-ea"/>
+              </a:rPr>
+              <a:t> </a:t>
+            </a:r>
+            <a:r>
+              <a:rPr lang="en-US" altLang="ja-JP" sz="1200" smtClean="0">
+                <a:latin typeface="+mn-ea"/>
+              </a:rPr>
+              <a:t>Tower</a:t>
+            </a:r>
+            <a:r>
+              <a:rPr lang="ja-JP" altLang="en-US" sz="1200" smtClean="0">
+                <a:latin typeface="+mn-ea"/>
+              </a:rPr>
+              <a:t>ホスト一覧</a:t>
             </a:r>
             <a:endParaRPr kumimoji="1" lang="en-US" altLang="ja-JP" sz="1200" dirty="0" smtClean="0">
               <a:latin typeface="+mn-ea"/>
@@ -38491,11 +42546,30 @@
             </a:r>
             <a:r>
               <a:rPr lang="ja-JP" altLang="en-US" sz="1600" dirty="0"/>
-              <a:t>が実行するために必要な</a:t>
+              <a:t>が実行するために</a:t>
+            </a:r>
+            <a:r>
+              <a:rPr lang="ja-JP" altLang="en-US" sz="1600"/>
+              <a:t>必要</a:t>
+            </a:r>
+            <a:r>
+              <a:rPr lang="ja-JP" altLang="en-US" sz="1600" smtClean="0"/>
+              <a:t>な</a:t>
+            </a:r>
+            <a:r>
+              <a:rPr lang="en-US" altLang="ja-JP" sz="1600" smtClean="0"/>
+              <a:t/>
+            </a:r>
+            <a:br>
+              <a:rPr lang="en-US" altLang="ja-JP" sz="1600" smtClean="0"/>
+            </a:br>
+            <a:r>
+              <a:rPr lang="ja-JP" altLang="en-US" sz="1600" smtClean="0"/>
+              <a:t>ディレクトリ</a:t>
             </a:r>
             <a:r>
               <a:rPr lang="ja-JP" altLang="en-US" sz="1600" dirty="0" smtClean="0"/>
-              <a:t>ディレクトリ、コンフィグファイル</a:t>
+              <a:t>、コンフィグファイル</a:t>
             </a:r>
             <a:r>
               <a:rPr lang="ja-JP" altLang="en-US" sz="1600" dirty="0"/>
@@ -38559,16 +42633,31 @@
               <a:t> + </a:t>
             </a:r>
             <a:r>
-              <a:rPr lang="en-US" altLang="ja-JP" sz="1600" dirty="0" err="1"/>
+              <a:rPr lang="en-US" altLang="ja-JP" sz="1600" err="1"/>
               <a:t>AnsibleEngine</a:t>
             </a:r>
             <a:r>
-              <a:rPr lang="en-US" altLang="ja-JP" sz="1600" dirty="0"/>
+              <a:rPr lang="en-US" altLang="ja-JP" sz="1600"/>
               <a:t> </a:t>
             </a:r>
             <a:r>
+              <a:rPr lang="ja-JP" altLang="en-US" sz="1600" smtClean="0"/>
+              <a:t>で</a:t>
+            </a:r>
+            <a:r>
+              <a:rPr lang="en-US" altLang="ja-JP" sz="1600" smtClean="0"/>
+              <a:t/>
+            </a:r>
+            <a:br>
+              <a:rPr lang="en-US" altLang="ja-JP" sz="1600" smtClean="0"/>
+            </a:br>
+            <a:r>
+              <a:rPr lang="ja-JP" altLang="en-US" sz="1600" smtClean="0"/>
+              <a:t>構成</a:t>
+            </a:r>
+            <a:r>
               <a:rPr lang="ja-JP" altLang="en-US" sz="1600" dirty="0"/>
-              <a:t>で構成された自動構築システムで作業の効率化・省力化が実現</a:t>
+              <a:t>された自動構築システムで作業の効率化・省力化が実現</a:t>
             </a:r>
             <a:r>
               <a:rPr lang="ja-JP" altLang="en-US" sz="1600" dirty="0" smtClean="0"/>
